--- a/docs/Year2/BlockA/MS Teams Assignment Template/2022-23-ADS_AI Learning Log Y2A.pptx
+++ b/docs/Year2/BlockA/MS Teams Assignment Template/2022-23-ADS_AI Learning Log Y2A.pptx
@@ -5,7 +5,7 @@
     <p:sldMasterId id="2147483658" r:id="rId4"/>
   </p:sldMasterIdLst>
   <p:notesMasterIdLst>
-    <p:notesMasterId r:id="rId48"/>
+    <p:notesMasterId r:id="rId44"/>
   </p:notesMasterIdLst>
   <p:sldIdLst>
     <p:sldId id="256" r:id="rId5"/>
@@ -33,80 +33,76 @@
     <p:sldId id="282" r:id="rId27"/>
     <p:sldId id="283" r:id="rId28"/>
     <p:sldId id="286" r:id="rId29"/>
-    <p:sldId id="314" r:id="rId30"/>
-    <p:sldId id="312" r:id="rId31"/>
-    <p:sldId id="313" r:id="rId32"/>
-    <p:sldId id="315" r:id="rId33"/>
-    <p:sldId id="292" r:id="rId34"/>
-    <p:sldId id="293" r:id="rId35"/>
-    <p:sldId id="294" r:id="rId36"/>
-    <p:sldId id="299" r:id="rId37"/>
-    <p:sldId id="300" r:id="rId38"/>
-    <p:sldId id="302" r:id="rId39"/>
-    <p:sldId id="303" r:id="rId40"/>
-    <p:sldId id="306" r:id="rId41"/>
-    <p:sldId id="307" r:id="rId42"/>
-    <p:sldId id="309" r:id="rId43"/>
-    <p:sldId id="310" r:id="rId44"/>
-    <p:sldId id="296" r:id="rId45"/>
-    <p:sldId id="297" r:id="rId46"/>
-    <p:sldId id="298" r:id="rId47"/>
+    <p:sldId id="315" r:id="rId30"/>
+    <p:sldId id="292" r:id="rId31"/>
+    <p:sldId id="293" r:id="rId32"/>
+    <p:sldId id="294" r:id="rId33"/>
+    <p:sldId id="299" r:id="rId34"/>
+    <p:sldId id="300" r:id="rId35"/>
+    <p:sldId id="330" r:id="rId36"/>
+    <p:sldId id="302" r:id="rId37"/>
+    <p:sldId id="303" r:id="rId38"/>
+    <p:sldId id="306" r:id="rId39"/>
+    <p:sldId id="307" r:id="rId40"/>
+    <p:sldId id="296" r:id="rId41"/>
+    <p:sldId id="297" r:id="rId42"/>
+    <p:sldId id="298" r:id="rId43"/>
   </p:sldIdLst>
   <p:sldSz cx="9144000" cy="5143500" type="screen16x9"/>
   <p:notesSz cx="6858000" cy="9144000"/>
   <p:embeddedFontLst>
     <p:embeddedFont>
       <p:font typeface="Alfa Slab One" panose="020B0604020202020204" charset="0"/>
-      <p:regular r:id="rId49"/>
+      <p:regular r:id="rId45"/>
     </p:embeddedFont>
     <p:embeddedFont>
       <p:font typeface="Helvetica Neue" panose="020B0604020202020204" charset="0"/>
+      <p:regular r:id="rId46"/>
+      <p:bold r:id="rId47"/>
+      <p:italic r:id="rId48"/>
+      <p:boldItalic r:id="rId49"/>
+    </p:embeddedFont>
+    <p:embeddedFont>
+      <p:font typeface="Open Sans" panose="020B0606030504020204" pitchFamily="34" charset="0"/>
       <p:regular r:id="rId50"/>
       <p:bold r:id="rId51"/>
       <p:italic r:id="rId52"/>
       <p:boldItalic r:id="rId53"/>
     </p:embeddedFont>
     <p:embeddedFont>
-      <p:font typeface="Open Sans" panose="020B0606030504020204" pitchFamily="34" charset="0"/>
+      <p:font typeface="Proxima Nova" panose="020B0604020202020204" charset="0"/>
       <p:regular r:id="rId54"/>
       <p:bold r:id="rId55"/>
       <p:italic r:id="rId56"/>
       <p:boldItalic r:id="rId57"/>
     </p:embeddedFont>
     <p:embeddedFont>
-      <p:font typeface="Proxima Nova" panose="020B0604020202020204" charset="0"/>
+      <p:font typeface="Roboto" panose="02000000000000000000" pitchFamily="2" charset="0"/>
       <p:regular r:id="rId58"/>
       <p:bold r:id="rId59"/>
       <p:italic r:id="rId60"/>
       <p:boldItalic r:id="rId61"/>
     </p:embeddedFont>
     <p:embeddedFont>
-      <p:font typeface="Roboto" panose="02000000000000000000" pitchFamily="2" charset="0"/>
+      <p:font typeface="Roboto Light" panose="02000000000000000000" pitchFamily="2" charset="0"/>
       <p:regular r:id="rId62"/>
       <p:bold r:id="rId63"/>
       <p:italic r:id="rId64"/>
       <p:boldItalic r:id="rId65"/>
     </p:embeddedFont>
     <p:embeddedFont>
-      <p:font typeface="Roboto Light" panose="02000000000000000000" pitchFamily="2" charset="0"/>
+      <p:font typeface="Roboto Thin" panose="02000000000000000000" pitchFamily="2" charset="0"/>
       <p:regular r:id="rId66"/>
       <p:bold r:id="rId67"/>
       <p:italic r:id="rId68"/>
       <p:boldItalic r:id="rId69"/>
     </p:embeddedFont>
     <p:embeddedFont>
-      <p:font typeface="Roboto Thin" panose="02000000000000000000" pitchFamily="2" charset="0"/>
+      <p:font typeface="Segoe UI" panose="020B0502040204020203" pitchFamily="34" charset="0"/>
       <p:regular r:id="rId70"/>
       <p:bold r:id="rId71"/>
       <p:italic r:id="rId72"/>
       <p:boldItalic r:id="rId73"/>
-    </p:embeddedFont>
-    <p:embeddedFont>
-      <p:font typeface="Segoe UI" panose="020B0502040204020203" pitchFamily="34" charset="0"/>
-      <p:regular r:id="rId74"/>
-      <p:bold r:id="rId75"/>
-      <p:italic r:id="rId76"/>
-      <p:boldItalic r:id="rId77"/>
     </p:embeddedFont>
   </p:embeddedFontLst>
   <p:defaultTextStyle>
@@ -481,6 +477,30 @@
     </pc:docChg>
   </pc:docChgLst>
   <pc:docChgLst>
+    <pc:chgData name="Engering, Elisabeth (210811)" userId="S::210811@buas.nl::e0321fa4-dab0-47ff-8663-e63a5ebcb72c" providerId="AD" clId="Web-{FCE27AD3-2A2C-486D-9BD5-2B0AE5F79050}"/>
+    <pc:docChg chg="modSld">
+      <pc:chgData name="Engering, Elisabeth (210811)" userId="S::210811@buas.nl::e0321fa4-dab0-47ff-8663-e63a5ebcb72c" providerId="AD" clId="Web-{FCE27AD3-2A2C-486D-9BD5-2B0AE5F79050}" dt="2021-10-22T09:47:28.281" v="1" actId="20577"/>
+      <pc:docMkLst>
+        <pc:docMk/>
+      </pc:docMkLst>
+      <pc:sldChg chg="modSp">
+        <pc:chgData name="Engering, Elisabeth (210811)" userId="S::210811@buas.nl::e0321fa4-dab0-47ff-8663-e63a5ebcb72c" providerId="AD" clId="Web-{FCE27AD3-2A2C-486D-9BD5-2B0AE5F79050}" dt="2021-10-22T09:47:28.281" v="1" actId="20577"/>
+        <pc:sldMkLst>
+          <pc:docMk/>
+          <pc:sldMk cId="0" sldId="269"/>
+        </pc:sldMkLst>
+        <pc:spChg chg="mod">
+          <ac:chgData name="Engering, Elisabeth (210811)" userId="S::210811@buas.nl::e0321fa4-dab0-47ff-8663-e63a5ebcb72c" providerId="AD" clId="Web-{FCE27AD3-2A2C-486D-9BD5-2B0AE5F79050}" dt="2021-10-22T09:47:28.281" v="1" actId="20577"/>
+          <ac:spMkLst>
+            <pc:docMk/>
+            <pc:sldMk cId="0" sldId="269"/>
+            <ac:spMk id="216" creationId="{00000000-0000-0000-0000-000000000000}"/>
+          </ac:spMkLst>
+        </pc:spChg>
+      </pc:sldChg>
+    </pc:docChg>
+  </pc:docChgLst>
+  <pc:docChgLst>
     <pc:chgData name="Kozlova, Zhanna" userId="S::kozlova.z@buas.nl::8d63d5a7-3991-4693-b13a-8e2a489aa357" providerId="AD" clId="Web-{CCDE9E4E-5D09-4395-A348-E3BF5775B480}"/>
     <pc:docChg chg="modSld">
       <pc:chgData name="Kozlova, Zhanna" userId="S::kozlova.z@buas.nl::8d63d5a7-3991-4693-b13a-8e2a489aa357" providerId="AD" clId="Web-{CCDE9E4E-5D09-4395-A348-E3BF5775B480}" dt="2021-09-17T15:01:29.178" v="173" actId="20577"/>
@@ -499,30 +519,6 @@
             <pc:docMk/>
             <pc:sldMk cId="0" sldId="265"/>
             <ac:spMk id="174" creationId="{00000000-0000-0000-0000-000000000000}"/>
-          </ac:spMkLst>
-        </pc:spChg>
-      </pc:sldChg>
-    </pc:docChg>
-  </pc:docChgLst>
-  <pc:docChgLst>
-    <pc:chgData name="Engering, Elisabeth (210811)" userId="S::210811@buas.nl::e0321fa4-dab0-47ff-8663-e63a5ebcb72c" providerId="AD" clId="Web-{FCE27AD3-2A2C-486D-9BD5-2B0AE5F79050}"/>
-    <pc:docChg chg="modSld">
-      <pc:chgData name="Engering, Elisabeth (210811)" userId="S::210811@buas.nl::e0321fa4-dab0-47ff-8663-e63a5ebcb72c" providerId="AD" clId="Web-{FCE27AD3-2A2C-486D-9BD5-2B0AE5F79050}" dt="2021-10-22T09:47:28.281" v="1" actId="20577"/>
-      <pc:docMkLst>
-        <pc:docMk/>
-      </pc:docMkLst>
-      <pc:sldChg chg="modSp">
-        <pc:chgData name="Engering, Elisabeth (210811)" userId="S::210811@buas.nl::e0321fa4-dab0-47ff-8663-e63a5ebcb72c" providerId="AD" clId="Web-{FCE27AD3-2A2C-486D-9BD5-2B0AE5F79050}" dt="2021-10-22T09:47:28.281" v="1" actId="20577"/>
-        <pc:sldMkLst>
-          <pc:docMk/>
-          <pc:sldMk cId="0" sldId="269"/>
-        </pc:sldMkLst>
-        <pc:spChg chg="mod">
-          <ac:chgData name="Engering, Elisabeth (210811)" userId="S::210811@buas.nl::e0321fa4-dab0-47ff-8663-e63a5ebcb72c" providerId="AD" clId="Web-{FCE27AD3-2A2C-486D-9BD5-2B0AE5F79050}" dt="2021-10-22T09:47:28.281" v="1" actId="20577"/>
-          <ac:spMkLst>
-            <pc:docMk/>
-            <pc:sldMk cId="0" sldId="269"/>
-            <ac:spMk id="216" creationId="{00000000-0000-0000-0000-000000000000}"/>
           </ac:spMkLst>
         </pc:spChg>
       </pc:sldChg>
@@ -3773,7 +3769,7 @@
   <p:cSld>
     <p:spTree>
       <p:nvGrpSpPr>
-        <p:cNvPr id="1" name="Shape 389"/>
+        <p:cNvPr id="1" name="Shape 359"/>
         <p:cNvGrpSpPr/>
         <p:nvPr/>
       </p:nvGrpSpPr>
@@ -3787,7 +3783,7 @@
       </p:grpSpPr>
       <p:sp>
         <p:nvSpPr>
-          <p:cNvPr id="390" name="Google Shape;390;g6b602ea5a7_1_270:notes"/>
+          <p:cNvPr id="360" name="Google Shape;360;g6b4f495656_0_703:notes"/>
           <p:cNvSpPr>
             <a:spLocks noGrp="1" noRot="1" noChangeAspect="1"/>
           </p:cNvSpPr>
@@ -3828,7 +3824,7 @@
       </p:sp>
       <p:sp>
         <p:nvSpPr>
-          <p:cNvPr id="391" name="Google Shape;391;g6b602ea5a7_1_270:notes"/>
+          <p:cNvPr id="361" name="Google Shape;361;g6b4f495656_0_703:notes"/>
           <p:cNvSpPr txBox="1">
             <a:spLocks noGrp="1"/>
           </p:cNvSpPr>
@@ -3865,11 +3861,6 @@
         </p:txBody>
       </p:sp>
     </p:spTree>
-    <p:extLst>
-      <p:ext uri="{BB962C8B-B14F-4D97-AF65-F5344CB8AC3E}">
-        <p14:creationId xmlns:p14="http://schemas.microsoft.com/office/powerpoint/2010/main" val="200456282"/>
-      </p:ext>
-    </p:extLst>
   </p:cSld>
   <p:clrMapOvr>
     <a:masterClrMapping/>
@@ -3882,7 +3873,7 @@
   <p:cSld>
     <p:spTree>
       <p:nvGrpSpPr>
-        <p:cNvPr id="1" name="Shape 389"/>
+        <p:cNvPr id="1" name="Shape 452"/>
         <p:cNvGrpSpPr/>
         <p:nvPr/>
       </p:nvGrpSpPr>
@@ -3896,7 +3887,7 @@
       </p:grpSpPr>
       <p:sp>
         <p:nvSpPr>
-          <p:cNvPr id="390" name="Google Shape;390;g6b602ea5a7_1_270:notes"/>
+          <p:cNvPr id="453" name="Google Shape;453;g6b602ea5a7_1_346:notes"/>
           <p:cNvSpPr>
             <a:spLocks noGrp="1" noRot="1" noChangeAspect="1"/>
           </p:cNvSpPr>
@@ -3937,7 +3928,7 @@
       </p:sp>
       <p:sp>
         <p:nvSpPr>
-          <p:cNvPr id="391" name="Google Shape;391;g6b602ea5a7_1_270:notes"/>
+          <p:cNvPr id="454" name="Google Shape;454;g6b602ea5a7_1_346:notes"/>
           <p:cNvSpPr txBox="1">
             <a:spLocks noGrp="1"/>
           </p:cNvSpPr>
@@ -3974,11 +3965,6 @@
         </p:txBody>
       </p:sp>
     </p:spTree>
-    <p:extLst>
-      <p:ext uri="{BB962C8B-B14F-4D97-AF65-F5344CB8AC3E}">
-        <p14:creationId xmlns:p14="http://schemas.microsoft.com/office/powerpoint/2010/main" val="3205224980"/>
-      </p:ext>
-    </p:extLst>
   </p:cSld>
   <p:clrMapOvr>
     <a:masterClrMapping/>
@@ -3991,7 +3977,7 @@
   <p:cSld>
     <p:spTree>
       <p:nvGrpSpPr>
-        <p:cNvPr id="1" name="Shape 389"/>
+        <p:cNvPr id="1" name="Shape 463"/>
         <p:cNvGrpSpPr/>
         <p:nvPr/>
       </p:nvGrpSpPr>
@@ -4005,7 +3991,7 @@
       </p:grpSpPr>
       <p:sp>
         <p:nvSpPr>
-          <p:cNvPr id="390" name="Google Shape;390;g6b602ea5a7_1_270:notes"/>
+          <p:cNvPr id="464" name="Google Shape;464;g6b4f495656_0_721:notes"/>
           <p:cNvSpPr>
             <a:spLocks noGrp="1" noRot="1" noChangeAspect="1"/>
           </p:cNvSpPr>
@@ -4046,7 +4032,7 @@
       </p:sp>
       <p:sp>
         <p:nvSpPr>
-          <p:cNvPr id="391" name="Google Shape;391;g6b602ea5a7_1_270:notes"/>
+          <p:cNvPr id="465" name="Google Shape;465;g6b4f495656_0_721:notes"/>
           <p:cNvSpPr txBox="1">
             <a:spLocks noGrp="1"/>
           </p:cNvSpPr>
@@ -4083,11 +4069,6 @@
         </p:txBody>
       </p:sp>
     </p:spTree>
-    <p:extLst>
-      <p:ext uri="{BB962C8B-B14F-4D97-AF65-F5344CB8AC3E}">
-        <p14:creationId xmlns:p14="http://schemas.microsoft.com/office/powerpoint/2010/main" val="1278525387"/>
-      </p:ext>
-    </p:extLst>
   </p:cSld>
   <p:clrMapOvr>
     <a:masterClrMapping/>
@@ -4100,7 +4081,7 @@
   <p:cSld>
     <p:spTree>
       <p:nvGrpSpPr>
-        <p:cNvPr id="1" name="Shape 359"/>
+        <p:cNvPr id="1" name="Shape 471"/>
         <p:cNvGrpSpPr/>
         <p:nvPr/>
       </p:nvGrpSpPr>
@@ -4114,7 +4095,7 @@
       </p:grpSpPr>
       <p:sp>
         <p:nvSpPr>
-          <p:cNvPr id="360" name="Google Shape;360;g6b4f495656_0_703:notes"/>
+          <p:cNvPr id="472" name="Google Shape;472;g6b602ea5a7_1_359:notes"/>
           <p:cNvSpPr>
             <a:spLocks noGrp="1" noRot="1" noChangeAspect="1"/>
           </p:cNvSpPr>
@@ -4155,7 +4136,7 @@
       </p:sp>
       <p:sp>
         <p:nvSpPr>
-          <p:cNvPr id="361" name="Google Shape;361;g6b4f495656_0_703:notes"/>
+          <p:cNvPr id="473" name="Google Shape;473;g6b602ea5a7_1_359:notes"/>
           <p:cNvSpPr txBox="1">
             <a:spLocks noGrp="1"/>
           </p:cNvSpPr>
@@ -4308,7 +4289,7 @@
   <p:cSld>
     <p:spTree>
       <p:nvGrpSpPr>
-        <p:cNvPr id="1" name="Shape 452"/>
+        <p:cNvPr id="1" name="Shape 463"/>
         <p:cNvGrpSpPr/>
         <p:nvPr/>
       </p:nvGrpSpPr>
@@ -4322,7 +4303,7 @@
       </p:grpSpPr>
       <p:sp>
         <p:nvSpPr>
-          <p:cNvPr id="453" name="Google Shape;453;g6b602ea5a7_1_346:notes"/>
+          <p:cNvPr id="464" name="Google Shape;464;g6b4f495656_0_721:notes"/>
           <p:cNvSpPr>
             <a:spLocks noGrp="1" noRot="1" noChangeAspect="1"/>
           </p:cNvSpPr>
@@ -4363,7 +4344,7 @@
       </p:sp>
       <p:sp>
         <p:nvSpPr>
-          <p:cNvPr id="454" name="Google Shape;454;g6b602ea5a7_1_346:notes"/>
+          <p:cNvPr id="465" name="Google Shape;465;g6b4f495656_0_721:notes"/>
           <p:cNvSpPr txBox="1">
             <a:spLocks noGrp="1"/>
           </p:cNvSpPr>
@@ -4400,6 +4381,11 @@
         </p:txBody>
       </p:sp>
     </p:spTree>
+    <p:extLst>
+      <p:ext uri="{BB962C8B-B14F-4D97-AF65-F5344CB8AC3E}">
+        <p14:creationId xmlns:p14="http://schemas.microsoft.com/office/powerpoint/2010/main" val="693897508"/>
+      </p:ext>
+    </p:extLst>
   </p:cSld>
   <p:clrMapOvr>
     <a:masterClrMapping/>
@@ -4412,7 +4398,7 @@
   <p:cSld>
     <p:spTree>
       <p:nvGrpSpPr>
-        <p:cNvPr id="1" name="Shape 463"/>
+        <p:cNvPr id="1" name="Shape 471"/>
         <p:cNvGrpSpPr/>
         <p:nvPr/>
       </p:nvGrpSpPr>
@@ -4426,7 +4412,7 @@
       </p:grpSpPr>
       <p:sp>
         <p:nvSpPr>
-          <p:cNvPr id="464" name="Google Shape;464;g6b4f495656_0_721:notes"/>
+          <p:cNvPr id="472" name="Google Shape;472;g6b602ea5a7_1_359:notes"/>
           <p:cNvSpPr>
             <a:spLocks noGrp="1" noRot="1" noChangeAspect="1"/>
           </p:cNvSpPr>
@@ -4467,7 +4453,7 @@
       </p:sp>
       <p:sp>
         <p:nvSpPr>
-          <p:cNvPr id="465" name="Google Shape;465;g6b4f495656_0_721:notes"/>
+          <p:cNvPr id="473" name="Google Shape;473;g6b602ea5a7_1_359:notes"/>
           <p:cNvSpPr txBox="1">
             <a:spLocks noGrp="1"/>
           </p:cNvSpPr>
@@ -4504,6 +4490,11 @@
         </p:txBody>
       </p:sp>
     </p:spTree>
+    <p:extLst>
+      <p:ext uri="{BB962C8B-B14F-4D97-AF65-F5344CB8AC3E}">
+        <p14:creationId xmlns:p14="http://schemas.microsoft.com/office/powerpoint/2010/main" val="1393390409"/>
+      </p:ext>
+    </p:extLst>
   </p:cSld>
   <p:clrMapOvr>
     <a:masterClrMapping/>
@@ -4608,6 +4599,11 @@
         </p:txBody>
       </p:sp>
     </p:spTree>
+    <p:extLst>
+      <p:ext uri="{BB962C8B-B14F-4D97-AF65-F5344CB8AC3E}">
+        <p14:creationId xmlns:p14="http://schemas.microsoft.com/office/powerpoint/2010/main" val="1027361882"/>
+      </p:ext>
+    </p:extLst>
   </p:cSld>
   <p:clrMapOvr>
     <a:masterClrMapping/>
@@ -4714,7 +4710,7 @@
     </p:spTree>
     <p:extLst>
       <p:ext uri="{BB962C8B-B14F-4D97-AF65-F5344CB8AC3E}">
-        <p14:creationId xmlns:p14="http://schemas.microsoft.com/office/powerpoint/2010/main" val="693897508"/>
+        <p14:creationId xmlns:p14="http://schemas.microsoft.com/office/powerpoint/2010/main" val="2396244362"/>
       </p:ext>
     </p:extLst>
   </p:cSld>
@@ -4823,7 +4819,7 @@
     </p:spTree>
     <p:extLst>
       <p:ext uri="{BB962C8B-B14F-4D97-AF65-F5344CB8AC3E}">
-        <p14:creationId xmlns:p14="http://schemas.microsoft.com/office/powerpoint/2010/main" val="1393390409"/>
+        <p14:creationId xmlns:p14="http://schemas.microsoft.com/office/powerpoint/2010/main" val="1287584648"/>
       </p:ext>
     </p:extLst>
   </p:cSld>
@@ -4932,7 +4928,7 @@
     </p:spTree>
     <p:extLst>
       <p:ext uri="{BB962C8B-B14F-4D97-AF65-F5344CB8AC3E}">
-        <p14:creationId xmlns:p14="http://schemas.microsoft.com/office/powerpoint/2010/main" val="2396244362"/>
+        <p14:creationId xmlns:p14="http://schemas.microsoft.com/office/powerpoint/2010/main" val="3384878734"/>
       </p:ext>
     </p:extLst>
   </p:cSld>
@@ -5041,7 +5037,7 @@
     </p:spTree>
     <p:extLst>
       <p:ext uri="{BB962C8B-B14F-4D97-AF65-F5344CB8AC3E}">
-        <p14:creationId xmlns:p14="http://schemas.microsoft.com/office/powerpoint/2010/main" val="1287584648"/>
+        <p14:creationId xmlns:p14="http://schemas.microsoft.com/office/powerpoint/2010/main" val="186889209"/>
       </p:ext>
     </p:extLst>
   </p:cSld>
@@ -5056,7 +5052,7 @@
   <p:cSld>
     <p:spTree>
       <p:nvGrpSpPr>
-        <p:cNvPr id="1" name="Shape 463"/>
+        <p:cNvPr id="1" name="Shape 493"/>
         <p:cNvGrpSpPr/>
         <p:nvPr/>
       </p:nvGrpSpPr>
@@ -5070,7 +5066,7 @@
       </p:grpSpPr>
       <p:sp>
         <p:nvSpPr>
-          <p:cNvPr id="464" name="Google Shape;464;g6b4f495656_0_721:notes"/>
+          <p:cNvPr id="494" name="Google Shape;494;g6b4f495656_0_753:notes"/>
           <p:cNvSpPr>
             <a:spLocks noGrp="1" noRot="1" noChangeAspect="1"/>
           </p:cNvSpPr>
@@ -5111,7 +5107,7 @@
       </p:sp>
       <p:sp>
         <p:nvSpPr>
-          <p:cNvPr id="465" name="Google Shape;465;g6b4f495656_0_721:notes"/>
+          <p:cNvPr id="495" name="Google Shape;495;g6b4f495656_0_753:notes"/>
           <p:cNvSpPr txBox="1">
             <a:spLocks noGrp="1"/>
           </p:cNvSpPr>
@@ -5143,16 +5139,31 @@
               </a:spcAft>
               <a:buNone/>
             </a:pPr>
+            <a:r>
+              <a:rPr lang="en"/>
+              <a:t>MUST BE COMPLETED IN WEEK 8</a:t>
+            </a:r>
             <a:endParaRPr/>
           </a:p>
+          <a:p>
+            <a:pPr marL="0" lvl="0" indent="0" algn="l" rtl="0">
+              <a:spcBef>
+                <a:spcPts val="0"/>
+              </a:spcBef>
+              <a:spcAft>
+                <a:spcPts val="0"/>
+              </a:spcAft>
+              <a:buNone/>
+            </a:pPr>
+            <a:r>
+              <a:rPr lang="en"/>
+              <a:t>Summative reflection on your progress during the block including a critical assessment of everything you did and learned during the block. This is a comprehensive review of everything recorded in Section B, evaluated against the goals and planning laid out in Section A.</a:t>
+            </a:r>
+            <a:endParaRPr/>
+          </a:p>
         </p:txBody>
       </p:sp>
     </p:spTree>
-    <p:extLst>
-      <p:ext uri="{BB962C8B-B14F-4D97-AF65-F5344CB8AC3E}">
-        <p14:creationId xmlns:p14="http://schemas.microsoft.com/office/powerpoint/2010/main" val="3384878734"/>
-      </p:ext>
-    </p:extLst>
   </p:cSld>
   <p:clrMapOvr>
     <a:masterClrMapping/>
@@ -5165,7 +5176,7 @@
   <p:cSld>
     <p:spTree>
       <p:nvGrpSpPr>
-        <p:cNvPr id="1" name="Shape 471"/>
+        <p:cNvPr id="1" name="Shape 500"/>
         <p:cNvGrpSpPr/>
         <p:nvPr/>
       </p:nvGrpSpPr>
@@ -5179,7 +5190,7 @@
       </p:grpSpPr>
       <p:sp>
         <p:nvSpPr>
-          <p:cNvPr id="472" name="Google Shape;472;g6b602ea5a7_1_359:notes"/>
+          <p:cNvPr id="501" name="Google Shape;501;g6b602ea5a7_1_212:notes"/>
           <p:cNvSpPr>
             <a:spLocks noGrp="1" noRot="1" noChangeAspect="1"/>
           </p:cNvSpPr>
@@ -5220,7 +5231,7 @@
       </p:sp>
       <p:sp>
         <p:nvSpPr>
-          <p:cNvPr id="473" name="Google Shape;473;g6b602ea5a7_1_359:notes"/>
+          <p:cNvPr id="502" name="Google Shape;502;g6b602ea5a7_1_212:notes"/>
           <p:cNvSpPr txBox="1">
             <a:spLocks noGrp="1"/>
           </p:cNvSpPr>
@@ -5257,11 +5268,6 @@
         </p:txBody>
       </p:sp>
     </p:spTree>
-    <p:extLst>
-      <p:ext uri="{BB962C8B-B14F-4D97-AF65-F5344CB8AC3E}">
-        <p14:creationId xmlns:p14="http://schemas.microsoft.com/office/powerpoint/2010/main" val="186889209"/>
-      </p:ext>
-    </p:extLst>
   </p:cSld>
   <p:clrMapOvr>
     <a:masterClrMapping/>
@@ -5274,7 +5280,7 @@
   <p:cSld>
     <p:spTree>
       <p:nvGrpSpPr>
-        <p:cNvPr id="1" name="Shape 463"/>
+        <p:cNvPr id="1" name="Shape 509"/>
         <p:cNvGrpSpPr/>
         <p:nvPr/>
       </p:nvGrpSpPr>
@@ -5288,7 +5294,7 @@
       </p:grpSpPr>
       <p:sp>
         <p:nvSpPr>
-          <p:cNvPr id="464" name="Google Shape;464;g6b4f495656_0_721:notes"/>
+          <p:cNvPr id="510" name="Google Shape;510;g6b602ea5a7_1_221:notes"/>
           <p:cNvSpPr>
             <a:spLocks noGrp="1" noRot="1" noChangeAspect="1"/>
           </p:cNvSpPr>
@@ -5329,7 +5335,7 @@
       </p:sp>
       <p:sp>
         <p:nvSpPr>
-          <p:cNvPr id="465" name="Google Shape;465;g6b4f495656_0_721:notes"/>
+          <p:cNvPr id="511" name="Google Shape;511;g6b602ea5a7_1_221:notes"/>
           <p:cNvSpPr txBox="1">
             <a:spLocks noGrp="1"/>
           </p:cNvSpPr>
@@ -5366,11 +5372,6 @@
         </p:txBody>
       </p:sp>
     </p:spTree>
-    <p:extLst>
-      <p:ext uri="{BB962C8B-B14F-4D97-AF65-F5344CB8AC3E}">
-        <p14:creationId xmlns:p14="http://schemas.microsoft.com/office/powerpoint/2010/main" val="3965966335"/>
-      </p:ext>
-    </p:extLst>
   </p:cSld>
   <p:clrMapOvr>
     <a:masterClrMapping/>
@@ -5522,447 +5523,6 @@
               <a:rPr lang="en"/>
               <a:t>(Some reflection is almost always a good idea as it provides the foundation for Section C.)</a:t>
             </a:r>
-            <a:endParaRPr/>
-          </a:p>
-        </p:txBody>
-      </p:sp>
-    </p:spTree>
-  </p:cSld>
-  <p:clrMapOvr>
-    <a:masterClrMapping/>
-  </p:clrMapOvr>
-</p:notes>
-</file>
-
-<file path=ppt/notesSlides/notesSlide40.xml><?xml version="1.0" encoding="utf-8"?>
-<p:notes xmlns:a="http://schemas.openxmlformats.org/drawingml/2006/main" xmlns:r="http://schemas.openxmlformats.org/officeDocument/2006/relationships" xmlns:p="http://schemas.openxmlformats.org/presentationml/2006/main" showMasterSp="0" showMasterPhAnim="0">
-  <p:cSld>
-    <p:spTree>
-      <p:nvGrpSpPr>
-        <p:cNvPr id="1" name="Shape 471"/>
-        <p:cNvGrpSpPr/>
-        <p:nvPr/>
-      </p:nvGrpSpPr>
-      <p:grpSpPr>
-        <a:xfrm>
-          <a:off x="0" y="0"/>
-          <a:ext cx="0" cy="0"/>
-          <a:chOff x="0" y="0"/>
-          <a:chExt cx="0" cy="0"/>
-        </a:xfrm>
-      </p:grpSpPr>
-      <p:sp>
-        <p:nvSpPr>
-          <p:cNvPr id="472" name="Google Shape;472;g6b602ea5a7_1_359:notes"/>
-          <p:cNvSpPr>
-            <a:spLocks noGrp="1" noRot="1" noChangeAspect="1"/>
-          </p:cNvSpPr>
-          <p:nvPr>
-            <p:ph type="sldImg" idx="2"/>
-          </p:nvPr>
-        </p:nvSpPr>
-        <p:spPr>
-          <a:xfrm>
-            <a:off x="381000" y="685800"/>
-            <a:ext cx="6096000" cy="3429000"/>
-          </a:xfrm>
-          <a:custGeom>
-            <a:avLst/>
-            <a:gdLst/>
-            <a:ahLst/>
-            <a:cxnLst/>
-            <a:rect l="l" t="t" r="r" b="b"/>
-            <a:pathLst>
-              <a:path w="120000" h="120000" extrusionOk="0">
-                <a:moveTo>
-                  <a:pt x="0" y="0"/>
-                </a:moveTo>
-                <a:lnTo>
-                  <a:pt x="120000" y="0"/>
-                </a:lnTo>
-                <a:lnTo>
-                  <a:pt x="120000" y="120000"/>
-                </a:lnTo>
-                <a:lnTo>
-                  <a:pt x="0" y="120000"/>
-                </a:lnTo>
-                <a:close/>
-              </a:path>
-            </a:pathLst>
-          </a:custGeom>
-        </p:spPr>
-      </p:sp>
-      <p:sp>
-        <p:nvSpPr>
-          <p:cNvPr id="473" name="Google Shape;473;g6b602ea5a7_1_359:notes"/>
-          <p:cNvSpPr txBox="1">
-            <a:spLocks noGrp="1"/>
-          </p:cNvSpPr>
-          <p:nvPr>
-            <p:ph type="body" idx="1"/>
-          </p:nvPr>
-        </p:nvSpPr>
-        <p:spPr>
-          <a:xfrm>
-            <a:off x="685800" y="4343400"/>
-            <a:ext cx="5486400" cy="4114800"/>
-          </a:xfrm>
-          <a:prstGeom prst="rect">
-            <a:avLst/>
-          </a:prstGeom>
-        </p:spPr>
-        <p:txBody>
-          <a:bodyPr spcFirstLastPara="1" wrap="square" lIns="91425" tIns="91425" rIns="91425" bIns="91425" anchor="t" anchorCtr="0">
-            <a:noAutofit/>
-          </a:bodyPr>
-          <a:lstStyle/>
-          <a:p>
-            <a:pPr marL="0" lvl="0" indent="0" algn="l" rtl="0">
-              <a:spcBef>
-                <a:spcPts val="0"/>
-              </a:spcBef>
-              <a:spcAft>
-                <a:spcPts val="0"/>
-              </a:spcAft>
-              <a:buNone/>
-            </a:pPr>
-            <a:endParaRPr/>
-          </a:p>
-        </p:txBody>
-      </p:sp>
-    </p:spTree>
-    <p:extLst>
-      <p:ext uri="{BB962C8B-B14F-4D97-AF65-F5344CB8AC3E}">
-        <p14:creationId xmlns:p14="http://schemas.microsoft.com/office/powerpoint/2010/main" val="441064371"/>
-      </p:ext>
-    </p:extLst>
-  </p:cSld>
-  <p:clrMapOvr>
-    <a:masterClrMapping/>
-  </p:clrMapOvr>
-</p:notes>
-</file>
-
-<file path=ppt/notesSlides/notesSlide41.xml><?xml version="1.0" encoding="utf-8"?>
-<p:notes xmlns:a="http://schemas.openxmlformats.org/drawingml/2006/main" xmlns:r="http://schemas.openxmlformats.org/officeDocument/2006/relationships" xmlns:p="http://schemas.openxmlformats.org/presentationml/2006/main" showMasterSp="0" showMasterPhAnim="0">
-  <p:cSld>
-    <p:spTree>
-      <p:nvGrpSpPr>
-        <p:cNvPr id="1" name="Shape 493"/>
-        <p:cNvGrpSpPr/>
-        <p:nvPr/>
-      </p:nvGrpSpPr>
-      <p:grpSpPr>
-        <a:xfrm>
-          <a:off x="0" y="0"/>
-          <a:ext cx="0" cy="0"/>
-          <a:chOff x="0" y="0"/>
-          <a:chExt cx="0" cy="0"/>
-        </a:xfrm>
-      </p:grpSpPr>
-      <p:sp>
-        <p:nvSpPr>
-          <p:cNvPr id="494" name="Google Shape;494;g6b4f495656_0_753:notes"/>
-          <p:cNvSpPr>
-            <a:spLocks noGrp="1" noRot="1" noChangeAspect="1"/>
-          </p:cNvSpPr>
-          <p:nvPr>
-            <p:ph type="sldImg" idx="2"/>
-          </p:nvPr>
-        </p:nvSpPr>
-        <p:spPr>
-          <a:xfrm>
-            <a:off x="381000" y="685800"/>
-            <a:ext cx="6096000" cy="3429000"/>
-          </a:xfrm>
-          <a:custGeom>
-            <a:avLst/>
-            <a:gdLst/>
-            <a:ahLst/>
-            <a:cxnLst/>
-            <a:rect l="l" t="t" r="r" b="b"/>
-            <a:pathLst>
-              <a:path w="120000" h="120000" extrusionOk="0">
-                <a:moveTo>
-                  <a:pt x="0" y="0"/>
-                </a:moveTo>
-                <a:lnTo>
-                  <a:pt x="120000" y="0"/>
-                </a:lnTo>
-                <a:lnTo>
-                  <a:pt x="120000" y="120000"/>
-                </a:lnTo>
-                <a:lnTo>
-                  <a:pt x="0" y="120000"/>
-                </a:lnTo>
-                <a:close/>
-              </a:path>
-            </a:pathLst>
-          </a:custGeom>
-        </p:spPr>
-      </p:sp>
-      <p:sp>
-        <p:nvSpPr>
-          <p:cNvPr id="495" name="Google Shape;495;g6b4f495656_0_753:notes"/>
-          <p:cNvSpPr txBox="1">
-            <a:spLocks noGrp="1"/>
-          </p:cNvSpPr>
-          <p:nvPr>
-            <p:ph type="body" idx="1"/>
-          </p:nvPr>
-        </p:nvSpPr>
-        <p:spPr>
-          <a:xfrm>
-            <a:off x="685800" y="4343400"/>
-            <a:ext cx="5486400" cy="4114800"/>
-          </a:xfrm>
-          <a:prstGeom prst="rect">
-            <a:avLst/>
-          </a:prstGeom>
-        </p:spPr>
-        <p:txBody>
-          <a:bodyPr spcFirstLastPara="1" wrap="square" lIns="91425" tIns="91425" rIns="91425" bIns="91425" anchor="t" anchorCtr="0">
-            <a:noAutofit/>
-          </a:bodyPr>
-          <a:lstStyle/>
-          <a:p>
-            <a:pPr marL="0" lvl="0" indent="0" algn="l" rtl="0">
-              <a:spcBef>
-                <a:spcPts val="0"/>
-              </a:spcBef>
-              <a:spcAft>
-                <a:spcPts val="0"/>
-              </a:spcAft>
-              <a:buNone/>
-            </a:pPr>
-            <a:r>
-              <a:rPr lang="en"/>
-              <a:t>MUST BE COMPLETED IN WEEK 8</a:t>
-            </a:r>
-            <a:endParaRPr/>
-          </a:p>
-          <a:p>
-            <a:pPr marL="0" lvl="0" indent="0" algn="l" rtl="0">
-              <a:spcBef>
-                <a:spcPts val="0"/>
-              </a:spcBef>
-              <a:spcAft>
-                <a:spcPts val="0"/>
-              </a:spcAft>
-              <a:buNone/>
-            </a:pPr>
-            <a:r>
-              <a:rPr lang="en"/>
-              <a:t>Summative reflection on your progress during the block including a critical assessment of everything you did and learned during the block. This is a comprehensive review of everything recorded in Section B, evaluated against the goals and planning laid out in Section A.</a:t>
-            </a:r>
-            <a:endParaRPr/>
-          </a:p>
-        </p:txBody>
-      </p:sp>
-    </p:spTree>
-  </p:cSld>
-  <p:clrMapOvr>
-    <a:masterClrMapping/>
-  </p:clrMapOvr>
-</p:notes>
-</file>
-
-<file path=ppt/notesSlides/notesSlide42.xml><?xml version="1.0" encoding="utf-8"?>
-<p:notes xmlns:a="http://schemas.openxmlformats.org/drawingml/2006/main" xmlns:r="http://schemas.openxmlformats.org/officeDocument/2006/relationships" xmlns:p="http://schemas.openxmlformats.org/presentationml/2006/main" showMasterSp="0" showMasterPhAnim="0">
-  <p:cSld>
-    <p:spTree>
-      <p:nvGrpSpPr>
-        <p:cNvPr id="1" name="Shape 500"/>
-        <p:cNvGrpSpPr/>
-        <p:nvPr/>
-      </p:nvGrpSpPr>
-      <p:grpSpPr>
-        <a:xfrm>
-          <a:off x="0" y="0"/>
-          <a:ext cx="0" cy="0"/>
-          <a:chOff x="0" y="0"/>
-          <a:chExt cx="0" cy="0"/>
-        </a:xfrm>
-      </p:grpSpPr>
-      <p:sp>
-        <p:nvSpPr>
-          <p:cNvPr id="501" name="Google Shape;501;g6b602ea5a7_1_212:notes"/>
-          <p:cNvSpPr>
-            <a:spLocks noGrp="1" noRot="1" noChangeAspect="1"/>
-          </p:cNvSpPr>
-          <p:nvPr>
-            <p:ph type="sldImg" idx="2"/>
-          </p:nvPr>
-        </p:nvSpPr>
-        <p:spPr>
-          <a:xfrm>
-            <a:off x="381000" y="685800"/>
-            <a:ext cx="6096000" cy="3429000"/>
-          </a:xfrm>
-          <a:custGeom>
-            <a:avLst/>
-            <a:gdLst/>
-            <a:ahLst/>
-            <a:cxnLst/>
-            <a:rect l="l" t="t" r="r" b="b"/>
-            <a:pathLst>
-              <a:path w="120000" h="120000" extrusionOk="0">
-                <a:moveTo>
-                  <a:pt x="0" y="0"/>
-                </a:moveTo>
-                <a:lnTo>
-                  <a:pt x="120000" y="0"/>
-                </a:lnTo>
-                <a:lnTo>
-                  <a:pt x="120000" y="120000"/>
-                </a:lnTo>
-                <a:lnTo>
-                  <a:pt x="0" y="120000"/>
-                </a:lnTo>
-                <a:close/>
-              </a:path>
-            </a:pathLst>
-          </a:custGeom>
-        </p:spPr>
-      </p:sp>
-      <p:sp>
-        <p:nvSpPr>
-          <p:cNvPr id="502" name="Google Shape;502;g6b602ea5a7_1_212:notes"/>
-          <p:cNvSpPr txBox="1">
-            <a:spLocks noGrp="1"/>
-          </p:cNvSpPr>
-          <p:nvPr>
-            <p:ph type="body" idx="1"/>
-          </p:nvPr>
-        </p:nvSpPr>
-        <p:spPr>
-          <a:xfrm>
-            <a:off x="685800" y="4343400"/>
-            <a:ext cx="5486400" cy="4114800"/>
-          </a:xfrm>
-          <a:prstGeom prst="rect">
-            <a:avLst/>
-          </a:prstGeom>
-        </p:spPr>
-        <p:txBody>
-          <a:bodyPr spcFirstLastPara="1" wrap="square" lIns="91425" tIns="91425" rIns="91425" bIns="91425" anchor="t" anchorCtr="0">
-            <a:noAutofit/>
-          </a:bodyPr>
-          <a:lstStyle/>
-          <a:p>
-            <a:pPr marL="0" lvl="0" indent="0" algn="l" rtl="0">
-              <a:spcBef>
-                <a:spcPts val="0"/>
-              </a:spcBef>
-              <a:spcAft>
-                <a:spcPts val="0"/>
-              </a:spcAft>
-              <a:buNone/>
-            </a:pPr>
-            <a:endParaRPr/>
-          </a:p>
-        </p:txBody>
-      </p:sp>
-    </p:spTree>
-  </p:cSld>
-  <p:clrMapOvr>
-    <a:masterClrMapping/>
-  </p:clrMapOvr>
-</p:notes>
-</file>
-
-<file path=ppt/notesSlides/notesSlide43.xml><?xml version="1.0" encoding="utf-8"?>
-<p:notes xmlns:a="http://schemas.openxmlformats.org/drawingml/2006/main" xmlns:r="http://schemas.openxmlformats.org/officeDocument/2006/relationships" xmlns:p="http://schemas.openxmlformats.org/presentationml/2006/main" showMasterSp="0" showMasterPhAnim="0">
-  <p:cSld>
-    <p:spTree>
-      <p:nvGrpSpPr>
-        <p:cNvPr id="1" name="Shape 509"/>
-        <p:cNvGrpSpPr/>
-        <p:nvPr/>
-      </p:nvGrpSpPr>
-      <p:grpSpPr>
-        <a:xfrm>
-          <a:off x="0" y="0"/>
-          <a:ext cx="0" cy="0"/>
-          <a:chOff x="0" y="0"/>
-          <a:chExt cx="0" cy="0"/>
-        </a:xfrm>
-      </p:grpSpPr>
-      <p:sp>
-        <p:nvSpPr>
-          <p:cNvPr id="510" name="Google Shape;510;g6b602ea5a7_1_221:notes"/>
-          <p:cNvSpPr>
-            <a:spLocks noGrp="1" noRot="1" noChangeAspect="1"/>
-          </p:cNvSpPr>
-          <p:nvPr>
-            <p:ph type="sldImg" idx="2"/>
-          </p:nvPr>
-        </p:nvSpPr>
-        <p:spPr>
-          <a:xfrm>
-            <a:off x="381000" y="685800"/>
-            <a:ext cx="6096000" cy="3429000"/>
-          </a:xfrm>
-          <a:custGeom>
-            <a:avLst/>
-            <a:gdLst/>
-            <a:ahLst/>
-            <a:cxnLst/>
-            <a:rect l="l" t="t" r="r" b="b"/>
-            <a:pathLst>
-              <a:path w="120000" h="120000" extrusionOk="0">
-                <a:moveTo>
-                  <a:pt x="0" y="0"/>
-                </a:moveTo>
-                <a:lnTo>
-                  <a:pt x="120000" y="0"/>
-                </a:lnTo>
-                <a:lnTo>
-                  <a:pt x="120000" y="120000"/>
-                </a:lnTo>
-                <a:lnTo>
-                  <a:pt x="0" y="120000"/>
-                </a:lnTo>
-                <a:close/>
-              </a:path>
-            </a:pathLst>
-          </a:custGeom>
-        </p:spPr>
-      </p:sp>
-      <p:sp>
-        <p:nvSpPr>
-          <p:cNvPr id="511" name="Google Shape;511;g6b602ea5a7_1_221:notes"/>
-          <p:cNvSpPr txBox="1">
-            <a:spLocks noGrp="1"/>
-          </p:cNvSpPr>
-          <p:nvPr>
-            <p:ph type="body" idx="1"/>
-          </p:nvPr>
-        </p:nvSpPr>
-        <p:spPr>
-          <a:xfrm>
-            <a:off x="685800" y="4343400"/>
-            <a:ext cx="5486400" cy="4114800"/>
-          </a:xfrm>
-          <a:prstGeom prst="rect">
-            <a:avLst/>
-          </a:prstGeom>
-        </p:spPr>
-        <p:txBody>
-          <a:bodyPr spcFirstLastPara="1" wrap="square" lIns="91425" tIns="91425" rIns="91425" bIns="91425" anchor="t" anchorCtr="0">
-            <a:noAutofit/>
-          </a:bodyPr>
-          <a:lstStyle/>
-          <a:p>
-            <a:pPr marL="0" lvl="0" indent="0" algn="l" rtl="0">
-              <a:spcBef>
-                <a:spcPts val="0"/>
-              </a:spcBef>
-              <a:spcAft>
-                <a:spcPts val="0"/>
-              </a:spcAft>
-              <a:buNone/>
-            </a:pPr>
             <a:endParaRPr/>
           </a:p>
         </p:txBody>
@@ -20938,7 +20498,7 @@
             </a:pPr>
             <a:r>
               <a:rPr lang="en-GB" dirty="0"/>
-              <a:t>Demonstrates professional </a:t>
+              <a:t>The student demonstrates professional </a:t>
             </a:r>
             <a:r>
               <a:rPr lang="en-GB" dirty="0" err="1"/>
@@ -20946,7 +20506,7 @@
             </a:r>
             <a:r>
               <a:rPr lang="en-GB" dirty="0"/>
-              <a:t> as well as accountability and ethics in the application of industry best practices for planning, communication, collaboration, and responsible execution of work assignments,</a:t>
+              <a:t> as well as accountability and ethics in the application of industry best practices for planning, communication, collaboration, and responsible execution of work assignments</a:t>
             </a:r>
             <a:r>
               <a:rPr lang="en-NL" dirty="0"/>
@@ -21239,7 +20799,7 @@
             </a:pPr>
             <a:r>
               <a:rPr lang="en-GB" dirty="0"/>
-              <a:t>Demonstrates professional </a:t>
+              <a:t>The student demonstrates professional </a:t>
             </a:r>
             <a:r>
               <a:rPr lang="en-GB" dirty="0" err="1"/>
@@ -21247,8 +20807,13 @@
             </a:r>
             <a:r>
               <a:rPr lang="en-GB" dirty="0"/>
-              <a:t> as well as accountability and ethics in the application of industry best practices for planning, communication, collaboration, and responsible execution of work assignments,.</a:t>
-            </a:r>
+              <a:t> as well as accountability and ethics in the application of industry best practices for planning, communication, collaboration, and responsible execution of work assignments</a:t>
+            </a:r>
+            <a:r>
+              <a:rPr lang="en-NL" dirty="0"/>
+              <a:t>.</a:t>
+            </a:r>
+            <a:endParaRPr lang="en-GB" dirty="0"/>
           </a:p>
         </p:txBody>
       </p:sp>
@@ -21292,7 +20857,7 @@
             </a:r>
             <a:r>
               <a:rPr lang="en-NL" dirty="0"/>
-              <a:t>1</a:t>
+              <a:t>0</a:t>
             </a:r>
             <a:endParaRPr dirty="0"/>
           </a:p>
@@ -21334,9 +20899,8 @@
             </a:pPr>
             <a:r>
               <a:rPr lang="en-GB" dirty="0"/>
-              <a:t>Creates and updates plans to work effectively based on agreed upon priorities with consideration of dependencies and risk, using sound estimates to achieve short and long-term project goals.	</a:t>
-            </a:r>
-            <a:endParaRPr dirty="0"/>
+              <a:t>The student submits work frequently and on time, adhering to defined guidelines and processes.	</a:t>
+            </a:r>
           </a:p>
         </p:txBody>
       </p:sp>
@@ -21394,1134 +20958,6 @@
 </file>
 
 <file path=ppt/slides/slide26.xml><?xml version="1.0" encoding="utf-8"?>
-<p:sld xmlns:a="http://schemas.openxmlformats.org/drawingml/2006/main" xmlns:r="http://schemas.openxmlformats.org/officeDocument/2006/relationships" xmlns:p="http://schemas.openxmlformats.org/presentationml/2006/main">
-  <p:cSld>
-    <p:spTree>
-      <p:nvGrpSpPr>
-        <p:cNvPr id="1" name="Shape 392"/>
-        <p:cNvGrpSpPr/>
-        <p:nvPr/>
-      </p:nvGrpSpPr>
-      <p:grpSpPr>
-        <a:xfrm>
-          <a:off x="0" y="0"/>
-          <a:ext cx="0" cy="0"/>
-          <a:chOff x="0" y="0"/>
-          <a:chExt cx="0" cy="0"/>
-        </a:xfrm>
-      </p:grpSpPr>
-      <p:sp>
-        <p:nvSpPr>
-          <p:cNvPr id="393" name="Google Shape;393;p42"/>
-          <p:cNvSpPr txBox="1">
-            <a:spLocks noGrp="1"/>
-          </p:cNvSpPr>
-          <p:nvPr>
-            <p:ph type="title"/>
-          </p:nvPr>
-        </p:nvSpPr>
-        <p:spPr>
-          <a:xfrm>
-            <a:off x="68250" y="0"/>
-            <a:ext cx="777300" cy="576000"/>
-          </a:xfrm>
-          <a:prstGeom prst="rect">
-            <a:avLst/>
-          </a:prstGeom>
-        </p:spPr>
-        <p:txBody>
-          <a:bodyPr spcFirstLastPara="1" wrap="square" lIns="91425" tIns="91425" rIns="91425" bIns="91425" anchor="ctr" anchorCtr="0">
-            <a:noAutofit/>
-          </a:bodyPr>
-          <a:lstStyle/>
-          <a:p>
-            <a:pPr marL="0" lvl="0" indent="0" algn="l" rtl="0">
-              <a:spcBef>
-                <a:spcPts val="0"/>
-              </a:spcBef>
-              <a:spcAft>
-                <a:spcPts val="0"/>
-              </a:spcAft>
-              <a:buNone/>
-            </a:pPr>
-            <a:r>
-              <a:rPr lang="en"/>
-              <a:t>ILO 1</a:t>
-            </a:r>
-            <a:endParaRPr/>
-          </a:p>
-        </p:txBody>
-      </p:sp>
-      <p:sp>
-        <p:nvSpPr>
-          <p:cNvPr id="394" name="Google Shape;394;p42"/>
-          <p:cNvSpPr txBox="1">
-            <a:spLocks noGrp="1"/>
-          </p:cNvSpPr>
-          <p:nvPr>
-            <p:ph type="title" idx="2"/>
-          </p:nvPr>
-        </p:nvSpPr>
-        <p:spPr>
-          <a:xfrm>
-            <a:off x="7068300" y="0"/>
-            <a:ext cx="1984200" cy="576000"/>
-          </a:xfrm>
-          <a:prstGeom prst="rect">
-            <a:avLst/>
-          </a:prstGeom>
-        </p:spPr>
-        <p:txBody>
-          <a:bodyPr spcFirstLastPara="1" wrap="square" lIns="91425" tIns="91425" rIns="91425" bIns="91425" anchor="b" anchorCtr="0">
-            <a:noAutofit/>
-          </a:bodyPr>
-          <a:lstStyle/>
-          <a:p>
-            <a:pPr marL="0" lvl="0" indent="0" algn="r" rtl="0">
-              <a:spcBef>
-                <a:spcPts val="0"/>
-              </a:spcBef>
-              <a:spcAft>
-                <a:spcPts val="0"/>
-              </a:spcAft>
-              <a:buNone/>
-            </a:pPr>
-            <a:r>
-              <a:rPr lang="en"/>
-              <a:t>3/4</a:t>
-            </a:r>
-            <a:endParaRPr/>
-          </a:p>
-        </p:txBody>
-      </p:sp>
-      <p:sp>
-        <p:nvSpPr>
-          <p:cNvPr id="395" name="Google Shape;395;p42"/>
-          <p:cNvSpPr txBox="1">
-            <a:spLocks noGrp="1"/>
-          </p:cNvSpPr>
-          <p:nvPr>
-            <p:ph type="body" idx="1"/>
-          </p:nvPr>
-        </p:nvSpPr>
-        <p:spPr>
-          <a:xfrm>
-            <a:off x="182880" y="1069848"/>
-            <a:ext cx="5486400" cy="3895200"/>
-          </a:xfrm>
-          <a:prstGeom prst="rect">
-            <a:avLst/>
-          </a:prstGeom>
-        </p:spPr>
-        <p:txBody>
-          <a:bodyPr spcFirstLastPara="1" wrap="square" lIns="91425" tIns="91425" rIns="91425" bIns="91425" anchor="t" anchorCtr="0">
-            <a:noAutofit/>
-          </a:bodyPr>
-          <a:lstStyle/>
-          <a:p>
-            <a:pPr marL="0" lvl="0" indent="0" algn="l" rtl="0">
-              <a:lnSpc>
-                <a:spcPct val="115000"/>
-              </a:lnSpc>
-              <a:spcBef>
-                <a:spcPts val="0"/>
-              </a:spcBef>
-              <a:spcAft>
-                <a:spcPts val="0"/>
-              </a:spcAft>
-              <a:buNone/>
-            </a:pPr>
-            <a:r>
-              <a:rPr lang="en" sz="900" i="1">
-                <a:solidFill>
-                  <a:schemeClr val="lt1"/>
-                </a:solidFill>
-                <a:latin typeface="Helvetica Neue"/>
-                <a:ea typeface="Helvetica Neue"/>
-                <a:cs typeface="Helvetica Neue"/>
-                <a:sym typeface="Helvetica Neue"/>
-              </a:rPr>
-              <a:t>Show your best examples, do not go overboard, add in short description, you are free to alter this layout (or add slides per evidence) to suit your needs. Just be sure that it is clear.</a:t>
-            </a:r>
-            <a:endParaRPr sz="900">
-              <a:solidFill>
-                <a:schemeClr val="lt1"/>
-              </a:solidFill>
-            </a:endParaRPr>
-          </a:p>
-          <a:p>
-            <a:pPr marL="0" lvl="0" indent="0" algn="l" rtl="0">
-              <a:lnSpc>
-                <a:spcPct val="115000"/>
-              </a:lnSpc>
-              <a:spcBef>
-                <a:spcPts val="0"/>
-              </a:spcBef>
-              <a:spcAft>
-                <a:spcPts val="0"/>
-              </a:spcAft>
-              <a:buNone/>
-            </a:pPr>
-            <a:endParaRPr sz="700" i="1">
-              <a:solidFill>
-                <a:schemeClr val="lt1"/>
-              </a:solidFill>
-              <a:latin typeface="Helvetica Neue"/>
-              <a:ea typeface="Helvetica Neue"/>
-              <a:cs typeface="Helvetica Neue"/>
-              <a:sym typeface="Helvetica Neue"/>
-            </a:endParaRPr>
-          </a:p>
-        </p:txBody>
-      </p:sp>
-      <p:sp>
-        <p:nvSpPr>
-          <p:cNvPr id="396" name="Google Shape;396;p42"/>
-          <p:cNvSpPr txBox="1">
-            <a:spLocks noGrp="1"/>
-          </p:cNvSpPr>
-          <p:nvPr>
-            <p:ph type="title" idx="3"/>
-          </p:nvPr>
-        </p:nvSpPr>
-        <p:spPr>
-          <a:xfrm>
-            <a:off x="2049462" y="0"/>
-            <a:ext cx="4206300" cy="576000"/>
-          </a:xfrm>
-          <a:prstGeom prst="rect">
-            <a:avLst/>
-          </a:prstGeom>
-        </p:spPr>
-        <p:txBody>
-          <a:bodyPr spcFirstLastPara="1" wrap="square" lIns="91425" tIns="91425" rIns="91425" bIns="91425" anchor="ctr" anchorCtr="0">
-            <a:noAutofit/>
-          </a:bodyPr>
-          <a:lstStyle/>
-          <a:p>
-            <a:pPr marL="0" lvl="0" indent="0" algn="l" rtl="0">
-              <a:spcBef>
-                <a:spcPts val="0"/>
-              </a:spcBef>
-              <a:spcAft>
-                <a:spcPts val="0"/>
-              </a:spcAft>
-              <a:buNone/>
-            </a:pPr>
-            <a:r>
-              <a:rPr lang="en-GB" dirty="0"/>
-              <a:t>Demonstrates professional </a:t>
-            </a:r>
-            <a:r>
-              <a:rPr lang="en-GB" dirty="0" err="1"/>
-              <a:t>behavior</a:t>
-            </a:r>
-            <a:r>
-              <a:rPr lang="en-GB" dirty="0"/>
-              <a:t> as well as accountability and ethics in the application of industry best practices for planning, communication, collaboration, and responsible execution of work assignments,.</a:t>
-            </a:r>
-          </a:p>
-        </p:txBody>
-      </p:sp>
-      <p:sp>
-        <p:nvSpPr>
-          <p:cNvPr id="397" name="Google Shape;397;p42"/>
-          <p:cNvSpPr txBox="1">
-            <a:spLocks noGrp="1"/>
-          </p:cNvSpPr>
-          <p:nvPr>
-            <p:ph type="title" idx="4"/>
-          </p:nvPr>
-        </p:nvSpPr>
-        <p:spPr>
-          <a:xfrm>
-            <a:off x="68250" y="576000"/>
-            <a:ext cx="839700" cy="493800"/>
-          </a:xfrm>
-          <a:prstGeom prst="rect">
-            <a:avLst/>
-          </a:prstGeom>
-        </p:spPr>
-        <p:txBody>
-          <a:bodyPr spcFirstLastPara="1" wrap="square" lIns="91425" tIns="91425" rIns="91425" bIns="91425" anchor="ctr" anchorCtr="0">
-            <a:noAutofit/>
-          </a:bodyPr>
-          <a:lstStyle/>
-          <a:p>
-            <a:pPr marL="0" lvl="0" indent="0" algn="l" rtl="0">
-              <a:spcBef>
-                <a:spcPts val="0"/>
-              </a:spcBef>
-              <a:spcAft>
-                <a:spcPts val="0"/>
-              </a:spcAft>
-              <a:buNone/>
-            </a:pPr>
-            <a:r>
-              <a:rPr lang="en" dirty="0"/>
-              <a:t>1.</a:t>
-            </a:r>
-            <a:r>
-              <a:rPr lang="en-NL" dirty="0"/>
-              <a:t>4</a:t>
-            </a:r>
-            <a:endParaRPr dirty="0"/>
-          </a:p>
-        </p:txBody>
-      </p:sp>
-      <p:sp>
-        <p:nvSpPr>
-          <p:cNvPr id="398" name="Google Shape;398;p42"/>
-          <p:cNvSpPr txBox="1">
-            <a:spLocks noGrp="1"/>
-          </p:cNvSpPr>
-          <p:nvPr>
-            <p:ph type="title" idx="5"/>
-          </p:nvPr>
-        </p:nvSpPr>
-        <p:spPr>
-          <a:xfrm>
-            <a:off x="845550" y="576000"/>
-            <a:ext cx="7315200" cy="493800"/>
-          </a:xfrm>
-          <a:prstGeom prst="rect">
-            <a:avLst/>
-          </a:prstGeom>
-        </p:spPr>
-        <p:txBody>
-          <a:bodyPr spcFirstLastPara="1" wrap="square" lIns="91425" tIns="91425" rIns="91425" bIns="91425" anchor="ctr" anchorCtr="0">
-            <a:noAutofit/>
-          </a:bodyPr>
-          <a:lstStyle/>
-          <a:p>
-            <a:pPr marL="0" lvl="0" indent="0" algn="l" rtl="0">
-              <a:spcBef>
-                <a:spcPts val="0"/>
-              </a:spcBef>
-              <a:spcAft>
-                <a:spcPts val="0"/>
-              </a:spcAft>
-              <a:buNone/>
-            </a:pPr>
-            <a:r>
-              <a:rPr lang="en-GB" dirty="0"/>
-              <a:t>Regularly and objectively reviews progress on project and team goals and processes, reflecting on the strengths and weaknesses through project and peer reviews.	</a:t>
-            </a:r>
-            <a:endParaRPr dirty="0"/>
-          </a:p>
-        </p:txBody>
-      </p:sp>
-      <p:sp>
-        <p:nvSpPr>
-          <p:cNvPr id="399" name="Google Shape;399;p42"/>
-          <p:cNvSpPr txBox="1">
-            <a:spLocks noGrp="1"/>
-          </p:cNvSpPr>
-          <p:nvPr>
-            <p:ph type="title" idx="6"/>
-          </p:nvPr>
-        </p:nvSpPr>
-        <p:spPr>
-          <a:xfrm>
-            <a:off x="845550" y="0"/>
-            <a:ext cx="1368600" cy="576000"/>
-          </a:xfrm>
-          <a:prstGeom prst="rect">
-            <a:avLst/>
-          </a:prstGeom>
-        </p:spPr>
-        <p:txBody>
-          <a:bodyPr spcFirstLastPara="1" wrap="square" lIns="91425" tIns="91425" rIns="91425" bIns="91425" anchor="ctr" anchorCtr="0">
-            <a:noAutofit/>
-          </a:bodyPr>
-          <a:lstStyle/>
-          <a:p>
-            <a:pPr marL="0" lvl="0" indent="0" algn="l" rtl="0">
-              <a:spcBef>
-                <a:spcPts val="0"/>
-              </a:spcBef>
-              <a:spcAft>
-                <a:spcPts val="0"/>
-              </a:spcAft>
-              <a:buNone/>
-            </a:pPr>
-            <a:r>
-              <a:rPr lang="en-US" sz="900" dirty="0"/>
-              <a:t>Professional Practice</a:t>
-            </a:r>
-            <a:br>
-              <a:rPr lang="en-US" sz="900" dirty="0"/>
-            </a:br>
-            <a:endParaRPr sz="900" dirty="0"/>
-          </a:p>
-        </p:txBody>
-      </p:sp>
-    </p:spTree>
-    <p:extLst>
-      <p:ext uri="{BB962C8B-B14F-4D97-AF65-F5344CB8AC3E}">
-        <p14:creationId xmlns:p14="http://schemas.microsoft.com/office/powerpoint/2010/main" val="2263231173"/>
-      </p:ext>
-    </p:extLst>
-  </p:cSld>
-  <p:clrMapOvr>
-    <a:masterClrMapping/>
-  </p:clrMapOvr>
-</p:sld>
-</file>
-
-<file path=ppt/slides/slide27.xml><?xml version="1.0" encoding="utf-8"?>
-<p:sld xmlns:a="http://schemas.openxmlformats.org/drawingml/2006/main" xmlns:r="http://schemas.openxmlformats.org/officeDocument/2006/relationships" xmlns:p="http://schemas.openxmlformats.org/presentationml/2006/main">
-  <p:cSld>
-    <p:spTree>
-      <p:nvGrpSpPr>
-        <p:cNvPr id="1" name="Shape 392"/>
-        <p:cNvGrpSpPr/>
-        <p:nvPr/>
-      </p:nvGrpSpPr>
-      <p:grpSpPr>
-        <a:xfrm>
-          <a:off x="0" y="0"/>
-          <a:ext cx="0" cy="0"/>
-          <a:chOff x="0" y="0"/>
-          <a:chExt cx="0" cy="0"/>
-        </a:xfrm>
-      </p:grpSpPr>
-      <p:sp>
-        <p:nvSpPr>
-          <p:cNvPr id="393" name="Google Shape;393;p42"/>
-          <p:cNvSpPr txBox="1">
-            <a:spLocks noGrp="1"/>
-          </p:cNvSpPr>
-          <p:nvPr>
-            <p:ph type="title"/>
-          </p:nvPr>
-        </p:nvSpPr>
-        <p:spPr>
-          <a:xfrm>
-            <a:off x="68250" y="0"/>
-            <a:ext cx="777300" cy="576000"/>
-          </a:xfrm>
-          <a:prstGeom prst="rect">
-            <a:avLst/>
-          </a:prstGeom>
-        </p:spPr>
-        <p:txBody>
-          <a:bodyPr spcFirstLastPara="1" wrap="square" lIns="91425" tIns="91425" rIns="91425" bIns="91425" anchor="ctr" anchorCtr="0">
-            <a:noAutofit/>
-          </a:bodyPr>
-          <a:lstStyle/>
-          <a:p>
-            <a:pPr marL="0" lvl="0" indent="0" algn="l" rtl="0">
-              <a:spcBef>
-                <a:spcPts val="0"/>
-              </a:spcBef>
-              <a:spcAft>
-                <a:spcPts val="0"/>
-              </a:spcAft>
-              <a:buNone/>
-            </a:pPr>
-            <a:r>
-              <a:rPr lang="en"/>
-              <a:t>ILO 1</a:t>
-            </a:r>
-            <a:endParaRPr/>
-          </a:p>
-        </p:txBody>
-      </p:sp>
-      <p:sp>
-        <p:nvSpPr>
-          <p:cNvPr id="394" name="Google Shape;394;p42"/>
-          <p:cNvSpPr txBox="1">
-            <a:spLocks noGrp="1"/>
-          </p:cNvSpPr>
-          <p:nvPr>
-            <p:ph type="title" idx="2"/>
-          </p:nvPr>
-        </p:nvSpPr>
-        <p:spPr>
-          <a:xfrm>
-            <a:off x="7068300" y="0"/>
-            <a:ext cx="1984200" cy="576000"/>
-          </a:xfrm>
-          <a:prstGeom prst="rect">
-            <a:avLst/>
-          </a:prstGeom>
-        </p:spPr>
-        <p:txBody>
-          <a:bodyPr spcFirstLastPara="1" wrap="square" lIns="91425" tIns="91425" rIns="91425" bIns="91425" anchor="b" anchorCtr="0">
-            <a:noAutofit/>
-          </a:bodyPr>
-          <a:lstStyle/>
-          <a:p>
-            <a:pPr marL="0" lvl="0" indent="0" algn="r" rtl="0">
-              <a:spcBef>
-                <a:spcPts val="0"/>
-              </a:spcBef>
-              <a:spcAft>
-                <a:spcPts val="0"/>
-              </a:spcAft>
-              <a:buNone/>
-            </a:pPr>
-            <a:r>
-              <a:rPr lang="en"/>
-              <a:t>3/4</a:t>
-            </a:r>
-            <a:endParaRPr/>
-          </a:p>
-        </p:txBody>
-      </p:sp>
-      <p:sp>
-        <p:nvSpPr>
-          <p:cNvPr id="395" name="Google Shape;395;p42"/>
-          <p:cNvSpPr txBox="1">
-            <a:spLocks noGrp="1"/>
-          </p:cNvSpPr>
-          <p:nvPr>
-            <p:ph type="body" idx="1"/>
-          </p:nvPr>
-        </p:nvSpPr>
-        <p:spPr>
-          <a:xfrm>
-            <a:off x="182880" y="1069848"/>
-            <a:ext cx="5486400" cy="3895200"/>
-          </a:xfrm>
-          <a:prstGeom prst="rect">
-            <a:avLst/>
-          </a:prstGeom>
-        </p:spPr>
-        <p:txBody>
-          <a:bodyPr spcFirstLastPara="1" wrap="square" lIns="91425" tIns="91425" rIns="91425" bIns="91425" anchor="t" anchorCtr="0">
-            <a:noAutofit/>
-          </a:bodyPr>
-          <a:lstStyle/>
-          <a:p>
-            <a:pPr marL="0" lvl="0" indent="0" algn="l" rtl="0">
-              <a:lnSpc>
-                <a:spcPct val="115000"/>
-              </a:lnSpc>
-              <a:spcBef>
-                <a:spcPts val="0"/>
-              </a:spcBef>
-              <a:spcAft>
-                <a:spcPts val="0"/>
-              </a:spcAft>
-              <a:buNone/>
-            </a:pPr>
-            <a:r>
-              <a:rPr lang="en" sz="900" i="1">
-                <a:solidFill>
-                  <a:schemeClr val="lt1"/>
-                </a:solidFill>
-                <a:latin typeface="Helvetica Neue"/>
-                <a:ea typeface="Helvetica Neue"/>
-                <a:cs typeface="Helvetica Neue"/>
-                <a:sym typeface="Helvetica Neue"/>
-              </a:rPr>
-              <a:t>Show your best examples, do not go overboard, add in short description, you are free to alter this layout (or add slides per evidence) to suit your needs. Just be sure that it is clear.</a:t>
-            </a:r>
-            <a:endParaRPr sz="900">
-              <a:solidFill>
-                <a:schemeClr val="lt1"/>
-              </a:solidFill>
-            </a:endParaRPr>
-          </a:p>
-          <a:p>
-            <a:pPr marL="0" lvl="0" indent="0" algn="l" rtl="0">
-              <a:lnSpc>
-                <a:spcPct val="115000"/>
-              </a:lnSpc>
-              <a:spcBef>
-                <a:spcPts val="0"/>
-              </a:spcBef>
-              <a:spcAft>
-                <a:spcPts val="0"/>
-              </a:spcAft>
-              <a:buNone/>
-            </a:pPr>
-            <a:endParaRPr sz="700" i="1">
-              <a:solidFill>
-                <a:schemeClr val="lt1"/>
-              </a:solidFill>
-              <a:latin typeface="Helvetica Neue"/>
-              <a:ea typeface="Helvetica Neue"/>
-              <a:cs typeface="Helvetica Neue"/>
-              <a:sym typeface="Helvetica Neue"/>
-            </a:endParaRPr>
-          </a:p>
-        </p:txBody>
-      </p:sp>
-      <p:sp>
-        <p:nvSpPr>
-          <p:cNvPr id="396" name="Google Shape;396;p42"/>
-          <p:cNvSpPr txBox="1">
-            <a:spLocks noGrp="1"/>
-          </p:cNvSpPr>
-          <p:nvPr>
-            <p:ph type="title" idx="3"/>
-          </p:nvPr>
-        </p:nvSpPr>
-        <p:spPr>
-          <a:xfrm>
-            <a:off x="2049462" y="0"/>
-            <a:ext cx="4206300" cy="576000"/>
-          </a:xfrm>
-          <a:prstGeom prst="rect">
-            <a:avLst/>
-          </a:prstGeom>
-        </p:spPr>
-        <p:txBody>
-          <a:bodyPr spcFirstLastPara="1" wrap="square" lIns="91425" tIns="91425" rIns="91425" bIns="91425" anchor="ctr" anchorCtr="0">
-            <a:noAutofit/>
-          </a:bodyPr>
-          <a:lstStyle/>
-          <a:p>
-            <a:pPr marL="0" lvl="0" indent="0" algn="l" rtl="0">
-              <a:spcBef>
-                <a:spcPts val="0"/>
-              </a:spcBef>
-              <a:spcAft>
-                <a:spcPts val="0"/>
-              </a:spcAft>
-              <a:buNone/>
-            </a:pPr>
-            <a:r>
-              <a:rPr lang="en-GB" dirty="0"/>
-              <a:t>Demonstrates professional </a:t>
-            </a:r>
-            <a:r>
-              <a:rPr lang="en-GB" dirty="0" err="1"/>
-              <a:t>behavior</a:t>
-            </a:r>
-            <a:r>
-              <a:rPr lang="en-GB" dirty="0"/>
-              <a:t> as well as accountability and ethics in the application of industry best practices for planning, communication, collaboration, and responsible execution of work assignments,.</a:t>
-            </a:r>
-          </a:p>
-        </p:txBody>
-      </p:sp>
-      <p:sp>
-        <p:nvSpPr>
-          <p:cNvPr id="397" name="Google Shape;397;p42"/>
-          <p:cNvSpPr txBox="1">
-            <a:spLocks noGrp="1"/>
-          </p:cNvSpPr>
-          <p:nvPr>
-            <p:ph type="title" idx="4"/>
-          </p:nvPr>
-        </p:nvSpPr>
-        <p:spPr>
-          <a:xfrm>
-            <a:off x="68250" y="576000"/>
-            <a:ext cx="839700" cy="493800"/>
-          </a:xfrm>
-          <a:prstGeom prst="rect">
-            <a:avLst/>
-          </a:prstGeom>
-        </p:spPr>
-        <p:txBody>
-          <a:bodyPr spcFirstLastPara="1" wrap="square" lIns="91425" tIns="91425" rIns="91425" bIns="91425" anchor="ctr" anchorCtr="0">
-            <a:noAutofit/>
-          </a:bodyPr>
-          <a:lstStyle/>
-          <a:p>
-            <a:pPr marL="0" lvl="0" indent="0" algn="l" rtl="0">
-              <a:spcBef>
-                <a:spcPts val="0"/>
-              </a:spcBef>
-              <a:spcAft>
-                <a:spcPts val="0"/>
-              </a:spcAft>
-              <a:buNone/>
-            </a:pPr>
-            <a:r>
-              <a:rPr lang="en" dirty="0"/>
-              <a:t>1.</a:t>
-            </a:r>
-            <a:r>
-              <a:rPr lang="en-NL" dirty="0"/>
-              <a:t>5</a:t>
-            </a:r>
-            <a:endParaRPr dirty="0"/>
-          </a:p>
-        </p:txBody>
-      </p:sp>
-      <p:sp>
-        <p:nvSpPr>
-          <p:cNvPr id="398" name="Google Shape;398;p42"/>
-          <p:cNvSpPr txBox="1">
-            <a:spLocks noGrp="1"/>
-          </p:cNvSpPr>
-          <p:nvPr>
-            <p:ph type="title" idx="5"/>
-          </p:nvPr>
-        </p:nvSpPr>
-        <p:spPr>
-          <a:xfrm>
-            <a:off x="845550" y="576000"/>
-            <a:ext cx="7315200" cy="493800"/>
-          </a:xfrm>
-          <a:prstGeom prst="rect">
-            <a:avLst/>
-          </a:prstGeom>
-        </p:spPr>
-        <p:txBody>
-          <a:bodyPr spcFirstLastPara="1" wrap="square" lIns="91425" tIns="91425" rIns="91425" bIns="91425" anchor="ctr" anchorCtr="0">
-            <a:noAutofit/>
-          </a:bodyPr>
-          <a:lstStyle/>
-          <a:p>
-            <a:pPr marL="0" lvl="0" indent="0" algn="l" rtl="0">
-              <a:spcBef>
-                <a:spcPts val="0"/>
-              </a:spcBef>
-              <a:spcAft>
-                <a:spcPts val="0"/>
-              </a:spcAft>
-              <a:buNone/>
-            </a:pPr>
-            <a:r>
-              <a:rPr lang="en-GB" dirty="0"/>
-              <a:t>Communicates productively while effectively adjusting to varied communication styles and intercultural differences in team work.	</a:t>
-            </a:r>
-            <a:endParaRPr dirty="0"/>
-          </a:p>
-        </p:txBody>
-      </p:sp>
-      <p:sp>
-        <p:nvSpPr>
-          <p:cNvPr id="399" name="Google Shape;399;p42"/>
-          <p:cNvSpPr txBox="1">
-            <a:spLocks noGrp="1"/>
-          </p:cNvSpPr>
-          <p:nvPr>
-            <p:ph type="title" idx="6"/>
-          </p:nvPr>
-        </p:nvSpPr>
-        <p:spPr>
-          <a:xfrm>
-            <a:off x="845550" y="0"/>
-            <a:ext cx="1368600" cy="576000"/>
-          </a:xfrm>
-          <a:prstGeom prst="rect">
-            <a:avLst/>
-          </a:prstGeom>
-        </p:spPr>
-        <p:txBody>
-          <a:bodyPr spcFirstLastPara="1" wrap="square" lIns="91425" tIns="91425" rIns="91425" bIns="91425" anchor="ctr" anchorCtr="0">
-            <a:noAutofit/>
-          </a:bodyPr>
-          <a:lstStyle/>
-          <a:p>
-            <a:pPr marL="0" lvl="0" indent="0" algn="l" rtl="0">
-              <a:spcBef>
-                <a:spcPts val="0"/>
-              </a:spcBef>
-              <a:spcAft>
-                <a:spcPts val="0"/>
-              </a:spcAft>
-              <a:buNone/>
-            </a:pPr>
-            <a:r>
-              <a:rPr lang="en-US" sz="900" dirty="0"/>
-              <a:t>Professional Practice</a:t>
-            </a:r>
-            <a:br>
-              <a:rPr lang="en-US" sz="900" dirty="0"/>
-            </a:br>
-            <a:endParaRPr sz="900" dirty="0"/>
-          </a:p>
-        </p:txBody>
-      </p:sp>
-    </p:spTree>
-    <p:extLst>
-      <p:ext uri="{BB962C8B-B14F-4D97-AF65-F5344CB8AC3E}">
-        <p14:creationId xmlns:p14="http://schemas.microsoft.com/office/powerpoint/2010/main" val="4028970839"/>
-      </p:ext>
-    </p:extLst>
-  </p:cSld>
-  <p:clrMapOvr>
-    <a:masterClrMapping/>
-  </p:clrMapOvr>
-</p:sld>
-</file>
-
-<file path=ppt/slides/slide28.xml><?xml version="1.0" encoding="utf-8"?>
-<p:sld xmlns:a="http://schemas.openxmlformats.org/drawingml/2006/main" xmlns:r="http://schemas.openxmlformats.org/officeDocument/2006/relationships" xmlns:p="http://schemas.openxmlformats.org/presentationml/2006/main">
-  <p:cSld>
-    <p:spTree>
-      <p:nvGrpSpPr>
-        <p:cNvPr id="1" name="Shape 392"/>
-        <p:cNvGrpSpPr/>
-        <p:nvPr/>
-      </p:nvGrpSpPr>
-      <p:grpSpPr>
-        <a:xfrm>
-          <a:off x="0" y="0"/>
-          <a:ext cx="0" cy="0"/>
-          <a:chOff x="0" y="0"/>
-          <a:chExt cx="0" cy="0"/>
-        </a:xfrm>
-      </p:grpSpPr>
-      <p:sp>
-        <p:nvSpPr>
-          <p:cNvPr id="393" name="Google Shape;393;p42"/>
-          <p:cNvSpPr txBox="1">
-            <a:spLocks noGrp="1"/>
-          </p:cNvSpPr>
-          <p:nvPr>
-            <p:ph type="title"/>
-          </p:nvPr>
-        </p:nvSpPr>
-        <p:spPr>
-          <a:xfrm>
-            <a:off x="68250" y="0"/>
-            <a:ext cx="777300" cy="576000"/>
-          </a:xfrm>
-          <a:prstGeom prst="rect">
-            <a:avLst/>
-          </a:prstGeom>
-        </p:spPr>
-        <p:txBody>
-          <a:bodyPr spcFirstLastPara="1" wrap="square" lIns="91425" tIns="91425" rIns="91425" bIns="91425" anchor="ctr" anchorCtr="0">
-            <a:noAutofit/>
-          </a:bodyPr>
-          <a:lstStyle/>
-          <a:p>
-            <a:pPr marL="0" lvl="0" indent="0" algn="l" rtl="0">
-              <a:spcBef>
-                <a:spcPts val="0"/>
-              </a:spcBef>
-              <a:spcAft>
-                <a:spcPts val="0"/>
-              </a:spcAft>
-              <a:buNone/>
-            </a:pPr>
-            <a:r>
-              <a:rPr lang="en"/>
-              <a:t>ILO 1</a:t>
-            </a:r>
-            <a:endParaRPr/>
-          </a:p>
-        </p:txBody>
-      </p:sp>
-      <p:sp>
-        <p:nvSpPr>
-          <p:cNvPr id="394" name="Google Shape;394;p42"/>
-          <p:cNvSpPr txBox="1">
-            <a:spLocks noGrp="1"/>
-          </p:cNvSpPr>
-          <p:nvPr>
-            <p:ph type="title" idx="2"/>
-          </p:nvPr>
-        </p:nvSpPr>
-        <p:spPr>
-          <a:xfrm>
-            <a:off x="7068300" y="0"/>
-            <a:ext cx="1984200" cy="576000"/>
-          </a:xfrm>
-          <a:prstGeom prst="rect">
-            <a:avLst/>
-          </a:prstGeom>
-        </p:spPr>
-        <p:txBody>
-          <a:bodyPr spcFirstLastPara="1" wrap="square" lIns="91425" tIns="91425" rIns="91425" bIns="91425" anchor="b" anchorCtr="0">
-            <a:noAutofit/>
-          </a:bodyPr>
-          <a:lstStyle/>
-          <a:p>
-            <a:pPr marL="0" lvl="0" indent="0" algn="r" rtl="0">
-              <a:spcBef>
-                <a:spcPts val="0"/>
-              </a:spcBef>
-              <a:spcAft>
-                <a:spcPts val="0"/>
-              </a:spcAft>
-              <a:buNone/>
-            </a:pPr>
-            <a:r>
-              <a:rPr lang="en"/>
-              <a:t>3/4</a:t>
-            </a:r>
-            <a:endParaRPr/>
-          </a:p>
-        </p:txBody>
-      </p:sp>
-      <p:sp>
-        <p:nvSpPr>
-          <p:cNvPr id="395" name="Google Shape;395;p42"/>
-          <p:cNvSpPr txBox="1">
-            <a:spLocks noGrp="1"/>
-          </p:cNvSpPr>
-          <p:nvPr>
-            <p:ph type="body" idx="1"/>
-          </p:nvPr>
-        </p:nvSpPr>
-        <p:spPr>
-          <a:xfrm>
-            <a:off x="182880" y="1069848"/>
-            <a:ext cx="5486400" cy="3895200"/>
-          </a:xfrm>
-          <a:prstGeom prst="rect">
-            <a:avLst/>
-          </a:prstGeom>
-        </p:spPr>
-        <p:txBody>
-          <a:bodyPr spcFirstLastPara="1" wrap="square" lIns="91425" tIns="91425" rIns="91425" bIns="91425" anchor="t" anchorCtr="0">
-            <a:noAutofit/>
-          </a:bodyPr>
-          <a:lstStyle/>
-          <a:p>
-            <a:pPr marL="0" lvl="0" indent="0" algn="l" rtl="0">
-              <a:lnSpc>
-                <a:spcPct val="115000"/>
-              </a:lnSpc>
-              <a:spcBef>
-                <a:spcPts val="0"/>
-              </a:spcBef>
-              <a:spcAft>
-                <a:spcPts val="0"/>
-              </a:spcAft>
-              <a:buNone/>
-            </a:pPr>
-            <a:r>
-              <a:rPr lang="en" sz="900" i="1">
-                <a:solidFill>
-                  <a:schemeClr val="lt1"/>
-                </a:solidFill>
-                <a:latin typeface="Helvetica Neue"/>
-                <a:ea typeface="Helvetica Neue"/>
-                <a:cs typeface="Helvetica Neue"/>
-                <a:sym typeface="Helvetica Neue"/>
-              </a:rPr>
-              <a:t>Show your best examples, do not go overboard, add in short description, you are free to alter this layout (or add slides per evidence) to suit your needs. Just be sure that it is clear.</a:t>
-            </a:r>
-            <a:endParaRPr sz="900">
-              <a:solidFill>
-                <a:schemeClr val="lt1"/>
-              </a:solidFill>
-            </a:endParaRPr>
-          </a:p>
-          <a:p>
-            <a:pPr marL="0" lvl="0" indent="0" algn="l" rtl="0">
-              <a:lnSpc>
-                <a:spcPct val="115000"/>
-              </a:lnSpc>
-              <a:spcBef>
-                <a:spcPts val="0"/>
-              </a:spcBef>
-              <a:spcAft>
-                <a:spcPts val="0"/>
-              </a:spcAft>
-              <a:buNone/>
-            </a:pPr>
-            <a:endParaRPr sz="700" i="1">
-              <a:solidFill>
-                <a:schemeClr val="lt1"/>
-              </a:solidFill>
-              <a:latin typeface="Helvetica Neue"/>
-              <a:ea typeface="Helvetica Neue"/>
-              <a:cs typeface="Helvetica Neue"/>
-              <a:sym typeface="Helvetica Neue"/>
-            </a:endParaRPr>
-          </a:p>
-        </p:txBody>
-      </p:sp>
-      <p:sp>
-        <p:nvSpPr>
-          <p:cNvPr id="396" name="Google Shape;396;p42"/>
-          <p:cNvSpPr txBox="1">
-            <a:spLocks noGrp="1"/>
-          </p:cNvSpPr>
-          <p:nvPr>
-            <p:ph type="title" idx="3"/>
-          </p:nvPr>
-        </p:nvSpPr>
-        <p:spPr>
-          <a:xfrm>
-            <a:off x="2049462" y="0"/>
-            <a:ext cx="4206300" cy="576000"/>
-          </a:xfrm>
-          <a:prstGeom prst="rect">
-            <a:avLst/>
-          </a:prstGeom>
-        </p:spPr>
-        <p:txBody>
-          <a:bodyPr spcFirstLastPara="1" wrap="square" lIns="91425" tIns="91425" rIns="91425" bIns="91425" anchor="ctr" anchorCtr="0">
-            <a:noAutofit/>
-          </a:bodyPr>
-          <a:lstStyle/>
-          <a:p>
-            <a:pPr marL="0" lvl="0" indent="0" algn="l" rtl="0">
-              <a:spcBef>
-                <a:spcPts val="0"/>
-              </a:spcBef>
-              <a:spcAft>
-                <a:spcPts val="0"/>
-              </a:spcAft>
-              <a:buNone/>
-            </a:pPr>
-            <a:r>
-              <a:rPr lang="en-GB" dirty="0"/>
-              <a:t>Demonstrates professional </a:t>
-            </a:r>
-            <a:r>
-              <a:rPr lang="en-GB" dirty="0" err="1"/>
-              <a:t>behavior</a:t>
-            </a:r>
-            <a:r>
-              <a:rPr lang="en-GB" dirty="0"/>
-              <a:t> as well as accountability and ethics in the application of industry best practices for planning, communication, collaboration, and responsible execution of work assignments,.</a:t>
-            </a:r>
-          </a:p>
-        </p:txBody>
-      </p:sp>
-      <p:sp>
-        <p:nvSpPr>
-          <p:cNvPr id="397" name="Google Shape;397;p42"/>
-          <p:cNvSpPr txBox="1">
-            <a:spLocks noGrp="1"/>
-          </p:cNvSpPr>
-          <p:nvPr>
-            <p:ph type="title" idx="4"/>
-          </p:nvPr>
-        </p:nvSpPr>
-        <p:spPr>
-          <a:xfrm>
-            <a:off x="68250" y="576000"/>
-            <a:ext cx="839700" cy="493800"/>
-          </a:xfrm>
-          <a:prstGeom prst="rect">
-            <a:avLst/>
-          </a:prstGeom>
-        </p:spPr>
-        <p:txBody>
-          <a:bodyPr spcFirstLastPara="1" wrap="square" lIns="91425" tIns="91425" rIns="91425" bIns="91425" anchor="ctr" anchorCtr="0">
-            <a:noAutofit/>
-          </a:bodyPr>
-          <a:lstStyle/>
-          <a:p>
-            <a:pPr marL="0" lvl="0" indent="0" algn="l" rtl="0">
-              <a:spcBef>
-                <a:spcPts val="0"/>
-              </a:spcBef>
-              <a:spcAft>
-                <a:spcPts val="0"/>
-              </a:spcAft>
-              <a:buNone/>
-            </a:pPr>
-            <a:r>
-              <a:rPr lang="en" dirty="0"/>
-              <a:t>1.</a:t>
-            </a:r>
-            <a:r>
-              <a:rPr lang="en-NL" dirty="0"/>
-              <a:t>6</a:t>
-            </a:r>
-            <a:endParaRPr dirty="0"/>
-          </a:p>
-        </p:txBody>
-      </p:sp>
-      <p:sp>
-        <p:nvSpPr>
-          <p:cNvPr id="398" name="Google Shape;398;p42"/>
-          <p:cNvSpPr txBox="1">
-            <a:spLocks noGrp="1"/>
-          </p:cNvSpPr>
-          <p:nvPr>
-            <p:ph type="title" idx="5"/>
-          </p:nvPr>
-        </p:nvSpPr>
-        <p:spPr>
-          <a:xfrm>
-            <a:off x="845550" y="576000"/>
-            <a:ext cx="7315200" cy="493800"/>
-          </a:xfrm>
-          <a:prstGeom prst="rect">
-            <a:avLst/>
-          </a:prstGeom>
-        </p:spPr>
-        <p:txBody>
-          <a:bodyPr spcFirstLastPara="1" wrap="square" lIns="91425" tIns="91425" rIns="91425" bIns="91425" anchor="ctr" anchorCtr="0">
-            <a:noAutofit/>
-          </a:bodyPr>
-          <a:lstStyle/>
-          <a:p>
-            <a:pPr marL="0" lvl="0" indent="0" algn="l" rtl="0">
-              <a:spcBef>
-                <a:spcPts val="0"/>
-              </a:spcBef>
-              <a:spcAft>
-                <a:spcPts val="0"/>
-              </a:spcAft>
-              <a:buNone/>
-            </a:pPr>
-            <a:r>
-              <a:rPr lang="en-GB" dirty="0"/>
-              <a:t>Takes responsibility for their role within the team and demonstrates commitment to the team goals in a positive and constructive manner.	</a:t>
-            </a:r>
-            <a:endParaRPr dirty="0"/>
-          </a:p>
-        </p:txBody>
-      </p:sp>
-      <p:sp>
-        <p:nvSpPr>
-          <p:cNvPr id="399" name="Google Shape;399;p42"/>
-          <p:cNvSpPr txBox="1">
-            <a:spLocks noGrp="1"/>
-          </p:cNvSpPr>
-          <p:nvPr>
-            <p:ph type="title" idx="6"/>
-          </p:nvPr>
-        </p:nvSpPr>
-        <p:spPr>
-          <a:xfrm>
-            <a:off x="845550" y="0"/>
-            <a:ext cx="1368600" cy="576000"/>
-          </a:xfrm>
-          <a:prstGeom prst="rect">
-            <a:avLst/>
-          </a:prstGeom>
-        </p:spPr>
-        <p:txBody>
-          <a:bodyPr spcFirstLastPara="1" wrap="square" lIns="91425" tIns="91425" rIns="91425" bIns="91425" anchor="ctr" anchorCtr="0">
-            <a:noAutofit/>
-          </a:bodyPr>
-          <a:lstStyle/>
-          <a:p>
-            <a:pPr marL="0" lvl="0" indent="0" algn="l" rtl="0">
-              <a:spcBef>
-                <a:spcPts val="0"/>
-              </a:spcBef>
-              <a:spcAft>
-                <a:spcPts val="0"/>
-              </a:spcAft>
-              <a:buNone/>
-            </a:pPr>
-            <a:r>
-              <a:rPr lang="en-US" sz="900" dirty="0"/>
-              <a:t>Professional Practice</a:t>
-            </a:r>
-            <a:br>
-              <a:rPr lang="en-US" sz="900" dirty="0"/>
-            </a:br>
-            <a:endParaRPr sz="900" dirty="0"/>
-          </a:p>
-        </p:txBody>
-      </p:sp>
-    </p:spTree>
-    <p:extLst>
-      <p:ext uri="{BB962C8B-B14F-4D97-AF65-F5344CB8AC3E}">
-        <p14:creationId xmlns:p14="http://schemas.microsoft.com/office/powerpoint/2010/main" val="984272322"/>
-      </p:ext>
-    </p:extLst>
-  </p:cSld>
-  <p:clrMapOvr>
-    <a:masterClrMapping/>
-  </p:clrMapOvr>
-</p:sld>
-</file>
-
-<file path=ppt/slides/slide29.xml><?xml version="1.0" encoding="utf-8"?>
 <p:sld xmlns:a="http://schemas.openxmlformats.org/drawingml/2006/main" xmlns:r="http://schemas.openxmlformats.org/officeDocument/2006/relationships" xmlns:p="http://schemas.openxmlformats.org/presentationml/2006/main">
   <p:cSld>
     <p:spTree>
@@ -22678,7 +21114,22 @@
             </a:pPr>
             <a:r>
               <a:rPr lang="en-GB" dirty="0"/>
-              <a:t>Demonstrates self-exploration and personal development, good academic practices in learning how to learn and the acquisition of professional knowledge through research, study, analysis, applied practice, discussion and reporting</a:t>
+              <a:t>The student demonstrate self-exploration and personal development, good academic practices in learning how to learn and the acquisition of professional knowledge through research, </a:t>
+            </a:r>
+          </a:p>
+          <a:p>
+            <a:pPr marL="0" lvl="0" indent="0" algn="r" rtl="0">
+              <a:spcBef>
+                <a:spcPts val="0"/>
+              </a:spcBef>
+              <a:spcAft>
+                <a:spcPts val="0"/>
+              </a:spcAft>
+              <a:buNone/>
+            </a:pPr>
+            <a:r>
+              <a:rPr lang="en-GB" dirty="0"/>
+              <a:t>study, analysis, applied practice, discussion and reporting</a:t>
             </a:r>
             <a:r>
               <a:rPr lang="en-NL" dirty="0"/>
@@ -22743,6 +21194,954 @@
               <a:cs typeface="Roboto"/>
               <a:sym typeface="Roboto"/>
             </a:endParaRPr>
+          </a:p>
+        </p:txBody>
+      </p:sp>
+    </p:spTree>
+  </p:cSld>
+  <p:clrMapOvr>
+    <a:masterClrMapping/>
+  </p:clrMapOvr>
+</p:sld>
+</file>
+
+<file path=ppt/slides/slide27.xml><?xml version="1.0" encoding="utf-8"?>
+<p:sld xmlns:a="http://schemas.openxmlformats.org/drawingml/2006/main" xmlns:r="http://schemas.openxmlformats.org/officeDocument/2006/relationships" xmlns:p="http://schemas.openxmlformats.org/presentationml/2006/main">
+  <p:cSld>
+    <p:spTree>
+      <p:nvGrpSpPr>
+        <p:cNvPr id="1" name="Shape 455"/>
+        <p:cNvGrpSpPr/>
+        <p:nvPr/>
+      </p:nvGrpSpPr>
+      <p:grpSpPr>
+        <a:xfrm>
+          <a:off x="0" y="0"/>
+          <a:ext cx="0" cy="0"/>
+          <a:chOff x="0" y="0"/>
+          <a:chExt cx="0" cy="0"/>
+        </a:xfrm>
+      </p:grpSpPr>
+      <p:sp>
+        <p:nvSpPr>
+          <p:cNvPr id="456" name="Google Shape;456;p48"/>
+          <p:cNvSpPr txBox="1">
+            <a:spLocks noGrp="1"/>
+          </p:cNvSpPr>
+          <p:nvPr>
+            <p:ph type="title"/>
+          </p:nvPr>
+        </p:nvSpPr>
+        <p:spPr>
+          <a:xfrm>
+            <a:off x="68250" y="0"/>
+            <a:ext cx="777300" cy="576000"/>
+          </a:xfrm>
+          <a:prstGeom prst="rect">
+            <a:avLst/>
+          </a:prstGeom>
+        </p:spPr>
+        <p:txBody>
+          <a:bodyPr spcFirstLastPara="1" wrap="square" lIns="91425" tIns="91425" rIns="91425" bIns="91425" anchor="ctr" anchorCtr="0">
+            <a:noAutofit/>
+          </a:bodyPr>
+          <a:lstStyle/>
+          <a:p>
+            <a:pPr marL="0" lvl="0" indent="0" algn="l" rtl="0">
+              <a:spcBef>
+                <a:spcPts val="0"/>
+              </a:spcBef>
+              <a:spcAft>
+                <a:spcPts val="0"/>
+              </a:spcAft>
+              <a:buNone/>
+            </a:pPr>
+            <a:r>
+              <a:rPr lang="en"/>
+              <a:t>ILO 2</a:t>
+            </a:r>
+            <a:endParaRPr/>
+          </a:p>
+        </p:txBody>
+      </p:sp>
+      <p:sp>
+        <p:nvSpPr>
+          <p:cNvPr id="457" name="Google Shape;457;p48"/>
+          <p:cNvSpPr txBox="1">
+            <a:spLocks noGrp="1"/>
+          </p:cNvSpPr>
+          <p:nvPr>
+            <p:ph type="title" idx="2"/>
+          </p:nvPr>
+        </p:nvSpPr>
+        <p:spPr>
+          <a:xfrm>
+            <a:off x="7068300" y="0"/>
+            <a:ext cx="1984200" cy="576000"/>
+          </a:xfrm>
+          <a:prstGeom prst="rect">
+            <a:avLst/>
+          </a:prstGeom>
+        </p:spPr>
+        <p:txBody>
+          <a:bodyPr spcFirstLastPara="1" wrap="square" lIns="91425" tIns="91425" rIns="91425" bIns="91425" anchor="b" anchorCtr="0">
+            <a:noAutofit/>
+          </a:bodyPr>
+          <a:lstStyle/>
+          <a:p>
+            <a:pPr marL="0" lvl="0" indent="0" algn="r" rtl="0">
+              <a:spcBef>
+                <a:spcPts val="0"/>
+              </a:spcBef>
+              <a:spcAft>
+                <a:spcPts val="0"/>
+              </a:spcAft>
+              <a:buNone/>
+            </a:pPr>
+            <a:r>
+              <a:rPr lang="en"/>
+              <a:t>4/4</a:t>
+            </a:r>
+            <a:endParaRPr/>
+          </a:p>
+        </p:txBody>
+      </p:sp>
+      <p:sp>
+        <p:nvSpPr>
+          <p:cNvPr id="458" name="Google Shape;458;p48"/>
+          <p:cNvSpPr txBox="1">
+            <a:spLocks noGrp="1"/>
+          </p:cNvSpPr>
+          <p:nvPr>
+            <p:ph type="body" idx="1"/>
+          </p:nvPr>
+        </p:nvSpPr>
+        <p:spPr>
+          <a:xfrm>
+            <a:off x="182880" y="1069848"/>
+            <a:ext cx="5486400" cy="3895200"/>
+          </a:xfrm>
+          <a:prstGeom prst="rect">
+            <a:avLst/>
+          </a:prstGeom>
+        </p:spPr>
+        <p:txBody>
+          <a:bodyPr spcFirstLastPara="1" wrap="square" lIns="91425" tIns="91425" rIns="91425" bIns="91425" anchor="t" anchorCtr="0">
+            <a:noAutofit/>
+          </a:bodyPr>
+          <a:lstStyle/>
+          <a:p>
+            <a:pPr marL="0" lvl="0" indent="0" algn="l" rtl="0">
+              <a:lnSpc>
+                <a:spcPct val="115000"/>
+              </a:lnSpc>
+              <a:spcBef>
+                <a:spcPts val="0"/>
+              </a:spcBef>
+              <a:spcAft>
+                <a:spcPts val="0"/>
+              </a:spcAft>
+              <a:buNone/>
+            </a:pPr>
+            <a:r>
+              <a:rPr lang="en" sz="700" i="1" dirty="0">
+                <a:solidFill>
+                  <a:schemeClr val="lt1"/>
+                </a:solidFill>
+                <a:latin typeface="Helvetica Neue"/>
+                <a:ea typeface="Helvetica Neue"/>
+                <a:cs typeface="Helvetica Neue"/>
+                <a:sym typeface="Helvetica Neue"/>
+              </a:rPr>
+              <a:t>Show your best examples, do not go overboard, add in short description, you are free to alter this layout (or add slides per evidence) to suit your needs. Just be sure that it is clear.</a:t>
+            </a:r>
+            <a:endParaRPr dirty="0"/>
+          </a:p>
+        </p:txBody>
+      </p:sp>
+      <p:sp>
+        <p:nvSpPr>
+          <p:cNvPr id="459" name="Google Shape;459;p48"/>
+          <p:cNvSpPr txBox="1">
+            <a:spLocks noGrp="1"/>
+          </p:cNvSpPr>
+          <p:nvPr>
+            <p:ph type="title" idx="3"/>
+          </p:nvPr>
+        </p:nvSpPr>
+        <p:spPr>
+          <a:xfrm>
+            <a:off x="2049462" y="0"/>
+            <a:ext cx="4206300" cy="576000"/>
+          </a:xfrm>
+          <a:prstGeom prst="rect">
+            <a:avLst/>
+          </a:prstGeom>
+        </p:spPr>
+        <p:txBody>
+          <a:bodyPr spcFirstLastPara="1" wrap="square" lIns="91425" tIns="91425" rIns="91425" bIns="91425" anchor="ctr" anchorCtr="0">
+            <a:noAutofit/>
+          </a:bodyPr>
+          <a:lstStyle/>
+          <a:p>
+            <a:pPr marL="0" lvl="0" indent="0" algn="l" rtl="0">
+              <a:spcBef>
+                <a:spcPts val="0"/>
+              </a:spcBef>
+              <a:spcAft>
+                <a:spcPts val="0"/>
+              </a:spcAft>
+              <a:buNone/>
+            </a:pPr>
+            <a:r>
+              <a:rPr lang="en-GB" dirty="0"/>
+              <a:t>The student demonstrate self-exploration and personal development, good academic practices in learning how to learn and the acquisition of professional knowledge through research, </a:t>
+            </a:r>
+            <a:r>
+              <a:rPr lang="en-NL" dirty="0"/>
+              <a:t> </a:t>
+            </a:r>
+            <a:r>
+              <a:rPr lang="en-GB" dirty="0"/>
+              <a:t>study, analysis, applied practice, discussion and reporting.</a:t>
+            </a:r>
+          </a:p>
+        </p:txBody>
+      </p:sp>
+      <p:sp>
+        <p:nvSpPr>
+          <p:cNvPr id="460" name="Google Shape;460;p48"/>
+          <p:cNvSpPr txBox="1">
+            <a:spLocks noGrp="1"/>
+          </p:cNvSpPr>
+          <p:nvPr>
+            <p:ph type="title" idx="4"/>
+          </p:nvPr>
+        </p:nvSpPr>
+        <p:spPr>
+          <a:xfrm>
+            <a:off x="68250" y="576000"/>
+            <a:ext cx="839700" cy="493800"/>
+          </a:xfrm>
+          <a:prstGeom prst="rect">
+            <a:avLst/>
+          </a:prstGeom>
+        </p:spPr>
+        <p:txBody>
+          <a:bodyPr spcFirstLastPara="1" wrap="square" lIns="91425" tIns="91425" rIns="91425" bIns="91425" anchor="ctr" anchorCtr="0">
+            <a:noAutofit/>
+          </a:bodyPr>
+          <a:lstStyle/>
+          <a:p>
+            <a:pPr marL="0" lvl="0" indent="0" algn="l" rtl="0">
+              <a:spcBef>
+                <a:spcPts val="0"/>
+              </a:spcBef>
+              <a:spcAft>
+                <a:spcPts val="0"/>
+              </a:spcAft>
+              <a:buNone/>
+            </a:pPr>
+            <a:r>
+              <a:rPr lang="en" dirty="0"/>
+              <a:t>2.</a:t>
+            </a:r>
+            <a:r>
+              <a:rPr lang="en-NL" dirty="0"/>
+              <a:t>0</a:t>
+            </a:r>
+            <a:endParaRPr dirty="0"/>
+          </a:p>
+        </p:txBody>
+      </p:sp>
+      <p:sp>
+        <p:nvSpPr>
+          <p:cNvPr id="461" name="Google Shape;461;p48"/>
+          <p:cNvSpPr txBox="1">
+            <a:spLocks noGrp="1"/>
+          </p:cNvSpPr>
+          <p:nvPr>
+            <p:ph type="title" idx="5"/>
+          </p:nvPr>
+        </p:nvSpPr>
+        <p:spPr>
+          <a:xfrm>
+            <a:off x="845550" y="576000"/>
+            <a:ext cx="7315200" cy="493800"/>
+          </a:xfrm>
+          <a:prstGeom prst="rect">
+            <a:avLst/>
+          </a:prstGeom>
+        </p:spPr>
+        <p:txBody>
+          <a:bodyPr spcFirstLastPara="1" wrap="square" lIns="91425" tIns="91425" rIns="91425" bIns="91425" anchor="ctr" anchorCtr="0">
+            <a:noAutofit/>
+          </a:bodyPr>
+          <a:lstStyle/>
+          <a:p>
+            <a:pPr marL="0" lvl="0" indent="0" algn="l" rtl="0">
+              <a:spcBef>
+                <a:spcPts val="0"/>
+              </a:spcBef>
+              <a:spcAft>
+                <a:spcPts val="0"/>
+              </a:spcAft>
+              <a:buNone/>
+            </a:pPr>
+            <a:r>
+              <a:rPr lang="en-GB" dirty="0"/>
+              <a:t>The student reports on learning progress and updates plans in a well-written, concise format with appropriate visual communication, guided by active engagement with feedback.	</a:t>
+            </a:r>
+          </a:p>
+        </p:txBody>
+      </p:sp>
+      <p:sp>
+        <p:nvSpPr>
+          <p:cNvPr id="462" name="Google Shape;462;p48"/>
+          <p:cNvSpPr txBox="1">
+            <a:spLocks noGrp="1"/>
+          </p:cNvSpPr>
+          <p:nvPr>
+            <p:ph type="title" idx="6"/>
+          </p:nvPr>
+        </p:nvSpPr>
+        <p:spPr>
+          <a:xfrm>
+            <a:off x="845550" y="0"/>
+            <a:ext cx="1368600" cy="576000"/>
+          </a:xfrm>
+          <a:prstGeom prst="rect">
+            <a:avLst/>
+          </a:prstGeom>
+        </p:spPr>
+        <p:txBody>
+          <a:bodyPr spcFirstLastPara="1" wrap="square" lIns="91425" tIns="91425" rIns="91425" bIns="91425" anchor="ctr" anchorCtr="0">
+            <a:noAutofit/>
+          </a:bodyPr>
+          <a:lstStyle/>
+          <a:p>
+            <a:pPr marL="0" lvl="0" indent="0" algn="l" rtl="0">
+              <a:spcBef>
+                <a:spcPts val="0"/>
+              </a:spcBef>
+              <a:spcAft>
+                <a:spcPts val="0"/>
+              </a:spcAft>
+              <a:buNone/>
+            </a:pPr>
+            <a:r>
+              <a:rPr lang="en-US" sz="1100" dirty="0"/>
+              <a:t>Personal Development &amp; Academic Practice</a:t>
+            </a:r>
+            <a:endParaRPr sz="1100" dirty="0"/>
+          </a:p>
+        </p:txBody>
+      </p:sp>
+    </p:spTree>
+  </p:cSld>
+  <p:clrMapOvr>
+    <a:masterClrMapping/>
+  </p:clrMapOvr>
+</p:sld>
+</file>
+
+<file path=ppt/slides/slide28.xml><?xml version="1.0" encoding="utf-8"?>
+<p:sld xmlns:a="http://schemas.openxmlformats.org/drawingml/2006/main" xmlns:r="http://schemas.openxmlformats.org/officeDocument/2006/relationships" xmlns:p="http://schemas.openxmlformats.org/presentationml/2006/main">
+  <p:cSld>
+    <p:spTree>
+      <p:nvGrpSpPr>
+        <p:cNvPr id="1" name="Shape 466"/>
+        <p:cNvGrpSpPr/>
+        <p:nvPr/>
+      </p:nvGrpSpPr>
+      <p:grpSpPr>
+        <a:xfrm>
+          <a:off x="0" y="0"/>
+          <a:ext cx="0" cy="0"/>
+          <a:chOff x="0" y="0"/>
+          <a:chExt cx="0" cy="0"/>
+        </a:xfrm>
+      </p:grpSpPr>
+      <p:sp>
+        <p:nvSpPr>
+          <p:cNvPr id="467" name="Google Shape;467;p49"/>
+          <p:cNvSpPr txBox="1">
+            <a:spLocks noGrp="1"/>
+          </p:cNvSpPr>
+          <p:nvPr>
+            <p:ph type="ctrTitle"/>
+          </p:nvPr>
+        </p:nvSpPr>
+        <p:spPr>
+          <a:xfrm>
+            <a:off x="2286000" y="1104139"/>
+            <a:ext cx="6400800" cy="1501800"/>
+          </a:xfrm>
+          <a:prstGeom prst="rect">
+            <a:avLst/>
+          </a:prstGeom>
+        </p:spPr>
+        <p:txBody>
+          <a:bodyPr spcFirstLastPara="1" wrap="square" lIns="91425" tIns="91425" rIns="91425" bIns="91425" anchor="ctr" anchorCtr="0">
+            <a:noAutofit/>
+          </a:bodyPr>
+          <a:lstStyle/>
+          <a:p>
+            <a:pPr marL="0" lvl="0" indent="0" algn="ctr" rtl="0">
+              <a:spcBef>
+                <a:spcPts val="0"/>
+              </a:spcBef>
+              <a:spcAft>
+                <a:spcPts val="0"/>
+              </a:spcAft>
+              <a:buNone/>
+            </a:pPr>
+            <a:r>
+              <a:rPr lang="en"/>
+              <a:t>ILO 3</a:t>
+            </a:r>
+            <a:endParaRPr/>
+          </a:p>
+        </p:txBody>
+      </p:sp>
+      <p:sp>
+        <p:nvSpPr>
+          <p:cNvPr id="468" name="Google Shape;468;p49"/>
+          <p:cNvSpPr txBox="1">
+            <a:spLocks noGrp="1"/>
+          </p:cNvSpPr>
+          <p:nvPr>
+            <p:ph type="subTitle" idx="1"/>
+          </p:nvPr>
+        </p:nvSpPr>
+        <p:spPr>
+          <a:xfrm>
+            <a:off x="2286000" y="2503171"/>
+            <a:ext cx="6400800" cy="685800"/>
+          </a:xfrm>
+          <a:prstGeom prst="rect">
+            <a:avLst/>
+          </a:prstGeom>
+        </p:spPr>
+        <p:txBody>
+          <a:bodyPr spcFirstLastPara="1" wrap="square" lIns="91425" tIns="91425" rIns="91425" bIns="91425" anchor="ctr" anchorCtr="0">
+            <a:noAutofit/>
+          </a:bodyPr>
+          <a:lstStyle/>
+          <a:p>
+            <a:pPr marL="0" lvl="0" indent="0" algn="ctr" rtl="0">
+              <a:spcBef>
+                <a:spcPts val="0"/>
+              </a:spcBef>
+              <a:spcAft>
+                <a:spcPts val="0"/>
+              </a:spcAft>
+              <a:buNone/>
+            </a:pPr>
+            <a:r>
+              <a:rPr lang="en-GB" dirty="0"/>
+              <a:t>Digital Transformation 2</a:t>
+            </a:r>
+            <a:endParaRPr dirty="0"/>
+          </a:p>
+        </p:txBody>
+      </p:sp>
+      <p:sp>
+        <p:nvSpPr>
+          <p:cNvPr id="469" name="Google Shape;469;p49"/>
+          <p:cNvSpPr txBox="1">
+            <a:spLocks noGrp="1"/>
+          </p:cNvSpPr>
+          <p:nvPr>
+            <p:ph type="subTitle" idx="2"/>
+          </p:nvPr>
+        </p:nvSpPr>
+        <p:spPr>
+          <a:xfrm>
+            <a:off x="3200400" y="3353563"/>
+            <a:ext cx="5486400" cy="685800"/>
+          </a:xfrm>
+          <a:prstGeom prst="rect">
+            <a:avLst/>
+          </a:prstGeom>
+        </p:spPr>
+        <p:txBody>
+          <a:bodyPr spcFirstLastPara="1" wrap="square" lIns="91425" tIns="91425" rIns="91425" bIns="91425" anchor="ctr" anchorCtr="0">
+            <a:noAutofit/>
+          </a:bodyPr>
+          <a:lstStyle/>
+          <a:p>
+            <a:pPr marL="0" lvl="0" indent="0" algn="r" rtl="0">
+              <a:spcBef>
+                <a:spcPts val="0"/>
+              </a:spcBef>
+              <a:spcAft>
+                <a:spcPts val="0"/>
+              </a:spcAft>
+              <a:buNone/>
+            </a:pPr>
+            <a:r>
+              <a:rPr lang="en-GB" dirty="0"/>
+              <a:t>The student is able to explain and contrast the attitudes, knowledge, acceptance, and perceived impact of AI on the domains of </a:t>
+            </a:r>
+            <a:r>
+              <a:rPr lang="en-GB" dirty="0" err="1"/>
+              <a:t>Buas</a:t>
+            </a:r>
+            <a:r>
+              <a:rPr lang="en-GB" dirty="0"/>
+              <a:t> by means of a research proposal and formulate research questions and consequently, hypotheses which can be tested.​</a:t>
+            </a:r>
+            <a:endParaRPr dirty="0"/>
+          </a:p>
+        </p:txBody>
+      </p:sp>
+      <p:sp>
+        <p:nvSpPr>
+          <p:cNvPr id="470" name="Google Shape;470;p49"/>
+          <p:cNvSpPr txBox="1"/>
+          <p:nvPr/>
+        </p:nvSpPr>
+        <p:spPr>
+          <a:xfrm>
+            <a:off x="-420624" y="749808"/>
+            <a:ext cx="3383400" cy="5120700"/>
+          </a:xfrm>
+          <a:prstGeom prst="rect">
+            <a:avLst/>
+          </a:prstGeom>
+          <a:noFill/>
+          <a:ln>
+            <a:noFill/>
+          </a:ln>
+        </p:spPr>
+        <p:txBody>
+          <a:bodyPr spcFirstLastPara="1" wrap="square" lIns="0" tIns="0" rIns="0" bIns="0" anchor="ctr" anchorCtr="0">
+            <a:noAutofit/>
+          </a:bodyPr>
+          <a:lstStyle/>
+          <a:p>
+            <a:pPr marL="0" lvl="0" indent="0" algn="l" rtl="0">
+              <a:spcBef>
+                <a:spcPts val="0"/>
+              </a:spcBef>
+              <a:spcAft>
+                <a:spcPts val="0"/>
+              </a:spcAft>
+              <a:buNone/>
+            </a:pPr>
+            <a:r>
+              <a:rPr lang="en" sz="40000">
+                <a:solidFill>
+                  <a:srgbClr val="999999"/>
+                </a:solidFill>
+                <a:latin typeface="Roboto"/>
+                <a:ea typeface="Roboto"/>
+                <a:cs typeface="Roboto"/>
+                <a:sym typeface="Roboto"/>
+              </a:rPr>
+              <a:t>3</a:t>
+            </a:r>
+            <a:endParaRPr sz="40000">
+              <a:solidFill>
+                <a:srgbClr val="999999"/>
+              </a:solidFill>
+              <a:latin typeface="Roboto"/>
+              <a:ea typeface="Roboto"/>
+              <a:cs typeface="Roboto"/>
+              <a:sym typeface="Roboto"/>
+            </a:endParaRPr>
+          </a:p>
+        </p:txBody>
+      </p:sp>
+    </p:spTree>
+  </p:cSld>
+  <p:clrMapOvr>
+    <a:masterClrMapping/>
+  </p:clrMapOvr>
+</p:sld>
+</file>
+
+<file path=ppt/slides/slide29.xml><?xml version="1.0" encoding="utf-8"?>
+<p:sld xmlns:a="http://schemas.openxmlformats.org/drawingml/2006/main" xmlns:r="http://schemas.openxmlformats.org/officeDocument/2006/relationships" xmlns:p="http://schemas.openxmlformats.org/presentationml/2006/main">
+  <p:cSld>
+    <p:spTree>
+      <p:nvGrpSpPr>
+        <p:cNvPr id="1" name="Shape 474"/>
+        <p:cNvGrpSpPr/>
+        <p:nvPr/>
+      </p:nvGrpSpPr>
+      <p:grpSpPr>
+        <a:xfrm>
+          <a:off x="0" y="0"/>
+          <a:ext cx="0" cy="0"/>
+          <a:chOff x="0" y="0"/>
+          <a:chExt cx="0" cy="0"/>
+        </a:xfrm>
+      </p:grpSpPr>
+      <p:sp>
+        <p:nvSpPr>
+          <p:cNvPr id="475" name="Google Shape;475;p50"/>
+          <p:cNvSpPr txBox="1">
+            <a:spLocks noGrp="1"/>
+          </p:cNvSpPr>
+          <p:nvPr>
+            <p:ph type="title"/>
+          </p:nvPr>
+        </p:nvSpPr>
+        <p:spPr>
+          <a:xfrm>
+            <a:off x="68250" y="0"/>
+            <a:ext cx="777300" cy="576000"/>
+          </a:xfrm>
+          <a:prstGeom prst="rect">
+            <a:avLst/>
+          </a:prstGeom>
+        </p:spPr>
+        <p:txBody>
+          <a:bodyPr spcFirstLastPara="1" wrap="square" lIns="91425" tIns="91425" rIns="91425" bIns="91425" anchor="ctr" anchorCtr="0">
+            <a:noAutofit/>
+          </a:bodyPr>
+          <a:lstStyle/>
+          <a:p>
+            <a:pPr marL="0" lvl="0" indent="0" algn="l" rtl="0">
+              <a:spcBef>
+                <a:spcPts val="0"/>
+              </a:spcBef>
+              <a:spcAft>
+                <a:spcPts val="0"/>
+              </a:spcAft>
+              <a:buNone/>
+            </a:pPr>
+            <a:r>
+              <a:rPr lang="en" dirty="0"/>
+              <a:t>ILO 3</a:t>
+            </a:r>
+            <a:endParaRPr dirty="0"/>
+          </a:p>
+        </p:txBody>
+      </p:sp>
+      <p:sp>
+        <p:nvSpPr>
+          <p:cNvPr id="476" name="Google Shape;476;p50"/>
+          <p:cNvSpPr txBox="1">
+            <a:spLocks noGrp="1"/>
+          </p:cNvSpPr>
+          <p:nvPr>
+            <p:ph type="title" idx="2"/>
+          </p:nvPr>
+        </p:nvSpPr>
+        <p:spPr>
+          <a:xfrm>
+            <a:off x="7068300" y="0"/>
+            <a:ext cx="1984200" cy="576000"/>
+          </a:xfrm>
+          <a:prstGeom prst="rect">
+            <a:avLst/>
+          </a:prstGeom>
+        </p:spPr>
+        <p:txBody>
+          <a:bodyPr spcFirstLastPara="1" wrap="square" lIns="91425" tIns="91425" rIns="91425" bIns="91425" anchor="b" anchorCtr="0">
+            <a:noAutofit/>
+          </a:bodyPr>
+          <a:lstStyle/>
+          <a:p>
+            <a:pPr marL="0" lvl="0" indent="0" algn="r" rtl="0">
+              <a:spcBef>
+                <a:spcPts val="0"/>
+              </a:spcBef>
+              <a:spcAft>
+                <a:spcPts val="0"/>
+              </a:spcAft>
+              <a:buNone/>
+            </a:pPr>
+            <a:r>
+              <a:rPr lang="en"/>
+              <a:t>1/1</a:t>
+            </a:r>
+            <a:endParaRPr/>
+          </a:p>
+        </p:txBody>
+      </p:sp>
+      <p:sp>
+        <p:nvSpPr>
+          <p:cNvPr id="477" name="Google Shape;477;p50"/>
+          <p:cNvSpPr txBox="1">
+            <a:spLocks noGrp="1"/>
+          </p:cNvSpPr>
+          <p:nvPr>
+            <p:ph type="body" idx="1"/>
+          </p:nvPr>
+        </p:nvSpPr>
+        <p:spPr>
+          <a:xfrm>
+            <a:off x="182880" y="1069848"/>
+            <a:ext cx="5486400" cy="3895200"/>
+          </a:xfrm>
+          <a:prstGeom prst="rect">
+            <a:avLst/>
+          </a:prstGeom>
+        </p:spPr>
+        <p:txBody>
+          <a:bodyPr spcFirstLastPara="1" wrap="square" lIns="91425" tIns="91425" rIns="91425" bIns="91425" anchor="t" anchorCtr="0">
+            <a:noAutofit/>
+          </a:bodyPr>
+          <a:lstStyle/>
+          <a:p>
+            <a:pPr marL="0" lvl="0" indent="0" algn="l" rtl="0">
+              <a:lnSpc>
+                <a:spcPct val="115000"/>
+              </a:lnSpc>
+              <a:spcBef>
+                <a:spcPts val="0"/>
+              </a:spcBef>
+              <a:spcAft>
+                <a:spcPts val="0"/>
+              </a:spcAft>
+              <a:buNone/>
+            </a:pPr>
+            <a:r>
+              <a:rPr lang="en" sz="900" i="1" dirty="0">
+                <a:solidFill>
+                  <a:schemeClr val="lt1"/>
+                </a:solidFill>
+                <a:latin typeface="Helvetica Neue"/>
+                <a:ea typeface="Helvetica Neue"/>
+                <a:cs typeface="Helvetica Neue"/>
+                <a:sym typeface="Helvetica Neue"/>
+              </a:rPr>
+              <a:t>Show your best examples, do not go overboard, add in short description, you are free to alter this layout (or add slides per evidence) to suit your needs. Just be sure that it is clear.</a:t>
+            </a:r>
+            <a:endParaRPr sz="900" dirty="0">
+              <a:solidFill>
+                <a:schemeClr val="lt1"/>
+              </a:solidFill>
+            </a:endParaRPr>
+          </a:p>
+          <a:p>
+            <a:pPr marL="0" lvl="0" indent="0" algn="l" rtl="0">
+              <a:lnSpc>
+                <a:spcPct val="115000"/>
+              </a:lnSpc>
+              <a:spcBef>
+                <a:spcPts val="0"/>
+              </a:spcBef>
+              <a:spcAft>
+                <a:spcPts val="0"/>
+              </a:spcAft>
+              <a:buNone/>
+            </a:pPr>
+            <a:endParaRPr sz="700" i="1" dirty="0">
+              <a:solidFill>
+                <a:schemeClr val="lt1"/>
+              </a:solidFill>
+              <a:latin typeface="Helvetica Neue"/>
+              <a:ea typeface="Helvetica Neue"/>
+              <a:cs typeface="Helvetica Neue"/>
+              <a:sym typeface="Helvetica Neue"/>
+            </a:endParaRPr>
+          </a:p>
+        </p:txBody>
+      </p:sp>
+      <p:sp>
+        <p:nvSpPr>
+          <p:cNvPr id="479" name="Google Shape;479;p50"/>
+          <p:cNvSpPr txBox="1">
+            <a:spLocks noGrp="1"/>
+          </p:cNvSpPr>
+          <p:nvPr>
+            <p:ph type="title" idx="4"/>
+          </p:nvPr>
+        </p:nvSpPr>
+        <p:spPr>
+          <a:xfrm>
+            <a:off x="68250" y="576000"/>
+            <a:ext cx="839700" cy="493800"/>
+          </a:xfrm>
+          <a:prstGeom prst="rect">
+            <a:avLst/>
+          </a:prstGeom>
+        </p:spPr>
+        <p:txBody>
+          <a:bodyPr spcFirstLastPara="1" wrap="square" lIns="91425" tIns="91425" rIns="91425" bIns="91425" anchor="ctr" anchorCtr="0">
+            <a:noAutofit/>
+          </a:bodyPr>
+          <a:lstStyle/>
+          <a:p>
+            <a:pPr marL="0" lvl="0" indent="0" algn="l" rtl="0">
+              <a:spcBef>
+                <a:spcPts val="0"/>
+              </a:spcBef>
+              <a:spcAft>
+                <a:spcPts val="0"/>
+              </a:spcAft>
+              <a:buNone/>
+            </a:pPr>
+            <a:r>
+              <a:rPr lang="en">
+                <a:solidFill>
+                  <a:srgbClr val="FFFFFF"/>
+                </a:solidFill>
+              </a:rPr>
+              <a:t>3.1</a:t>
+            </a:r>
+            <a:endParaRPr>
+              <a:solidFill>
+                <a:srgbClr val="FFFFFF"/>
+              </a:solidFill>
+            </a:endParaRPr>
+          </a:p>
+        </p:txBody>
+      </p:sp>
+      <p:sp>
+        <p:nvSpPr>
+          <p:cNvPr id="480" name="Google Shape;480;p50"/>
+          <p:cNvSpPr txBox="1">
+            <a:spLocks noGrp="1"/>
+          </p:cNvSpPr>
+          <p:nvPr>
+            <p:ph type="title" idx="5"/>
+          </p:nvPr>
+        </p:nvSpPr>
+        <p:spPr>
+          <a:xfrm>
+            <a:off x="845550" y="576000"/>
+            <a:ext cx="7315200" cy="493800"/>
+          </a:xfrm>
+          <a:prstGeom prst="rect">
+            <a:avLst/>
+          </a:prstGeom>
+        </p:spPr>
+        <p:txBody>
+          <a:bodyPr spcFirstLastPara="1" wrap="square" lIns="91425" tIns="91425" rIns="91425" bIns="91425" anchor="ctr" anchorCtr="0">
+            <a:noAutofit/>
+          </a:bodyPr>
+          <a:lstStyle/>
+          <a:p>
+            <a:pPr marL="0" lvl="0" indent="0" algn="l" rtl="0">
+              <a:spcBef>
+                <a:spcPts val="0"/>
+              </a:spcBef>
+              <a:spcAft>
+                <a:spcPts val="0"/>
+              </a:spcAft>
+              <a:buNone/>
+            </a:pPr>
+            <a:r>
+              <a:rPr lang="en-GB" dirty="0"/>
+              <a:t>The student is able to explore and contrast the attitudes, knowledge, acceptance, and perceived impact of AI on the domains of </a:t>
+            </a:r>
+            <a:r>
+              <a:rPr lang="en-GB" dirty="0" err="1"/>
+              <a:t>Buas</a:t>
+            </a:r>
+            <a:r>
+              <a:rPr lang="en-GB" dirty="0"/>
+              <a:t> by means of a literature study and on this basis, draft a research proposal formulating research questions and consequently, hypotheses which can be tested.​	</a:t>
+            </a:r>
+          </a:p>
+        </p:txBody>
+      </p:sp>
+      <p:sp>
+        <p:nvSpPr>
+          <p:cNvPr id="8" name="Google Shape;459;p48">
+            <a:extLst>
+              <a:ext uri="{FF2B5EF4-FFF2-40B4-BE49-F238E27FC236}">
+                <a16:creationId xmlns:a16="http://schemas.microsoft.com/office/drawing/2014/main" id="{DE8B85CC-86BE-FFBA-5E25-9E5D1318CD48}"/>
+              </a:ext>
+            </a:extLst>
+          </p:cNvPr>
+          <p:cNvSpPr txBox="1">
+            <a:spLocks noGrp="1"/>
+          </p:cNvSpPr>
+          <p:nvPr>
+            <p:ph type="title" idx="3"/>
+          </p:nvPr>
+        </p:nvSpPr>
+        <p:spPr>
+          <a:xfrm>
+            <a:off x="2049462" y="0"/>
+            <a:ext cx="4206300" cy="576000"/>
+          </a:xfrm>
+          <a:prstGeom prst="rect">
+            <a:avLst/>
+          </a:prstGeom>
+        </p:spPr>
+        <p:txBody>
+          <a:bodyPr spcFirstLastPara="1" wrap="square" lIns="91425" tIns="91425" rIns="91425" bIns="91425" anchor="ctr" anchorCtr="0">
+            <a:noAutofit/>
+          </a:bodyPr>
+          <a:lstStyle/>
+          <a:p>
+            <a:pPr marL="0" lvl="0" indent="0" algn="l" rtl="0">
+              <a:spcBef>
+                <a:spcPts val="0"/>
+              </a:spcBef>
+              <a:spcAft>
+                <a:spcPts val="0"/>
+              </a:spcAft>
+              <a:buNone/>
+            </a:pPr>
+            <a:r>
+              <a:rPr lang="en-GB" dirty="0"/>
+              <a:t>The student is able to explain and contrast the attitudes, knowledge, acceptance, and perceived impact of AI on the domains of </a:t>
+            </a:r>
+            <a:r>
+              <a:rPr lang="en-GB" dirty="0" err="1"/>
+              <a:t>Buas</a:t>
+            </a:r>
+            <a:r>
+              <a:rPr lang="en-GB" dirty="0"/>
+              <a:t> by means of a research proposal and formulate research questions and consequently, hypotheses which can be tested.​</a:t>
+            </a:r>
+          </a:p>
+        </p:txBody>
+      </p:sp>
+      <p:sp>
+        <p:nvSpPr>
+          <p:cNvPr id="4" name="Google Shape;462;p48">
+            <a:extLst>
+              <a:ext uri="{FF2B5EF4-FFF2-40B4-BE49-F238E27FC236}">
+                <a16:creationId xmlns:a16="http://schemas.microsoft.com/office/drawing/2014/main" id="{4B1AFA75-0BFC-2AF2-8AED-33D45D7F8644}"/>
+              </a:ext>
+            </a:extLst>
+          </p:cNvPr>
+          <p:cNvSpPr txBox="1">
+            <a:spLocks noGrp="1"/>
+          </p:cNvSpPr>
+          <p:nvPr>
+            <p:ph type="title" idx="6"/>
+          </p:nvPr>
+        </p:nvSpPr>
+        <p:spPr>
+          <a:xfrm>
+            <a:off x="845550" y="0"/>
+            <a:ext cx="1368600" cy="576000"/>
+          </a:xfrm>
+          <a:prstGeom prst="rect">
+            <a:avLst/>
+          </a:prstGeom>
+        </p:spPr>
+        <p:txBody>
+          <a:bodyPr spcFirstLastPara="1" wrap="square" lIns="91425" tIns="91425" rIns="91425" bIns="91425" anchor="ctr" anchorCtr="0">
+            <a:noAutofit/>
+          </a:bodyPr>
+          <a:lstStyle/>
+          <a:p>
+            <a:pPr marL="0" lvl="0" indent="0" algn="l" rtl="0">
+              <a:spcBef>
+                <a:spcPts val="0"/>
+              </a:spcBef>
+              <a:spcAft>
+                <a:spcPts val="0"/>
+              </a:spcAft>
+              <a:buNone/>
+            </a:pPr>
+            <a:r>
+              <a:rPr lang="en-US" sz="1100" dirty="0"/>
+              <a:t>Digital Transformation 2</a:t>
+            </a:r>
+            <a:endParaRPr sz="1100" dirty="0"/>
           </a:p>
         </p:txBody>
       </p:sp>
@@ -23259,7 +22658,7 @@
   <p:cSld>
     <p:spTree>
       <p:nvGrpSpPr>
-        <p:cNvPr id="1" name="Shape 455"/>
+        <p:cNvPr id="1" name="Shape 466"/>
         <p:cNvGrpSpPr/>
         <p:nvPr/>
       </p:nvGrpSpPr>
@@ -23273,18 +22672,18 @@
       </p:grpSpPr>
       <p:sp>
         <p:nvSpPr>
-          <p:cNvPr id="456" name="Google Shape;456;p48"/>
+          <p:cNvPr id="467" name="Google Shape;467;p49"/>
           <p:cNvSpPr txBox="1">
             <a:spLocks noGrp="1"/>
           </p:cNvSpPr>
           <p:nvPr>
-            <p:ph type="title"/>
-          </p:nvPr>
-        </p:nvSpPr>
-        <p:spPr>
-          <a:xfrm>
-            <a:off x="68250" y="0"/>
-            <a:ext cx="777300" cy="576000"/>
+            <p:ph type="ctrTitle"/>
+          </p:nvPr>
+        </p:nvSpPr>
+        <p:spPr>
+          <a:xfrm>
+            <a:off x="2286000" y="1104139"/>
+            <a:ext cx="6400800" cy="1501800"/>
           </a:xfrm>
           <a:prstGeom prst="rect">
             <a:avLst/>
@@ -23296,7 +22695,7 @@
           </a:bodyPr>
           <a:lstStyle/>
           <a:p>
-            <a:pPr marL="0" lvl="0" indent="0" algn="l" rtl="0">
+            <a:pPr marL="0" lvl="0" indent="0" algn="ctr" rtl="0">
               <a:spcBef>
                 <a:spcPts val="0"/>
               </a:spcBef>
@@ -23307,7 +22706,7 @@
             </a:pPr>
             <a:r>
               <a:rPr lang="en"/>
-              <a:t>ILO 2</a:t>
+              <a:t>ILO 4</a:t>
             </a:r>
             <a:endParaRPr/>
           </a:p>
@@ -23315,271 +22714,152 @@
       </p:sp>
       <p:sp>
         <p:nvSpPr>
-          <p:cNvPr id="457" name="Google Shape;457;p48"/>
+          <p:cNvPr id="468" name="Google Shape;468;p49"/>
           <p:cNvSpPr txBox="1">
             <a:spLocks noGrp="1"/>
           </p:cNvSpPr>
           <p:nvPr>
-            <p:ph type="title" idx="2"/>
-          </p:nvPr>
-        </p:nvSpPr>
-        <p:spPr>
-          <a:xfrm>
-            <a:off x="7068300" y="0"/>
-            <a:ext cx="1984200" cy="576000"/>
-          </a:xfrm>
-          <a:prstGeom prst="rect">
-            <a:avLst/>
-          </a:prstGeom>
-        </p:spPr>
-        <p:txBody>
-          <a:bodyPr spcFirstLastPara="1" wrap="square" lIns="91425" tIns="91425" rIns="91425" bIns="91425" anchor="b" anchorCtr="0">
+            <p:ph type="subTitle" idx="1"/>
+          </p:nvPr>
+        </p:nvSpPr>
+        <p:spPr>
+          <a:xfrm>
+            <a:off x="2286000" y="2503171"/>
+            <a:ext cx="6400800" cy="685800"/>
+          </a:xfrm>
+          <a:prstGeom prst="rect">
+            <a:avLst/>
+          </a:prstGeom>
+        </p:spPr>
+        <p:txBody>
+          <a:bodyPr spcFirstLastPara="1" wrap="square" lIns="91425" tIns="91425" rIns="91425" bIns="91425" anchor="ctr" anchorCtr="0">
             <a:noAutofit/>
           </a:bodyPr>
           <a:lstStyle/>
           <a:p>
-            <a:pPr marL="0" lvl="0" indent="0" algn="r" rtl="0">
-              <a:spcBef>
-                <a:spcPts val="0"/>
-              </a:spcBef>
-              <a:spcAft>
-                <a:spcPts val="0"/>
-              </a:spcAft>
-              <a:buNone/>
-            </a:pPr>
-            <a:r>
-              <a:rPr lang="en"/>
-              <a:t>4/4</a:t>
-            </a:r>
-            <a:endParaRPr/>
-          </a:p>
-        </p:txBody>
-      </p:sp>
-      <p:sp>
-        <p:nvSpPr>
-          <p:cNvPr id="458" name="Google Shape;458;p48"/>
+            <a:pPr marL="0" lvl="0" indent="0" algn="ctr" rtl="0">
+              <a:spcBef>
+                <a:spcPts val="0"/>
+              </a:spcBef>
+              <a:spcAft>
+                <a:spcPts val="0"/>
+              </a:spcAft>
+              <a:buNone/>
+            </a:pPr>
+            <a:r>
+              <a:rPr lang="en-US" dirty="0"/>
+              <a:t>Research Methodology​</a:t>
+            </a:r>
+            <a:endParaRPr dirty="0"/>
+          </a:p>
+        </p:txBody>
+      </p:sp>
+      <p:sp>
+        <p:nvSpPr>
+          <p:cNvPr id="469" name="Google Shape;469;p49"/>
           <p:cNvSpPr txBox="1">
             <a:spLocks noGrp="1"/>
           </p:cNvSpPr>
           <p:nvPr>
-            <p:ph type="body" idx="1"/>
-          </p:nvPr>
-        </p:nvSpPr>
-        <p:spPr>
-          <a:xfrm>
-            <a:off x="182880" y="1069848"/>
-            <a:ext cx="5486400" cy="3895200"/>
-          </a:xfrm>
-          <a:prstGeom prst="rect">
-            <a:avLst/>
-          </a:prstGeom>
-        </p:spPr>
-        <p:txBody>
-          <a:bodyPr spcFirstLastPara="1" wrap="square" lIns="91425" tIns="91425" rIns="91425" bIns="91425" anchor="t" anchorCtr="0">
+            <p:ph type="subTitle" idx="2"/>
+          </p:nvPr>
+        </p:nvSpPr>
+        <p:spPr>
+          <a:xfrm>
+            <a:off x="3200400" y="3353563"/>
+            <a:ext cx="5486400" cy="685800"/>
+          </a:xfrm>
+          <a:prstGeom prst="rect">
+            <a:avLst/>
+          </a:prstGeom>
+        </p:spPr>
+        <p:txBody>
+          <a:bodyPr spcFirstLastPara="1" wrap="square" lIns="91425" tIns="91425" rIns="91425" bIns="91425" anchor="ctr" anchorCtr="0">
             <a:noAutofit/>
           </a:bodyPr>
           <a:lstStyle/>
           <a:p>
+            <a:pPr marL="0" lvl="0" indent="0" algn="r" rtl="0">
+              <a:spcBef>
+                <a:spcPts val="0"/>
+              </a:spcBef>
+              <a:spcAft>
+                <a:spcPts val="0"/>
+              </a:spcAft>
+              <a:buNone/>
+            </a:pPr>
+            <a:r>
+              <a:rPr lang="en-GB" dirty="0"/>
+              <a:t>The student is able to The student is able to identify, select, and implement appropriate quantitative and qualitative research designs to address their research questions.​ business objectives,  and produce a project plan.</a:t>
+            </a:r>
+            <a:endParaRPr dirty="0"/>
+          </a:p>
+        </p:txBody>
+      </p:sp>
+      <p:sp>
+        <p:nvSpPr>
+          <p:cNvPr id="470" name="Google Shape;470;p49"/>
+          <p:cNvSpPr txBox="1"/>
+          <p:nvPr/>
+        </p:nvSpPr>
+        <p:spPr>
+          <a:xfrm>
+            <a:off x="-420624" y="749808"/>
+            <a:ext cx="3383400" cy="5120700"/>
+          </a:xfrm>
+          <a:prstGeom prst="rect">
+            <a:avLst/>
+          </a:prstGeom>
+          <a:noFill/>
+          <a:ln>
+            <a:noFill/>
+          </a:ln>
+        </p:spPr>
+        <p:txBody>
+          <a:bodyPr spcFirstLastPara="1" wrap="square" lIns="0" tIns="0" rIns="0" bIns="0" anchor="ctr" anchorCtr="0">
+            <a:noAutofit/>
+          </a:bodyPr>
+          <a:lstStyle/>
+          <a:p>
             <a:pPr marL="0" lvl="0" indent="0" algn="l" rtl="0">
-              <a:lnSpc>
-                <a:spcPct val="115000"/>
-              </a:lnSpc>
-              <a:spcBef>
-                <a:spcPts val="0"/>
-              </a:spcBef>
-              <a:spcAft>
-                <a:spcPts val="0"/>
-              </a:spcAft>
-              <a:buNone/>
-            </a:pPr>
-            <a:r>
-              <a:rPr lang="en" sz="700" i="1">
+              <a:spcBef>
+                <a:spcPts val="0"/>
+              </a:spcBef>
+              <a:spcAft>
+                <a:spcPts val="0"/>
+              </a:spcAft>
+              <a:buNone/>
+            </a:pPr>
+            <a:r>
+              <a:rPr lang="en" sz="40000">
                 <a:solidFill>
-                  <a:schemeClr val="lt1"/>
+                  <a:srgbClr val="999999"/>
                 </a:solidFill>
-                <a:latin typeface="Helvetica Neue"/>
-                <a:ea typeface="Helvetica Neue"/>
-                <a:cs typeface="Helvetica Neue"/>
-                <a:sym typeface="Helvetica Neue"/>
+                <a:latin typeface="Roboto"/>
+                <a:ea typeface="Roboto"/>
+                <a:cs typeface="Roboto"/>
+                <a:sym typeface="Roboto"/>
               </a:rPr>
-              <a:t>Show your best examples, do not go overboard, add in short description, you are free to alter this layout (or add slides per evidence) to suit your needs. Just be sure that it is clear.</a:t>
-            </a:r>
-            <a:endParaRPr/>
-          </a:p>
-        </p:txBody>
-      </p:sp>
-      <p:sp>
-        <p:nvSpPr>
-          <p:cNvPr id="459" name="Google Shape;459;p48"/>
-          <p:cNvSpPr txBox="1">
-            <a:spLocks noGrp="1"/>
-          </p:cNvSpPr>
-          <p:nvPr>
-            <p:ph type="title" idx="3"/>
-          </p:nvPr>
-        </p:nvSpPr>
-        <p:spPr>
-          <a:xfrm>
-            <a:off x="2049462" y="0"/>
-            <a:ext cx="4206300" cy="576000"/>
-          </a:xfrm>
-          <a:prstGeom prst="rect">
-            <a:avLst/>
-          </a:prstGeom>
-        </p:spPr>
-        <p:txBody>
-          <a:bodyPr spcFirstLastPara="1" wrap="square" lIns="91425" tIns="91425" rIns="91425" bIns="91425" anchor="ctr" anchorCtr="0">
-            <a:noAutofit/>
-          </a:bodyPr>
-          <a:lstStyle/>
-          <a:p>
-            <a:pPr marL="0" lvl="0" indent="0" algn="l" rtl="0">
-              <a:spcBef>
-                <a:spcPts val="0"/>
-              </a:spcBef>
-              <a:spcAft>
-                <a:spcPts val="0"/>
-              </a:spcAft>
-              <a:buNone/>
-            </a:pPr>
-            <a:r>
-              <a:rPr lang="en-GB" dirty="0"/>
-              <a:t>Demonstrates self-exploration and personal development, good academic practices in learning how to learn and the acquisition of professional knowledge through research, study, analysis, applied practice, discussion and reporting.</a:t>
-            </a:r>
-          </a:p>
-        </p:txBody>
-      </p:sp>
-      <p:sp>
-        <p:nvSpPr>
-          <p:cNvPr id="460" name="Google Shape;460;p48"/>
-          <p:cNvSpPr txBox="1">
-            <a:spLocks noGrp="1"/>
-          </p:cNvSpPr>
-          <p:nvPr>
-            <p:ph type="title" idx="4"/>
-          </p:nvPr>
-        </p:nvSpPr>
-        <p:spPr>
-          <a:xfrm>
-            <a:off x="68250" y="576000"/>
-            <a:ext cx="839700" cy="493800"/>
-          </a:xfrm>
-          <a:prstGeom prst="rect">
-            <a:avLst/>
-          </a:prstGeom>
-        </p:spPr>
-        <p:txBody>
-          <a:bodyPr spcFirstLastPara="1" wrap="square" lIns="91425" tIns="91425" rIns="91425" bIns="91425" anchor="ctr" anchorCtr="0">
-            <a:noAutofit/>
-          </a:bodyPr>
-          <a:lstStyle/>
-          <a:p>
-            <a:pPr marL="0" lvl="0" indent="0" algn="l" rtl="0">
-              <a:spcBef>
-                <a:spcPts val="0"/>
-              </a:spcBef>
-              <a:spcAft>
-                <a:spcPts val="0"/>
-              </a:spcAft>
-              <a:buNone/>
-            </a:pPr>
-            <a:r>
-              <a:rPr lang="en" dirty="0"/>
-              <a:t>2.</a:t>
-            </a:r>
-            <a:r>
-              <a:rPr lang="en-NL" dirty="0"/>
-              <a:t>1</a:t>
-            </a:r>
-            <a:endParaRPr dirty="0"/>
-          </a:p>
-        </p:txBody>
-      </p:sp>
-      <p:sp>
-        <p:nvSpPr>
-          <p:cNvPr id="461" name="Google Shape;461;p48"/>
-          <p:cNvSpPr txBox="1">
-            <a:spLocks noGrp="1"/>
-          </p:cNvSpPr>
-          <p:nvPr>
-            <p:ph type="title" idx="5"/>
-          </p:nvPr>
-        </p:nvSpPr>
-        <p:spPr>
-          <a:xfrm>
-            <a:off x="845550" y="576000"/>
-            <a:ext cx="7315200" cy="493800"/>
-          </a:xfrm>
-          <a:prstGeom prst="rect">
-            <a:avLst/>
-          </a:prstGeom>
-        </p:spPr>
-        <p:txBody>
-          <a:bodyPr spcFirstLastPara="1" wrap="square" lIns="91425" tIns="91425" rIns="91425" bIns="91425" anchor="ctr" anchorCtr="0">
-            <a:noAutofit/>
-          </a:bodyPr>
-          <a:lstStyle/>
-          <a:p>
-            <a:pPr marL="0" lvl="0" indent="0" algn="l" rtl="0">
-              <a:spcBef>
-                <a:spcPts val="0"/>
-              </a:spcBef>
-              <a:spcAft>
-                <a:spcPts val="0"/>
-              </a:spcAft>
-              <a:buNone/>
-            </a:pPr>
-            <a:r>
-              <a:rPr lang="en-GB" dirty="0"/>
-              <a:t>Sets ambitious, S.M.A.R.T./ C.L.E.A.R goals in alignment with the project brief, their chosen role(s), content of the assessment rubric and their personal long-term goals.</a:t>
-            </a:r>
-            <a:endParaRPr dirty="0"/>
-          </a:p>
-        </p:txBody>
-      </p:sp>
-      <p:sp>
-        <p:nvSpPr>
-          <p:cNvPr id="462" name="Google Shape;462;p48"/>
-          <p:cNvSpPr txBox="1">
-            <a:spLocks noGrp="1"/>
-          </p:cNvSpPr>
-          <p:nvPr>
-            <p:ph type="title" idx="6"/>
-          </p:nvPr>
-        </p:nvSpPr>
-        <p:spPr>
-          <a:xfrm>
-            <a:off x="845550" y="0"/>
-            <a:ext cx="1368600" cy="576000"/>
-          </a:xfrm>
-          <a:prstGeom prst="rect">
-            <a:avLst/>
-          </a:prstGeom>
-        </p:spPr>
-        <p:txBody>
-          <a:bodyPr spcFirstLastPara="1" wrap="square" lIns="91425" tIns="91425" rIns="91425" bIns="91425" anchor="ctr" anchorCtr="0">
-            <a:noAutofit/>
-          </a:bodyPr>
-          <a:lstStyle/>
-          <a:p>
-            <a:pPr marL="0" lvl="0" indent="0" algn="l" rtl="0">
-              <a:spcBef>
-                <a:spcPts val="0"/>
-              </a:spcBef>
-              <a:spcAft>
-                <a:spcPts val="0"/>
-              </a:spcAft>
-              <a:buNone/>
-            </a:pPr>
-            <a:r>
-              <a:rPr lang="en"/>
-              <a:t>Professional Practice</a:t>
-            </a:r>
-            <a:endParaRPr/>
+              <a:t>4</a:t>
+            </a:r>
+            <a:endParaRPr sz="40000">
+              <a:solidFill>
+                <a:srgbClr val="999999"/>
+              </a:solidFill>
+              <a:latin typeface="Roboto"/>
+              <a:ea typeface="Roboto"/>
+              <a:cs typeface="Roboto"/>
+              <a:sym typeface="Roboto"/>
+            </a:endParaRPr>
           </a:p>
         </p:txBody>
       </p:sp>
     </p:spTree>
+    <p:extLst>
+      <p:ext uri="{BB962C8B-B14F-4D97-AF65-F5344CB8AC3E}">
+        <p14:creationId xmlns:p14="http://schemas.microsoft.com/office/powerpoint/2010/main" val="4111561620"/>
+      </p:ext>
+    </p:extLst>
   </p:cSld>
   <p:clrMapOvr>
     <a:masterClrMapping/>
@@ -23592,7 +22872,7 @@
   <p:cSld>
     <p:spTree>
       <p:nvGrpSpPr>
-        <p:cNvPr id="1" name="Shape 466"/>
+        <p:cNvPr id="1" name="Shape 474"/>
         <p:cNvGrpSpPr/>
         <p:nvPr/>
       </p:nvGrpSpPr>
@@ -23606,18 +22886,18 @@
       </p:grpSpPr>
       <p:sp>
         <p:nvSpPr>
-          <p:cNvPr id="467" name="Google Shape;467;p49"/>
+          <p:cNvPr id="475" name="Google Shape;475;p50"/>
           <p:cNvSpPr txBox="1">
             <a:spLocks noGrp="1"/>
           </p:cNvSpPr>
           <p:nvPr>
-            <p:ph type="ctrTitle"/>
-          </p:nvPr>
-        </p:nvSpPr>
-        <p:spPr>
-          <a:xfrm>
-            <a:off x="2286000" y="1104139"/>
-            <a:ext cx="6400800" cy="1501800"/>
+            <p:ph type="title"/>
+          </p:nvPr>
+        </p:nvSpPr>
+        <p:spPr>
+          <a:xfrm>
+            <a:off x="68250" y="0"/>
+            <a:ext cx="777300" cy="576000"/>
           </a:xfrm>
           <a:prstGeom prst="rect">
             <a:avLst/>
@@ -23629,7 +22909,7 @@
           </a:bodyPr>
           <a:lstStyle/>
           <a:p>
-            <a:pPr marL="0" lvl="0" indent="0" algn="ctr" rtl="0">
+            <a:pPr marL="0" lvl="0" indent="0" algn="l" rtl="0">
               <a:spcBef>
                 <a:spcPts val="0"/>
               </a:spcBef>
@@ -23640,7 +22920,7 @@
             </a:pPr>
             <a:r>
               <a:rPr lang="en"/>
-              <a:t>ILO 3</a:t>
+              <a:t>ILO 4</a:t>
             </a:r>
             <a:endParaRPr/>
           </a:p>
@@ -23648,60 +22928,140 @@
       </p:sp>
       <p:sp>
         <p:nvSpPr>
-          <p:cNvPr id="468" name="Google Shape;468;p49"/>
+          <p:cNvPr id="476" name="Google Shape;476;p50"/>
           <p:cNvSpPr txBox="1">
             <a:spLocks noGrp="1"/>
           </p:cNvSpPr>
           <p:nvPr>
-            <p:ph type="subTitle" idx="1"/>
-          </p:nvPr>
-        </p:nvSpPr>
-        <p:spPr>
-          <a:xfrm>
-            <a:off x="2286000" y="2503171"/>
-            <a:ext cx="6400800" cy="685800"/>
-          </a:xfrm>
-          <a:prstGeom prst="rect">
-            <a:avLst/>
-          </a:prstGeom>
-        </p:spPr>
-        <p:txBody>
-          <a:bodyPr spcFirstLastPara="1" wrap="square" lIns="91425" tIns="91425" rIns="91425" bIns="91425" anchor="ctr" anchorCtr="0">
+            <p:ph type="title" idx="2"/>
+          </p:nvPr>
+        </p:nvSpPr>
+        <p:spPr>
+          <a:xfrm>
+            <a:off x="7068300" y="0"/>
+            <a:ext cx="1984200" cy="576000"/>
+          </a:xfrm>
+          <a:prstGeom prst="rect">
+            <a:avLst/>
+          </a:prstGeom>
+        </p:spPr>
+        <p:txBody>
+          <a:bodyPr spcFirstLastPara="1" wrap="square" lIns="91425" tIns="91425" rIns="91425" bIns="91425" anchor="b" anchorCtr="0">
             <a:noAutofit/>
           </a:bodyPr>
           <a:lstStyle/>
           <a:p>
-            <a:pPr marL="0" lvl="0" indent="0" algn="ctr" rtl="0">
-              <a:spcBef>
-                <a:spcPts val="0"/>
-              </a:spcBef>
-              <a:spcAft>
-                <a:spcPts val="0"/>
-              </a:spcAft>
-              <a:buNone/>
-            </a:pPr>
-            <a:r>
-              <a:rPr lang="en-NL" dirty="0"/>
-              <a:t>Legal</a:t>
-            </a:r>
-            <a:endParaRPr dirty="0"/>
-          </a:p>
-        </p:txBody>
-      </p:sp>
-      <p:sp>
-        <p:nvSpPr>
-          <p:cNvPr id="469" name="Google Shape;469;p49"/>
+            <a:pPr marL="0" lvl="0" indent="0" algn="r" rtl="0">
+              <a:spcBef>
+                <a:spcPts val="0"/>
+              </a:spcBef>
+              <a:spcAft>
+                <a:spcPts val="0"/>
+              </a:spcAft>
+              <a:buNone/>
+            </a:pPr>
+            <a:r>
+              <a:rPr lang="en"/>
+              <a:t>1/1</a:t>
+            </a:r>
+            <a:endParaRPr/>
+          </a:p>
+        </p:txBody>
+      </p:sp>
+      <p:sp>
+        <p:nvSpPr>
+          <p:cNvPr id="477" name="Google Shape;477;p50"/>
           <p:cNvSpPr txBox="1">
             <a:spLocks noGrp="1"/>
           </p:cNvSpPr>
           <p:nvPr>
-            <p:ph type="subTitle" idx="2"/>
-          </p:nvPr>
-        </p:nvSpPr>
-        <p:spPr>
-          <a:xfrm>
-            <a:off x="3200400" y="3353563"/>
-            <a:ext cx="5486400" cy="685800"/>
+            <p:ph type="body" idx="1"/>
+          </p:nvPr>
+        </p:nvSpPr>
+        <p:spPr>
+          <a:xfrm>
+            <a:off x="182880" y="1069848"/>
+            <a:ext cx="5486400" cy="3895200"/>
+          </a:xfrm>
+          <a:prstGeom prst="rect">
+            <a:avLst/>
+          </a:prstGeom>
+        </p:spPr>
+        <p:txBody>
+          <a:bodyPr spcFirstLastPara="1" wrap="square" lIns="91425" tIns="91425" rIns="91425" bIns="91425" anchor="t" anchorCtr="0">
+            <a:noAutofit/>
+          </a:bodyPr>
+          <a:lstStyle/>
+          <a:p>
+            <a:pPr marL="0" lvl="0" indent="0" algn="l" rtl="0">
+              <a:lnSpc>
+                <a:spcPct val="115000"/>
+              </a:lnSpc>
+              <a:spcBef>
+                <a:spcPts val="0"/>
+              </a:spcBef>
+              <a:spcAft>
+                <a:spcPts val="0"/>
+              </a:spcAft>
+              <a:buNone/>
+            </a:pPr>
+            <a:r>
+              <a:rPr lang="en" sz="900" i="1">
+                <a:solidFill>
+                  <a:schemeClr val="lt1"/>
+                </a:solidFill>
+                <a:latin typeface="Helvetica Neue"/>
+                <a:ea typeface="Helvetica Neue"/>
+                <a:cs typeface="Helvetica Neue"/>
+                <a:sym typeface="Helvetica Neue"/>
+              </a:rPr>
+              <a:t>Show your best examples, do not go overboard, add in short description, you are free to alter this layout (or add slides per evidence) to suit your needs. Just be sure that it is clear.</a:t>
+            </a:r>
+            <a:endParaRPr sz="900">
+              <a:solidFill>
+                <a:schemeClr val="lt1"/>
+              </a:solidFill>
+            </a:endParaRPr>
+          </a:p>
+          <a:p>
+            <a:pPr marL="0" lvl="0" indent="0" algn="l" rtl="0">
+              <a:lnSpc>
+                <a:spcPct val="115000"/>
+              </a:lnSpc>
+              <a:spcBef>
+                <a:spcPts val="0"/>
+              </a:spcBef>
+              <a:spcAft>
+                <a:spcPts val="0"/>
+              </a:spcAft>
+              <a:buNone/>
+            </a:pPr>
+            <a:endParaRPr sz="700" i="1">
+              <a:solidFill>
+                <a:schemeClr val="lt1"/>
+              </a:solidFill>
+              <a:latin typeface="Helvetica Neue"/>
+              <a:ea typeface="Helvetica Neue"/>
+              <a:cs typeface="Helvetica Neue"/>
+              <a:sym typeface="Helvetica Neue"/>
+            </a:endParaRPr>
+          </a:p>
+        </p:txBody>
+      </p:sp>
+      <p:sp>
+        <p:nvSpPr>
+          <p:cNvPr id="479" name="Google Shape;479;p50"/>
+          <p:cNvSpPr txBox="1">
+            <a:spLocks noGrp="1"/>
+          </p:cNvSpPr>
+          <p:nvPr>
+            <p:ph type="title" idx="4"/>
+          </p:nvPr>
+        </p:nvSpPr>
+        <p:spPr>
+          <a:xfrm>
+            <a:off x="68250" y="576000"/>
+            <a:ext cx="839700" cy="493800"/>
           </a:xfrm>
           <a:prstGeom prst="rect">
             <a:avLst/>
@@ -23713,7 +23073,69 @@
           </a:bodyPr>
           <a:lstStyle/>
           <a:p>
-            <a:pPr marL="0" lvl="0" indent="0" algn="r" rtl="0">
+            <a:pPr marL="0" lvl="0" indent="0" algn="l" rtl="0">
+              <a:spcBef>
+                <a:spcPts val="0"/>
+              </a:spcBef>
+              <a:spcAft>
+                <a:spcPts val="0"/>
+              </a:spcAft>
+              <a:buNone/>
+            </a:pPr>
+            <a:r>
+              <a:rPr lang="en" dirty="0"/>
+              <a:t>4</a:t>
+            </a:r>
+            <a:r>
+              <a:rPr lang="en" dirty="0">
+                <a:solidFill>
+                  <a:srgbClr val="FFFFFF"/>
+                </a:solidFill>
+              </a:rPr>
+              <a:t>.</a:t>
+            </a:r>
+            <a:r>
+              <a:rPr lang="en-NL" dirty="0">
+                <a:solidFill>
+                  <a:srgbClr val="FFFFFF"/>
+                </a:solidFill>
+              </a:rPr>
+              <a:t>0</a:t>
+            </a:r>
+            <a:endParaRPr dirty="0">
+              <a:solidFill>
+                <a:srgbClr val="FFFFFF"/>
+              </a:solidFill>
+            </a:endParaRPr>
+          </a:p>
+        </p:txBody>
+      </p:sp>
+      <p:sp>
+        <p:nvSpPr>
+          <p:cNvPr id="480" name="Google Shape;480;p50"/>
+          <p:cNvSpPr txBox="1">
+            <a:spLocks noGrp="1"/>
+          </p:cNvSpPr>
+          <p:nvPr>
+            <p:ph type="title" idx="5"/>
+          </p:nvPr>
+        </p:nvSpPr>
+        <p:spPr>
+          <a:xfrm>
+            <a:off x="845550" y="576000"/>
+            <a:ext cx="7315200" cy="493800"/>
+          </a:xfrm>
+          <a:prstGeom prst="rect">
+            <a:avLst/>
+          </a:prstGeom>
+        </p:spPr>
+        <p:txBody>
+          <a:bodyPr spcFirstLastPara="1" wrap="square" lIns="91425" tIns="91425" rIns="91425" bIns="91425" anchor="ctr" anchorCtr="0">
+            <a:noAutofit/>
+          </a:bodyPr>
+          <a:lstStyle/>
+          <a:p>
+            <a:pPr marL="0" lvl="0" indent="0" algn="l" rtl="0">
               <a:spcBef>
                 <a:spcPts val="0"/>
               </a:spcBef>
@@ -23724,33 +23146,38 @@
             </a:pPr>
             <a:r>
               <a:rPr lang="en-GB" dirty="0"/>
-              <a:t>The student demonstrates the basic knowledge of legal frameworks governing AI by providing evidence of legal decision-making while working with privacy-sensitive data.</a:t>
-            </a:r>
-            <a:endParaRPr dirty="0"/>
-          </a:p>
-        </p:txBody>
-      </p:sp>
-      <p:sp>
-        <p:nvSpPr>
-          <p:cNvPr id="470" name="Google Shape;470;p49"/>
-          <p:cNvSpPr txBox="1"/>
-          <p:nvPr/>
-        </p:nvSpPr>
-        <p:spPr>
-          <a:xfrm>
-            <a:off x="-420624" y="749808"/>
-            <a:ext cx="3383400" cy="5120700"/>
-          </a:xfrm>
-          <a:prstGeom prst="rect">
-            <a:avLst/>
-          </a:prstGeom>
-          <a:noFill/>
-          <a:ln>
-            <a:noFill/>
-          </a:ln>
-        </p:spPr>
-        <p:txBody>
-          <a:bodyPr spcFirstLastPara="1" wrap="square" lIns="0" tIns="0" rIns="0" bIns="0" anchor="ctr" anchorCtr="0">
+              <a:t>The student is able to identify, select, and implement appropriate quantitative and qualitative research designs to address their research questions.​	</a:t>
+            </a:r>
+          </a:p>
+        </p:txBody>
+      </p:sp>
+      <p:sp>
+        <p:nvSpPr>
+          <p:cNvPr id="7" name="Google Shape;459;p48">
+            <a:extLst>
+              <a:ext uri="{FF2B5EF4-FFF2-40B4-BE49-F238E27FC236}">
+                <a16:creationId xmlns:a16="http://schemas.microsoft.com/office/drawing/2014/main" id="{53BB9E1B-97C5-2DA9-6DD8-8B90626EFB7C}"/>
+              </a:ext>
+            </a:extLst>
+          </p:cNvPr>
+          <p:cNvSpPr txBox="1">
+            <a:spLocks noGrp="1"/>
+          </p:cNvSpPr>
+          <p:nvPr>
+            <p:ph type="title" idx="3"/>
+          </p:nvPr>
+        </p:nvSpPr>
+        <p:spPr>
+          <a:xfrm>
+            <a:off x="2049462" y="0"/>
+            <a:ext cx="4206300" cy="576000"/>
+          </a:xfrm>
+          <a:prstGeom prst="rect">
+            <a:avLst/>
+          </a:prstGeom>
+        </p:spPr>
+        <p:txBody>
+          <a:bodyPr spcFirstLastPara="1" wrap="square" lIns="91425" tIns="91425" rIns="91425" bIns="91425" anchor="ctr" anchorCtr="0">
             <a:noAutofit/>
           </a:bodyPr>
           <a:lstStyle/>
@@ -23765,30 +23192,65 @@
               <a:buNone/>
             </a:pPr>
             <a:r>
-              <a:rPr lang="en" sz="40000">
-                <a:solidFill>
-                  <a:srgbClr val="999999"/>
-                </a:solidFill>
-                <a:latin typeface="Roboto"/>
-                <a:ea typeface="Roboto"/>
-                <a:cs typeface="Roboto"/>
-                <a:sym typeface="Roboto"/>
-              </a:rPr>
-              <a:t>3</a:t>
-            </a:r>
-            <a:endParaRPr sz="40000">
-              <a:solidFill>
-                <a:srgbClr val="999999"/>
-              </a:solidFill>
-              <a:latin typeface="Roboto"/>
-              <a:ea typeface="Roboto"/>
-              <a:cs typeface="Roboto"/>
-              <a:sym typeface="Roboto"/>
-            </a:endParaRPr>
+              <a:rPr lang="en-GB" dirty="0"/>
+              <a:t>The student is able to identify, select, and implement appropriate quantitative and qualitative research designs to address their research questions.​</a:t>
+            </a:r>
+          </a:p>
+        </p:txBody>
+      </p:sp>
+      <p:sp>
+        <p:nvSpPr>
+          <p:cNvPr id="2" name="Google Shape;462;p48">
+            <a:extLst>
+              <a:ext uri="{FF2B5EF4-FFF2-40B4-BE49-F238E27FC236}">
+                <a16:creationId xmlns:a16="http://schemas.microsoft.com/office/drawing/2014/main" id="{0DF68E2A-4FDB-D5FA-06F1-F3DB970B9CD1}"/>
+              </a:ext>
+            </a:extLst>
+          </p:cNvPr>
+          <p:cNvSpPr txBox="1">
+            <a:spLocks noGrp="1"/>
+          </p:cNvSpPr>
+          <p:nvPr>
+            <p:ph type="title" idx="6"/>
+          </p:nvPr>
+        </p:nvSpPr>
+        <p:spPr>
+          <a:xfrm>
+            <a:off x="845550" y="0"/>
+            <a:ext cx="1368600" cy="576000"/>
+          </a:xfrm>
+          <a:prstGeom prst="rect">
+            <a:avLst/>
+          </a:prstGeom>
+        </p:spPr>
+        <p:txBody>
+          <a:bodyPr spcFirstLastPara="1" wrap="square" lIns="91425" tIns="91425" rIns="91425" bIns="91425" anchor="ctr" anchorCtr="0">
+            <a:noAutofit/>
+          </a:bodyPr>
+          <a:lstStyle/>
+          <a:p>
+            <a:pPr marL="0" lvl="0" indent="0" algn="l" rtl="0">
+              <a:spcBef>
+                <a:spcPts val="0"/>
+              </a:spcBef>
+              <a:spcAft>
+                <a:spcPts val="0"/>
+              </a:spcAft>
+              <a:buNone/>
+            </a:pPr>
+            <a:r>
+              <a:rPr lang="en-US" sz="1100" dirty="0"/>
+              <a:t>Research Methodology​: Study Design</a:t>
+            </a:r>
           </a:p>
         </p:txBody>
       </p:sp>
     </p:spTree>
+    <p:extLst>
+      <p:ext uri="{BB962C8B-B14F-4D97-AF65-F5344CB8AC3E}">
+        <p14:creationId xmlns:p14="http://schemas.microsoft.com/office/powerpoint/2010/main" val="3889067802"/>
+      </p:ext>
+    </p:extLst>
   </p:cSld>
   <p:clrMapOvr>
     <a:masterClrMapping/>
@@ -23848,10 +23310,10 @@
               <a:buNone/>
             </a:pPr>
             <a:r>
-              <a:rPr lang="en" dirty="0"/>
-              <a:t>ILO 3</a:t>
-            </a:r>
-            <a:endParaRPr dirty="0"/>
+              <a:rPr lang="en"/>
+              <a:t>ILO 4</a:t>
+            </a:r>
+            <a:endParaRPr/>
           </a:p>
         </p:txBody>
       </p:sp>
@@ -23935,7 +23397,7 @@
               <a:buNone/>
             </a:pPr>
             <a:r>
-              <a:rPr lang="en" sz="900" i="1" dirty="0">
+              <a:rPr lang="en" sz="900" i="1">
                 <a:solidFill>
                   <a:schemeClr val="lt1"/>
                 </a:solidFill>
@@ -23946,7 +23408,7 @@
               </a:rPr>
               <a:t>Show your best examples, do not go overboard, add in short description, you are free to alter this layout (or add slides per evidence) to suit your needs. Just be sure that it is clear.</a:t>
             </a:r>
-            <a:endParaRPr sz="900" dirty="0">
+            <a:endParaRPr sz="900">
               <a:solidFill>
                 <a:schemeClr val="lt1"/>
               </a:solidFill>
@@ -23965,7 +23427,7 @@
               </a:spcAft>
               <a:buNone/>
             </a:pPr>
-            <a:endParaRPr sz="700" i="1" dirty="0">
+            <a:endParaRPr sz="700" i="1">
               <a:solidFill>
                 <a:schemeClr val="lt1"/>
               </a:solidFill>
@@ -24012,12 +23474,16 @@
               <a:buNone/>
             </a:pPr>
             <a:r>
+              <a:rPr lang="en"/>
+              <a:t>4</a:t>
+            </a:r>
+            <a:r>
               <a:rPr lang="en">
                 <a:solidFill>
                   <a:srgbClr val="FFFFFF"/>
                 </a:solidFill>
               </a:rPr>
-              <a:t>3.1</a:t>
+              <a:t>.1</a:t>
             </a:r>
             <a:endParaRPr>
               <a:solidFill>
@@ -24063,18 +23529,17 @@
             </a:pPr>
             <a:r>
               <a:rPr lang="en-GB" dirty="0"/>
-              <a:t> Demonstrates the basic knowledge of legal frameworks governing AI by providing evidence of legal decision-making while working with privacy-sensitive data.</a:t>
-            </a:r>
-            <a:endParaRPr dirty="0"/>
-          </a:p>
-        </p:txBody>
-      </p:sp>
-      <p:sp>
-        <p:nvSpPr>
-          <p:cNvPr id="8" name="Google Shape;459;p48">
+              <a:t>The student is able to develop and implement appropriate data management methods integrating legal and ethical concerns to facilitate their study design.​	</a:t>
+            </a:r>
+          </a:p>
+        </p:txBody>
+      </p:sp>
+      <p:sp>
+        <p:nvSpPr>
+          <p:cNvPr id="7" name="Google Shape;459;p48">
             <a:extLst>
               <a:ext uri="{FF2B5EF4-FFF2-40B4-BE49-F238E27FC236}">
-                <a16:creationId xmlns:a16="http://schemas.microsoft.com/office/drawing/2014/main" id="{DE8B85CC-86BE-FFBA-5E25-9E5D1318CD48}"/>
+                <a16:creationId xmlns:a16="http://schemas.microsoft.com/office/drawing/2014/main" id="{53BB9E1B-97C5-2DA9-6DD8-8B90626EFB7C}"/>
               </a:ext>
             </a:extLst>
           </p:cNvPr>
@@ -24111,19 +23576,64 @@
             </a:pPr>
             <a:r>
               <a:rPr lang="en-GB" dirty="0"/>
-              <a:t>Demonstrates self-exploration and personal development, good academic practices in learning how to learn and the acquisition of professional knowledge through research, study, analysis, applied practice, discussion and The student demonstrates the basic knowledge of legal frameworks governing AI by providing evidence of legal decision-making while working with privacy-sensitive data.</a:t>
-            </a:r>
-            <a:br>
-              <a:rPr lang="en-GB" dirty="0"/>
-            </a:br>
-            <a:r>
-              <a:rPr lang="en-GB" dirty="0"/>
-              <a:t>.</a:t>
+              <a:t>The student is able to develop and implement appropriate data management methods integrating legal and ethical concerns to facilitate their study design.​</a:t>
+            </a:r>
+          </a:p>
+        </p:txBody>
+      </p:sp>
+      <p:sp>
+        <p:nvSpPr>
+          <p:cNvPr id="2" name="Google Shape;462;p48">
+            <a:extLst>
+              <a:ext uri="{FF2B5EF4-FFF2-40B4-BE49-F238E27FC236}">
+                <a16:creationId xmlns:a16="http://schemas.microsoft.com/office/drawing/2014/main" id="{0DF68E2A-4FDB-D5FA-06F1-F3DB970B9CD1}"/>
+              </a:ext>
+            </a:extLst>
+          </p:cNvPr>
+          <p:cNvSpPr txBox="1">
+            <a:spLocks noGrp="1"/>
+          </p:cNvSpPr>
+          <p:nvPr>
+            <p:ph type="title" idx="6"/>
+          </p:nvPr>
+        </p:nvSpPr>
+        <p:spPr>
+          <a:xfrm>
+            <a:off x="845550" y="0"/>
+            <a:ext cx="1368600" cy="576000"/>
+          </a:xfrm>
+          <a:prstGeom prst="rect">
+            <a:avLst/>
+          </a:prstGeom>
+        </p:spPr>
+        <p:txBody>
+          <a:bodyPr spcFirstLastPara="1" wrap="square" lIns="91425" tIns="91425" rIns="91425" bIns="91425" anchor="ctr" anchorCtr="0">
+            <a:noAutofit/>
+          </a:bodyPr>
+          <a:lstStyle/>
+          <a:p>
+            <a:pPr marL="0" lvl="0" indent="0" algn="l" rtl="0">
+              <a:spcBef>
+                <a:spcPts val="0"/>
+              </a:spcBef>
+              <a:spcAft>
+                <a:spcPts val="0"/>
+              </a:spcAft>
+              <a:buNone/>
+            </a:pPr>
+            <a:r>
+              <a:rPr lang="en-US" sz="1100" dirty="0"/>
+              <a:t>Research Methodology: Data Management</a:t>
             </a:r>
           </a:p>
         </p:txBody>
       </p:sp>
     </p:spTree>
+    <p:extLst>
+      <p:ext uri="{BB962C8B-B14F-4D97-AF65-F5344CB8AC3E}">
+        <p14:creationId xmlns:p14="http://schemas.microsoft.com/office/powerpoint/2010/main" val="2742258651"/>
+      </p:ext>
+    </p:extLst>
   </p:cSld>
   <p:clrMapOvr>
     <a:masterClrMapping/>
@@ -24184,7 +23694,7 @@
             </a:pPr>
             <a:r>
               <a:rPr lang="en"/>
-              <a:t>ILO 4</a:t>
+              <a:t>ILO 5</a:t>
             </a:r>
             <a:endParaRPr/>
           </a:p>
@@ -24225,16 +23735,8 @@
               <a:buNone/>
             </a:pPr>
             <a:r>
-              <a:rPr lang="en-US" dirty="0"/>
-              <a:t>Business </a:t>
-            </a:r>
-            <a:r>
-              <a:rPr lang="en-US" dirty="0" err="1"/>
-              <a:t>understandin</a:t>
-            </a:r>
-            <a:r>
-              <a:rPr lang="en-NL" dirty="0"/>
-              <a:t>g</a:t>
+              <a:rPr lang="en-GB" dirty="0"/>
+              <a:t>Decision Intelligence and Statistical inference​</a:t>
             </a:r>
             <a:endParaRPr dirty="0"/>
           </a:p>
@@ -24276,7 +23778,7 @@
             </a:pPr>
             <a:r>
               <a:rPr lang="en-GB" dirty="0"/>
-              <a:t>The student is able to determine business objectives,  and produce a project plan.</a:t>
+              <a:t>The student is able to make use of appropriate statistical methods to test their hypotheses and propose the best course of action based on their analyses.</a:t>
             </a:r>
             <a:endParaRPr dirty="0"/>
           </a:p>
@@ -24326,7 +23828,7 @@
                 <a:cs typeface="Roboto"/>
                 <a:sym typeface="Roboto"/>
               </a:rPr>
-              <a:t>4</a:t>
+              <a:t>5</a:t>
             </a:r>
             <a:endParaRPr sz="40000">
               <a:solidFill>
@@ -24343,7 +23845,7 @@
     </p:spTree>
     <p:extLst>
       <p:ext uri="{BB962C8B-B14F-4D97-AF65-F5344CB8AC3E}">
-        <p14:creationId xmlns:p14="http://schemas.microsoft.com/office/powerpoint/2010/main" val="4111561620"/>
+        <p14:creationId xmlns:p14="http://schemas.microsoft.com/office/powerpoint/2010/main" val="838485390"/>
       </p:ext>
     </p:extLst>
   </p:cSld>
@@ -24406,7 +23908,7 @@
             </a:pPr>
             <a:r>
               <a:rPr lang="en"/>
-              <a:t>ILO 4</a:t>
+              <a:t>ILO 5</a:t>
             </a:r>
             <a:endParaRPr/>
           </a:p>
@@ -24492,7 +23994,7 @@
               <a:buNone/>
             </a:pPr>
             <a:r>
-              <a:rPr lang="en" sz="900" i="1">
+              <a:rPr lang="en" sz="900" i="1" dirty="0">
                 <a:solidFill>
                   <a:schemeClr val="lt1"/>
                 </a:solidFill>
@@ -24503,7 +24005,7 @@
               </a:rPr>
               <a:t>Show your best examples, do not go overboard, add in short description, you are free to alter this layout (or add slides per evidence) to suit your needs. Just be sure that it is clear.</a:t>
             </a:r>
-            <a:endParaRPr sz="900">
+            <a:endParaRPr sz="900" dirty="0">
               <a:solidFill>
                 <a:schemeClr val="lt1"/>
               </a:solidFill>
@@ -24522,7 +24024,7 @@
               </a:spcAft>
               <a:buNone/>
             </a:pPr>
-            <a:endParaRPr sz="700" i="1">
+            <a:endParaRPr sz="700" i="1" dirty="0">
               <a:solidFill>
                 <a:schemeClr val="lt1"/>
               </a:solidFill>
@@ -24569,18 +24071,22 @@
               <a:buNone/>
             </a:pPr>
             <a:r>
-              <a:rPr lang="en"/>
-              <a:t>4</a:t>
-            </a:r>
-            <a:r>
-              <a:rPr lang="en">
+              <a:rPr lang="en" dirty="0">
                 <a:solidFill>
                   <a:srgbClr val="FFFFFF"/>
                 </a:solidFill>
               </a:rPr>
-              <a:t>.1</a:t>
-            </a:r>
-            <a:endParaRPr>
+              <a:t>5.</a:t>
+            </a:r>
+            <a:r>
+              <a:rPr lang="en-NL" dirty="0">
+                <a:solidFill>
+                  <a:srgbClr val="FFFFFF"/>
+                </a:solidFill>
+              </a:rPr>
+              <a:t>0</a:t>
+            </a:r>
+            <a:endParaRPr dirty="0">
               <a:solidFill>
                 <a:srgbClr val="FFFFFF"/>
               </a:solidFill>
@@ -24624,18 +24130,17 @@
             </a:pPr>
             <a:r>
               <a:rPr lang="en-GB" dirty="0"/>
-              <a:t>The student is able to show understanding of the business understanding phase by writing a project plan. </a:t>
-            </a:r>
-            <a:endParaRPr dirty="0"/>
-          </a:p>
-        </p:txBody>
-      </p:sp>
-      <p:sp>
-        <p:nvSpPr>
-          <p:cNvPr id="7" name="Google Shape;459;p48">
+              <a:t>The student is able to make use of appropriate statistical methods to test their hypotheses and propose the best course of action based on their analyses.	</a:t>
+            </a:r>
+          </a:p>
+        </p:txBody>
+      </p:sp>
+      <p:sp>
+        <p:nvSpPr>
+          <p:cNvPr id="9" name="Google Shape;459;p48">
             <a:extLst>
               <a:ext uri="{FF2B5EF4-FFF2-40B4-BE49-F238E27FC236}">
-                <a16:creationId xmlns:a16="http://schemas.microsoft.com/office/drawing/2014/main" id="{53BB9E1B-97C5-2DA9-6DD8-8B90626EFB7C}"/>
+                <a16:creationId xmlns:a16="http://schemas.microsoft.com/office/drawing/2014/main" id="{036C8E7A-7443-2E9F-2EE1-AED83B479FF4}"/>
               </a:ext>
             </a:extLst>
           </p:cNvPr>
@@ -24672,15 +24177,63 @@
             </a:pPr>
             <a:r>
               <a:rPr lang="en-GB" dirty="0"/>
-              <a:t>The student is able to determine business objectives,  and produce a project plan.</a:t>
-            </a:r>
+              <a:t>The student is able to make use of appropriate statistical methods to test their hypotheses and propose the best course of action based on their analyses.</a:t>
+            </a:r>
+          </a:p>
+        </p:txBody>
+      </p:sp>
+      <p:sp>
+        <p:nvSpPr>
+          <p:cNvPr id="2" name="Google Shape;462;p48">
+            <a:extLst>
+              <a:ext uri="{FF2B5EF4-FFF2-40B4-BE49-F238E27FC236}">
+                <a16:creationId xmlns:a16="http://schemas.microsoft.com/office/drawing/2014/main" id="{1DEDB8AB-16C1-CC59-705C-78CF6E4335D4}"/>
+              </a:ext>
+            </a:extLst>
+          </p:cNvPr>
+          <p:cNvSpPr txBox="1">
+            <a:spLocks noGrp="1"/>
+          </p:cNvSpPr>
+          <p:nvPr>
+            <p:ph type="title" idx="6"/>
+          </p:nvPr>
+        </p:nvSpPr>
+        <p:spPr>
+          <a:xfrm>
+            <a:off x="845550" y="0"/>
+            <a:ext cx="1368600" cy="576000"/>
+          </a:xfrm>
+          <a:prstGeom prst="rect">
+            <a:avLst/>
+          </a:prstGeom>
+        </p:spPr>
+        <p:txBody>
+          <a:bodyPr spcFirstLastPara="1" wrap="square" lIns="91425" tIns="91425" rIns="91425" bIns="91425" anchor="ctr" anchorCtr="0">
+            <a:noAutofit/>
+          </a:bodyPr>
+          <a:lstStyle/>
+          <a:p>
+            <a:pPr marL="0" lvl="0" indent="0" algn="l" rtl="0">
+              <a:spcBef>
+                <a:spcPts val="0"/>
+              </a:spcBef>
+              <a:spcAft>
+                <a:spcPts val="0"/>
+              </a:spcAft>
+              <a:buNone/>
+            </a:pPr>
+            <a:r>
+              <a:rPr lang="en-GB" sz="1050" dirty="0"/>
+              <a:t>Decision Intelligence and Statistical inference​</a:t>
+            </a:r>
+            <a:endParaRPr lang="en-US" sz="1050" dirty="0"/>
           </a:p>
         </p:txBody>
       </p:sp>
     </p:spTree>
     <p:extLst>
       <p:ext uri="{BB962C8B-B14F-4D97-AF65-F5344CB8AC3E}">
-        <p14:creationId xmlns:p14="http://schemas.microsoft.com/office/powerpoint/2010/main" val="3889067802"/>
+        <p14:creationId xmlns:p14="http://schemas.microsoft.com/office/powerpoint/2010/main" val="2864773729"/>
       </p:ext>
     </p:extLst>
   </p:cSld>
@@ -24742,10 +24295,14 @@
               <a:buNone/>
             </a:pPr>
             <a:r>
-              <a:rPr lang="en"/>
-              <a:t>ILO 5</a:t>
-            </a:r>
-            <a:endParaRPr/>
+              <a:rPr lang="en" dirty="0"/>
+              <a:t>ILO </a:t>
+            </a:r>
+            <a:r>
+              <a:rPr lang="en-NL" dirty="0"/>
+              <a:t>6</a:t>
+            </a:r>
+            <a:endParaRPr dirty="0"/>
           </a:p>
         </p:txBody>
       </p:sp>
@@ -24785,7 +24342,7 @@
             </a:pPr>
             <a:r>
               <a:rPr lang="en-US" dirty="0"/>
-              <a:t>Data Modelling and Evaluation</a:t>
+              <a:t>Scientific Reporting</a:t>
             </a:r>
             <a:endParaRPr dirty="0"/>
           </a:p>
@@ -24827,7 +24384,11 @@
             </a:pPr>
             <a:r>
               <a:rPr lang="en-GB" dirty="0"/>
-              <a:t>The student is able to collect, combine, and explore the data. Further, they can assess data quality, and provide recommendations to improve the data management strategy. </a:t>
+              <a:t>The student is able to communicate findings by means of a structured, coherent, and well argued  scientific report using Latex </a:t>
+            </a:r>
+            <a:r>
+              <a:rPr lang="en-NL" dirty="0"/>
+              <a:t>.</a:t>
             </a:r>
             <a:endParaRPr dirty="0"/>
           </a:p>
@@ -24868,7 +24429,7 @@
               <a:buNone/>
             </a:pPr>
             <a:r>
-              <a:rPr lang="en" sz="40000">
+              <a:rPr lang="en-NL" sz="40000" dirty="0">
                 <a:solidFill>
                   <a:srgbClr val="999999"/>
                 </a:solidFill>
@@ -24877,9 +24438,9 @@
                 <a:cs typeface="Roboto"/>
                 <a:sym typeface="Roboto"/>
               </a:rPr>
-              <a:t>5</a:t>
-            </a:r>
-            <a:endParaRPr sz="40000">
+              <a:t>6</a:t>
+            </a:r>
+            <a:endParaRPr sz="40000" dirty="0">
               <a:solidFill>
                 <a:srgbClr val="999999"/>
               </a:solidFill>
@@ -24894,7 +24455,7 @@
     </p:spTree>
     <p:extLst>
       <p:ext uri="{BB962C8B-B14F-4D97-AF65-F5344CB8AC3E}">
-        <p14:creationId xmlns:p14="http://schemas.microsoft.com/office/powerpoint/2010/main" val="838485390"/>
+        <p14:creationId xmlns:p14="http://schemas.microsoft.com/office/powerpoint/2010/main" val="2218588203"/>
       </p:ext>
     </p:extLst>
   </p:cSld>
@@ -24956,10 +24517,14 @@
               <a:buNone/>
             </a:pPr>
             <a:r>
-              <a:rPr lang="en"/>
-              <a:t>ILO 5</a:t>
-            </a:r>
-            <a:endParaRPr/>
+              <a:rPr lang="en" dirty="0"/>
+              <a:t>ILO </a:t>
+            </a:r>
+            <a:r>
+              <a:rPr lang="en-NL" dirty="0"/>
+              <a:t>6</a:t>
+            </a:r>
+            <a:endParaRPr dirty="0"/>
           </a:p>
         </p:txBody>
       </p:sp>
@@ -25043,7 +24608,7 @@
               <a:buNone/>
             </a:pPr>
             <a:r>
-              <a:rPr lang="en" sz="900" i="1">
+              <a:rPr lang="en" sz="900" i="1" dirty="0">
                 <a:solidFill>
                   <a:schemeClr val="lt1"/>
                 </a:solidFill>
@@ -25054,7 +24619,7 @@
               </a:rPr>
               <a:t>Show your best examples, do not go overboard, add in short description, you are free to alter this layout (or add slides per evidence) to suit your needs. Just be sure that it is clear.</a:t>
             </a:r>
-            <a:endParaRPr sz="900">
+            <a:endParaRPr sz="900" dirty="0">
               <a:solidFill>
                 <a:schemeClr val="lt1"/>
               </a:solidFill>
@@ -25073,7 +24638,7 @@
               </a:spcAft>
               <a:buNone/>
             </a:pPr>
-            <a:endParaRPr sz="700" i="1">
+            <a:endParaRPr sz="700" i="1" dirty="0">
               <a:solidFill>
                 <a:schemeClr val="lt1"/>
               </a:solidFill>
@@ -25120,14 +24685,26 @@
               <a:buNone/>
             </a:pPr>
             <a:r>
-              <a:rPr lang="en">
+              <a:rPr lang="en-NL" dirty="0"/>
+              <a:t>6</a:t>
+            </a:r>
+            <a:r>
+              <a:rPr lang="en" dirty="0">
                 <a:solidFill>
                   <a:srgbClr val="FFFFFF"/>
                 </a:solidFill>
               </a:rPr>
-              <a:t>5.1</a:t>
-            </a:r>
-            <a:endParaRPr>
+              <a:t>.</a:t>
+            </a:r>
+            <a:r>
+              <a:rPr lang="en-NL" dirty="0">
+                <a:solidFill>
+                  <a:srgbClr val="FFFFFF"/>
+                </a:solidFill>
+              </a:rPr>
+              <a:t>0</a:t>
+            </a:r>
+            <a:endParaRPr dirty="0">
               <a:solidFill>
                 <a:srgbClr val="FFFFFF"/>
               </a:solidFill>
@@ -25171,26 +24748,30 @@
             </a:pPr>
             <a:r>
               <a:rPr lang="en-GB" dirty="0"/>
-              <a:t>Shows understanding of the data understanding and preparation stage by </a:t>
-            </a:r>
-            <a:r>
-              <a:rPr lang="en-GB" dirty="0" err="1"/>
-              <a:t>preprocessing</a:t>
+              <a:t>The student is able to communicate findings by means of a structured, coherent, and well argued  scientific report using Latex</a:t>
+            </a:r>
+            <a:r>
+              <a:rPr lang="en-NL" dirty="0"/>
+              <a:t>.</a:t>
             </a:r>
             <a:r>
               <a:rPr lang="en-GB" dirty="0"/>
-              <a:t> a dataset which is suited for further modelling. </a:t>
-            </a:r>
-            <a:endParaRPr dirty="0"/>
-          </a:p>
-        </p:txBody>
-      </p:sp>
-      <p:sp>
-        <p:nvSpPr>
-          <p:cNvPr id="9" name="Google Shape;459;p48">
+              <a:t>	</a:t>
+            </a:r>
+            <a:r>
+              <a:rPr lang="en-NL" dirty="0"/>
+              <a:t>.</a:t>
+            </a:r>
+            <a:endParaRPr lang="en-GB" dirty="0"/>
+          </a:p>
+        </p:txBody>
+      </p:sp>
+      <p:sp>
+        <p:nvSpPr>
+          <p:cNvPr id="7" name="Google Shape;459;p48">
             <a:extLst>
               <a:ext uri="{FF2B5EF4-FFF2-40B4-BE49-F238E27FC236}">
-                <a16:creationId xmlns:a16="http://schemas.microsoft.com/office/drawing/2014/main" id="{036C8E7A-7443-2E9F-2EE1-AED83B479FF4}"/>
+                <a16:creationId xmlns:a16="http://schemas.microsoft.com/office/drawing/2014/main" id="{5161B9CD-FD90-1846-8EE0-48554F0A839A}"/>
               </a:ext>
             </a:extLst>
           </p:cNvPr>
@@ -25227,7 +24808,62 @@
             </a:pPr>
             <a:r>
               <a:rPr lang="en-GB" dirty="0"/>
-              <a:t>The student is able to collect, combine, and explore the data. Further, they can assess data quality, and provide recommendations to improve the data management strategy. </a:t>
+              <a:t>The student is able to communicate findings by means of a structured, coherent, and well argued  scientific report using Latex .</a:t>
+            </a:r>
+          </a:p>
+        </p:txBody>
+      </p:sp>
+      <p:sp>
+        <p:nvSpPr>
+          <p:cNvPr id="2" name="Google Shape;462;p48">
+            <a:extLst>
+              <a:ext uri="{FF2B5EF4-FFF2-40B4-BE49-F238E27FC236}">
+                <a16:creationId xmlns:a16="http://schemas.microsoft.com/office/drawing/2014/main" id="{504CBF35-FBEA-FA87-F016-E6278C3C94BB}"/>
+              </a:ext>
+            </a:extLst>
+          </p:cNvPr>
+          <p:cNvSpPr txBox="1">
+            <a:spLocks noGrp="1"/>
+          </p:cNvSpPr>
+          <p:nvPr>
+            <p:ph type="title" idx="6"/>
+          </p:nvPr>
+        </p:nvSpPr>
+        <p:spPr>
+          <a:xfrm>
+            <a:off x="845550" y="0"/>
+            <a:ext cx="1368600" cy="576000"/>
+          </a:xfrm>
+          <a:prstGeom prst="rect">
+            <a:avLst/>
+          </a:prstGeom>
+        </p:spPr>
+        <p:txBody>
+          <a:bodyPr spcFirstLastPara="1" wrap="square" lIns="91425" tIns="91425" rIns="91425" bIns="91425" anchor="ctr" anchorCtr="0">
+            <a:noAutofit/>
+          </a:bodyPr>
+          <a:lstStyle/>
+          <a:p>
+            <a:pPr marL="0" lvl="0" indent="0" algn="l" rtl="0">
+              <a:spcBef>
+                <a:spcPts val="0"/>
+              </a:spcBef>
+              <a:spcAft>
+                <a:spcPts val="0"/>
+              </a:spcAft>
+              <a:buNone/>
+            </a:pPr>
+            <a:r>
+              <a:rPr lang="en-NL" dirty="0"/>
+              <a:t>S</a:t>
+            </a:r>
+            <a:r>
+              <a:rPr lang="en-US" dirty="0" err="1"/>
+              <a:t>cientific</a:t>
+            </a:r>
+            <a:r>
+              <a:rPr lang="en-US" dirty="0"/>
+              <a:t> Reporting</a:t>
             </a:r>
           </a:p>
         </p:txBody>
@@ -25235,7 +24871,7 @@
     </p:spTree>
     <p:extLst>
       <p:ext uri="{BB962C8B-B14F-4D97-AF65-F5344CB8AC3E}">
-        <p14:creationId xmlns:p14="http://schemas.microsoft.com/office/powerpoint/2010/main" val="2864773729"/>
+        <p14:creationId xmlns:p14="http://schemas.microsoft.com/office/powerpoint/2010/main" val="229156798"/>
       </p:ext>
     </p:extLst>
   </p:cSld>
@@ -25250,7 +24886,7 @@
   <p:cSld>
     <p:spTree>
       <p:nvGrpSpPr>
-        <p:cNvPr id="1" name="Shape 466"/>
+        <p:cNvPr id="1" name="Shape 496"/>
         <p:cNvGrpSpPr/>
         <p:nvPr/>
       </p:nvGrpSpPr>
@@ -25264,7 +24900,7 @@
       </p:grpSpPr>
       <p:sp>
         <p:nvSpPr>
-          <p:cNvPr id="467" name="Google Shape;467;p49"/>
+          <p:cNvPr id="497" name="Google Shape;497;p52"/>
           <p:cNvSpPr txBox="1">
             <a:spLocks noGrp="1"/>
           </p:cNvSpPr>
@@ -25274,8 +24910,8 @@
         </p:nvSpPr>
         <p:spPr>
           <a:xfrm>
-            <a:off x="2286000" y="1104139"/>
-            <a:ext cx="6400800" cy="1501800"/>
+            <a:off x="1828800" y="1453896"/>
+            <a:ext cx="7315200" cy="1501800"/>
           </a:xfrm>
           <a:prstGeom prst="rect">
             <a:avLst/>
@@ -25297,20 +24933,20 @@
               <a:buNone/>
             </a:pPr>
             <a:r>
-              <a:rPr lang="en" dirty="0"/>
-              <a:t>ILO </a:t>
-            </a:r>
-            <a:r>
-              <a:rPr lang="en-NL" dirty="0"/>
-              <a:t>6</a:t>
-            </a:r>
-            <a:endParaRPr dirty="0"/>
-          </a:p>
-        </p:txBody>
-      </p:sp>
-      <p:sp>
-        <p:nvSpPr>
-          <p:cNvPr id="468" name="Google Shape;468;p49"/>
+              <a:rPr lang="en" sz="6000"/>
+              <a:t>Section </a:t>
+            </a:r>
+            <a:r>
+              <a:rPr lang="en"/>
+              <a:t>C</a:t>
+            </a:r>
+            <a:endParaRPr sz="6000"/>
+          </a:p>
+        </p:txBody>
+      </p:sp>
+      <p:sp>
+        <p:nvSpPr>
+          <p:cNvPr id="498" name="Google Shape;498;p52"/>
           <p:cNvSpPr txBox="1">
             <a:spLocks noGrp="1"/>
           </p:cNvSpPr>
@@ -25320,8 +24956,8 @@
         </p:nvSpPr>
         <p:spPr>
           <a:xfrm>
-            <a:off x="2286000" y="2503171"/>
-            <a:ext cx="6400800" cy="685800"/>
+            <a:off x="1828800" y="2953512"/>
+            <a:ext cx="7315200" cy="685800"/>
           </a:xfrm>
           <a:prstGeom prst="rect">
             <a:avLst/>
@@ -25343,58 +24979,16 @@
               <a:buNone/>
             </a:pPr>
             <a:r>
-              <a:rPr lang="en-US" dirty="0"/>
-              <a:t>Data Modelling and Evaluation</a:t>
-            </a:r>
-            <a:endParaRPr dirty="0"/>
-          </a:p>
-        </p:txBody>
-      </p:sp>
-      <p:sp>
-        <p:nvSpPr>
-          <p:cNvPr id="469" name="Google Shape;469;p49"/>
-          <p:cNvSpPr txBox="1">
-            <a:spLocks noGrp="1"/>
-          </p:cNvSpPr>
-          <p:nvPr>
-            <p:ph type="subTitle" idx="2"/>
-          </p:nvPr>
-        </p:nvSpPr>
-        <p:spPr>
-          <a:xfrm>
-            <a:off x="3200400" y="3353563"/>
-            <a:ext cx="5486400" cy="685800"/>
-          </a:xfrm>
-          <a:prstGeom prst="rect">
-            <a:avLst/>
-          </a:prstGeom>
-        </p:spPr>
-        <p:txBody>
-          <a:bodyPr spcFirstLastPara="1" wrap="square" lIns="91425" tIns="91425" rIns="91425" bIns="91425" anchor="ctr" anchorCtr="0">
-            <a:noAutofit/>
-          </a:bodyPr>
-          <a:lstStyle/>
-          <a:p>
-            <a:pPr marL="0" lvl="0" indent="0" algn="r" rtl="0">
-              <a:spcBef>
-                <a:spcPts val="0"/>
-              </a:spcBef>
-              <a:spcAft>
-                <a:spcPts val="0"/>
-              </a:spcAft>
-              <a:buNone/>
-            </a:pPr>
-            <a:r>
-              <a:rPr lang="en-GB" dirty="0"/>
-              <a:t>The student is able to select, implement and evaluate a machine learning model to meet the business requirement.</a:t>
-            </a:r>
-            <a:endParaRPr dirty="0"/>
-          </a:p>
-        </p:txBody>
-      </p:sp>
-      <p:sp>
-        <p:nvSpPr>
-          <p:cNvPr id="470" name="Google Shape;470;p49"/>
+              <a:rPr lang="en"/>
+              <a:t>Reflection</a:t>
+            </a:r>
+            <a:endParaRPr sz="3000"/>
+          </a:p>
+        </p:txBody>
+      </p:sp>
+      <p:sp>
+        <p:nvSpPr>
+          <p:cNvPr id="499" name="Google Shape;499;p52"/>
           <p:cNvSpPr txBox="1"/>
           <p:nvPr/>
         </p:nvSpPr>
@@ -25427,7 +25021,7 @@
               <a:buNone/>
             </a:pPr>
             <a:r>
-              <a:rPr lang="en-NL" sz="40000" dirty="0">
+              <a:rPr lang="en" sz="40000">
                 <a:solidFill>
                   <a:srgbClr val="999999"/>
                 </a:solidFill>
@@ -25436,9 +25030,9 @@
                 <a:cs typeface="Roboto"/>
                 <a:sym typeface="Roboto"/>
               </a:rPr>
-              <a:t>6</a:t>
-            </a:r>
-            <a:endParaRPr sz="40000" dirty="0">
+              <a:t>C</a:t>
+            </a:r>
+            <a:endParaRPr sz="40000">
               <a:solidFill>
                 <a:srgbClr val="999999"/>
               </a:solidFill>
@@ -25451,11 +25045,6 @@
         </p:txBody>
       </p:sp>
     </p:spTree>
-    <p:extLst>
-      <p:ext uri="{BB962C8B-B14F-4D97-AF65-F5344CB8AC3E}">
-        <p14:creationId xmlns:p14="http://schemas.microsoft.com/office/powerpoint/2010/main" val="2218588203"/>
-      </p:ext>
-    </p:extLst>
   </p:cSld>
   <p:clrMapOvr>
     <a:masterClrMapping/>
@@ -25468,7 +25057,7 @@
   <p:cSld>
     <p:spTree>
       <p:nvGrpSpPr>
-        <p:cNvPr id="1" name="Shape 474"/>
+        <p:cNvPr id="1" name="Shape 503"/>
         <p:cNvGrpSpPr/>
         <p:nvPr/>
       </p:nvGrpSpPr>
@@ -25482,7 +25071,7 @@
       </p:grpSpPr>
       <p:sp>
         <p:nvSpPr>
-          <p:cNvPr id="475" name="Google Shape;475;p50"/>
+          <p:cNvPr id="504" name="Google Shape;504;p53"/>
           <p:cNvSpPr txBox="1">
             <a:spLocks noGrp="1"/>
           </p:cNvSpPr>
@@ -25492,8 +25081,8 @@
         </p:nvSpPr>
         <p:spPr>
           <a:xfrm>
-            <a:off x="68250" y="0"/>
-            <a:ext cx="777300" cy="576000"/>
+            <a:off x="667512" y="0"/>
+            <a:ext cx="5486400" cy="572700"/>
           </a:xfrm>
           <a:prstGeom prst="rect">
             <a:avLst/>
@@ -25515,20 +25104,16 @@
               <a:buNone/>
             </a:pPr>
             <a:r>
-              <a:rPr lang="en" dirty="0"/>
-              <a:t>ILO </a:t>
-            </a:r>
-            <a:r>
-              <a:rPr lang="en-NL" dirty="0"/>
-              <a:t>6</a:t>
-            </a:r>
-            <a:endParaRPr dirty="0"/>
-          </a:p>
-        </p:txBody>
-      </p:sp>
-      <p:sp>
-        <p:nvSpPr>
-          <p:cNvPr id="476" name="Google Shape;476;p50"/>
+              <a:rPr lang="en"/>
+              <a:t>What did I achieve this block?</a:t>
+            </a:r>
+            <a:endParaRPr/>
+          </a:p>
+        </p:txBody>
+      </p:sp>
+      <p:sp>
+        <p:nvSpPr>
+          <p:cNvPr id="505" name="Google Shape;505;p53"/>
           <p:cNvSpPr txBox="1">
             <a:spLocks noGrp="1"/>
           </p:cNvSpPr>
@@ -25539,7 +25124,7 @@
         <p:spPr>
           <a:xfrm>
             <a:off x="7068300" y="0"/>
-            <a:ext cx="1984200" cy="576000"/>
+            <a:ext cx="1984200" cy="572700"/>
           </a:xfrm>
           <a:prstGeom prst="rect">
             <a:avLst/>
@@ -25562,7 +25147,7 @@
             </a:pPr>
             <a:r>
               <a:rPr lang="en"/>
-              <a:t>1/1</a:t>
+              <a:t>1/2</a:t>
             </a:r>
             <a:endParaRPr/>
           </a:p>
@@ -25570,18 +25155,18 @@
       </p:sp>
       <p:sp>
         <p:nvSpPr>
-          <p:cNvPr id="477" name="Google Shape;477;p50"/>
+          <p:cNvPr id="506" name="Google Shape;506;p53"/>
           <p:cNvSpPr txBox="1">
             <a:spLocks noGrp="1"/>
           </p:cNvSpPr>
           <p:nvPr>
-            <p:ph type="body" idx="1"/>
-          </p:nvPr>
-        </p:nvSpPr>
-        <p:spPr>
-          <a:xfrm>
-            <a:off x="182880" y="1069848"/>
-            <a:ext cx="5486400" cy="3895200"/>
+            <p:ph type="subTitle" idx="1"/>
+          </p:nvPr>
+        </p:nvSpPr>
+        <p:spPr>
+          <a:xfrm>
+            <a:off x="182880" y="667512"/>
+            <a:ext cx="5486400" cy="402300"/>
           </a:xfrm>
           <a:prstGeom prst="rect">
             <a:avLst/>
@@ -25594,132 +25179,166 @@
           <a:lstStyle/>
           <a:p>
             <a:pPr marL="0" lvl="0" indent="0" algn="l" rtl="0">
-              <a:lnSpc>
-                <a:spcPct val="115000"/>
-              </a:lnSpc>
-              <a:spcBef>
-                <a:spcPts val="0"/>
-              </a:spcBef>
-              <a:spcAft>
-                <a:spcPts val="0"/>
-              </a:spcAft>
-              <a:buNone/>
-            </a:pPr>
-            <a:r>
-              <a:rPr lang="en" sz="900" i="1">
-                <a:solidFill>
-                  <a:schemeClr val="lt1"/>
-                </a:solidFill>
-                <a:latin typeface="Helvetica Neue"/>
-                <a:ea typeface="Helvetica Neue"/>
-                <a:cs typeface="Helvetica Neue"/>
-                <a:sym typeface="Helvetica Neue"/>
-              </a:rPr>
-              <a:t>Show your best examples, do not go overboard, add in short description, you are free to alter this layout (or add slides per evidence) to suit your needs. Just be sure that it is clear.</a:t>
-            </a:r>
-            <a:endParaRPr sz="900">
-              <a:solidFill>
-                <a:schemeClr val="lt1"/>
-              </a:solidFill>
-            </a:endParaRPr>
-          </a:p>
-          <a:p>
-            <a:pPr marL="0" lvl="0" indent="0" algn="l" rtl="0">
-              <a:lnSpc>
-                <a:spcPct val="115000"/>
-              </a:lnSpc>
-              <a:spcBef>
-                <a:spcPts val="0"/>
-              </a:spcBef>
-              <a:spcAft>
-                <a:spcPts val="0"/>
-              </a:spcAft>
-              <a:buNone/>
-            </a:pPr>
-            <a:endParaRPr sz="700" i="1">
-              <a:solidFill>
-                <a:schemeClr val="lt1"/>
-              </a:solidFill>
-              <a:latin typeface="Helvetica Neue"/>
-              <a:ea typeface="Helvetica Neue"/>
-              <a:cs typeface="Helvetica Neue"/>
-              <a:sym typeface="Helvetica Neue"/>
-            </a:endParaRPr>
-          </a:p>
-        </p:txBody>
-      </p:sp>
-      <p:sp>
-        <p:nvSpPr>
-          <p:cNvPr id="479" name="Google Shape;479;p50"/>
+              <a:spcBef>
+                <a:spcPts val="0"/>
+              </a:spcBef>
+              <a:spcAft>
+                <a:spcPts val="800"/>
+              </a:spcAft>
+              <a:buNone/>
+            </a:pPr>
+            <a:r>
+              <a:rPr lang="en"/>
+              <a:t>My most significant achievements this block</a:t>
+            </a:r>
+            <a:endParaRPr/>
+          </a:p>
+        </p:txBody>
+      </p:sp>
+      <p:sp>
+        <p:nvSpPr>
+          <p:cNvPr id="507" name="Google Shape;507;p53"/>
           <p:cNvSpPr txBox="1">
             <a:spLocks noGrp="1"/>
           </p:cNvSpPr>
           <p:nvPr>
-            <p:ph type="title" idx="4"/>
-          </p:nvPr>
-        </p:nvSpPr>
-        <p:spPr>
-          <a:xfrm>
-            <a:off x="68250" y="576000"/>
-            <a:ext cx="839700" cy="493800"/>
-          </a:xfrm>
-          <a:prstGeom prst="rect">
-            <a:avLst/>
-          </a:prstGeom>
-        </p:spPr>
-        <p:txBody>
-          <a:bodyPr spcFirstLastPara="1" wrap="square" lIns="91425" tIns="91425" rIns="91425" bIns="91425" anchor="ctr" anchorCtr="0">
+            <p:ph type="body" idx="3"/>
+          </p:nvPr>
+        </p:nvSpPr>
+        <p:spPr>
+          <a:xfrm>
+            <a:off x="182880" y="1069848"/>
+            <a:ext cx="8778300" cy="3895200"/>
+          </a:xfrm>
+          <a:prstGeom prst="rect">
+            <a:avLst/>
+          </a:prstGeom>
+        </p:spPr>
+        <p:txBody>
+          <a:bodyPr spcFirstLastPara="1" wrap="square" lIns="91425" tIns="91425" rIns="91425" bIns="91425" anchor="t" anchorCtr="0">
             <a:noAutofit/>
           </a:bodyPr>
           <a:lstStyle/>
           <a:p>
-            <a:pPr marL="0" lvl="0" indent="0" algn="l" rtl="0">
-              <a:spcBef>
-                <a:spcPts val="0"/>
-              </a:spcBef>
-              <a:spcAft>
-                <a:spcPts val="0"/>
-              </a:spcAft>
-              <a:buNone/>
-            </a:pPr>
-            <a:r>
-              <a:rPr lang="en-NL" dirty="0"/>
-              <a:t>6</a:t>
-            </a:r>
-            <a:r>
-              <a:rPr lang="en" dirty="0">
-                <a:solidFill>
-                  <a:srgbClr val="FFFFFF"/>
-                </a:solidFill>
-              </a:rPr>
-              <a:t>.</a:t>
-            </a:r>
-            <a:r>
-              <a:rPr lang="en-NL" dirty="0"/>
-              <a:t>1</a:t>
-            </a:r>
-            <a:endParaRPr dirty="0">
-              <a:solidFill>
-                <a:srgbClr val="FFFFFF"/>
-              </a:solidFill>
-            </a:endParaRPr>
-          </a:p>
-        </p:txBody>
-      </p:sp>
-      <p:sp>
-        <p:nvSpPr>
-          <p:cNvPr id="480" name="Google Shape;480;p50"/>
+            <a:pPr marL="0" lvl="0" indent="0" algn="just" rtl="0">
+              <a:spcBef>
+                <a:spcPts val="0"/>
+              </a:spcBef>
+              <a:spcAft>
+                <a:spcPts val="0"/>
+              </a:spcAft>
+              <a:buNone/>
+            </a:pPr>
+            <a:r>
+              <a:rPr lang="en"/>
+              <a:t>...</a:t>
+            </a:r>
+            <a:endParaRPr/>
+          </a:p>
+          <a:p>
+            <a:pPr marL="0" lvl="0" indent="0" algn="just" rtl="0">
+              <a:spcBef>
+                <a:spcPts val="800"/>
+              </a:spcBef>
+              <a:spcAft>
+                <a:spcPts val="0"/>
+              </a:spcAft>
+              <a:buNone/>
+            </a:pPr>
+            <a:endParaRPr/>
+          </a:p>
+          <a:p>
+            <a:pPr marL="0" lvl="0" indent="0" algn="just" rtl="0">
+              <a:spcBef>
+                <a:spcPts val="800"/>
+              </a:spcBef>
+              <a:spcAft>
+                <a:spcPts val="0"/>
+              </a:spcAft>
+              <a:buNone/>
+            </a:pPr>
+            <a:r>
+              <a:rPr lang="en" sz="1400" b="1"/>
+              <a:t>My most difficult challenges this block</a:t>
+            </a:r>
+            <a:endParaRPr sz="1400" b="1"/>
+          </a:p>
+          <a:p>
+            <a:pPr marL="0" lvl="0" indent="0" algn="just" rtl="0">
+              <a:spcBef>
+                <a:spcPts val="800"/>
+              </a:spcBef>
+              <a:spcAft>
+                <a:spcPts val="0"/>
+              </a:spcAft>
+              <a:buNone/>
+            </a:pPr>
+            <a:r>
+              <a:rPr lang="en"/>
+              <a:t>...</a:t>
+            </a:r>
+            <a:endParaRPr/>
+          </a:p>
+          <a:p>
+            <a:pPr marL="0" lvl="0" indent="0" algn="just" rtl="0">
+              <a:spcBef>
+                <a:spcPts val="800"/>
+              </a:spcBef>
+              <a:spcAft>
+                <a:spcPts val="0"/>
+              </a:spcAft>
+              <a:buNone/>
+            </a:pPr>
+            <a:endParaRPr/>
+          </a:p>
+          <a:p>
+            <a:pPr marL="0" lvl="0" indent="0" algn="just" rtl="0">
+              <a:spcBef>
+                <a:spcPts val="800"/>
+              </a:spcBef>
+              <a:spcAft>
+                <a:spcPts val="0"/>
+              </a:spcAft>
+              <a:buNone/>
+            </a:pPr>
+            <a:r>
+              <a:rPr lang="en" sz="1400" b="1"/>
+              <a:t>The most important lessons I learned</a:t>
+            </a:r>
+            <a:endParaRPr sz="1400" b="1"/>
+          </a:p>
+          <a:p>
+            <a:pPr marL="0" lvl="0" indent="0" algn="just" rtl="0">
+              <a:spcBef>
+                <a:spcPts val="800"/>
+              </a:spcBef>
+              <a:spcAft>
+                <a:spcPts val="800"/>
+              </a:spcAft>
+              <a:buNone/>
+            </a:pPr>
+            <a:r>
+              <a:rPr lang="en"/>
+              <a:t>...</a:t>
+            </a:r>
+            <a:endParaRPr/>
+          </a:p>
+        </p:txBody>
+      </p:sp>
+      <p:sp>
+        <p:nvSpPr>
+          <p:cNvPr id="508" name="Google Shape;508;p53"/>
           <p:cNvSpPr txBox="1">
             <a:spLocks noGrp="1"/>
           </p:cNvSpPr>
           <p:nvPr>
-            <p:ph type="title" idx="5"/>
-          </p:nvPr>
-        </p:nvSpPr>
-        <p:spPr>
-          <a:xfrm>
-            <a:off x="845550" y="576000"/>
-            <a:ext cx="7315200" cy="493800"/>
+            <p:ph type="title" idx="4"/>
+          </p:nvPr>
+        </p:nvSpPr>
+        <p:spPr>
+          <a:xfrm>
+            <a:off x="0" y="0"/>
+            <a:ext cx="576000" cy="572700"/>
           </a:xfrm>
           <a:prstGeom prst="rect">
             <a:avLst/>
@@ -25731,76 +25350,24 @@
           </a:bodyPr>
           <a:lstStyle/>
           <a:p>
-            <a:pPr marL="0" lvl="0" indent="0" algn="l" rtl="0">
-              <a:spcBef>
-                <a:spcPts val="0"/>
-              </a:spcBef>
-              <a:spcAft>
-                <a:spcPts val="0"/>
-              </a:spcAft>
-              <a:buNone/>
-            </a:pPr>
-            <a:r>
-              <a:rPr lang="en-GB" dirty="0"/>
-              <a:t>Demonstrates an understanding of the modelling and evaluation stage by developing a model suitable for deployment.</a:t>
-            </a:r>
-            <a:endParaRPr dirty="0"/>
-          </a:p>
-        </p:txBody>
-      </p:sp>
-      <p:sp>
-        <p:nvSpPr>
-          <p:cNvPr id="7" name="Google Shape;459;p48">
-            <a:extLst>
-              <a:ext uri="{FF2B5EF4-FFF2-40B4-BE49-F238E27FC236}">
-                <a16:creationId xmlns:a16="http://schemas.microsoft.com/office/drawing/2014/main" id="{5161B9CD-FD90-1846-8EE0-48554F0A839A}"/>
-              </a:ext>
-            </a:extLst>
-          </p:cNvPr>
-          <p:cNvSpPr txBox="1">
-            <a:spLocks noGrp="1"/>
-          </p:cNvSpPr>
-          <p:nvPr>
-            <p:ph type="title" idx="3"/>
-          </p:nvPr>
-        </p:nvSpPr>
-        <p:spPr>
-          <a:xfrm>
-            <a:off x="2049462" y="0"/>
-            <a:ext cx="4206300" cy="576000"/>
-          </a:xfrm>
-          <a:prstGeom prst="rect">
-            <a:avLst/>
-          </a:prstGeom>
-        </p:spPr>
-        <p:txBody>
-          <a:bodyPr spcFirstLastPara="1" wrap="square" lIns="91425" tIns="91425" rIns="91425" bIns="91425" anchor="ctr" anchorCtr="0">
-            <a:noAutofit/>
-          </a:bodyPr>
-          <a:lstStyle/>
-          <a:p>
-            <a:pPr marL="0" lvl="0" indent="0" algn="l" rtl="0">
-              <a:spcBef>
-                <a:spcPts val="0"/>
-              </a:spcBef>
-              <a:spcAft>
-                <a:spcPts val="0"/>
-              </a:spcAft>
-              <a:buNone/>
-            </a:pPr>
-            <a:r>
-              <a:rPr lang="en-GB" dirty="0"/>
-              <a:t>The student is able to select, implement and evaluate a machine learning model to meet the business requirement.</a:t>
-            </a:r>
+            <a:pPr marL="0" lvl="0" indent="0" algn="ctr" rtl="0">
+              <a:spcBef>
+                <a:spcPts val="0"/>
+              </a:spcBef>
+              <a:spcAft>
+                <a:spcPts val="0"/>
+              </a:spcAft>
+              <a:buNone/>
+            </a:pPr>
+            <a:r>
+              <a:rPr lang="en"/>
+              <a:t>C</a:t>
+            </a:r>
+            <a:endParaRPr/>
           </a:p>
         </p:txBody>
       </p:sp>
     </p:spTree>
-    <p:extLst>
-      <p:ext uri="{BB962C8B-B14F-4D97-AF65-F5344CB8AC3E}">
-        <p14:creationId xmlns:p14="http://schemas.microsoft.com/office/powerpoint/2010/main" val="229156798"/>
-      </p:ext>
-    </p:extLst>
   </p:cSld>
   <p:clrMapOvr>
     <a:masterClrMapping/>
@@ -25813,7 +25380,7 @@
   <p:cSld>
     <p:spTree>
       <p:nvGrpSpPr>
-        <p:cNvPr id="1" name="Shape 466"/>
+        <p:cNvPr id="1" name="Shape 512"/>
         <p:cNvGrpSpPr/>
         <p:nvPr/>
       </p:nvGrpSpPr>
@@ -25827,18 +25394,18 @@
       </p:grpSpPr>
       <p:sp>
         <p:nvSpPr>
-          <p:cNvPr id="467" name="Google Shape;467;p49"/>
+          <p:cNvPr id="513" name="Google Shape;513;p54"/>
           <p:cNvSpPr txBox="1">
             <a:spLocks noGrp="1"/>
           </p:cNvSpPr>
           <p:nvPr>
-            <p:ph type="ctrTitle"/>
-          </p:nvPr>
-        </p:nvSpPr>
-        <p:spPr>
-          <a:xfrm>
-            <a:off x="2286000" y="1104139"/>
-            <a:ext cx="6400800" cy="1501800"/>
+            <p:ph type="title"/>
+          </p:nvPr>
+        </p:nvSpPr>
+        <p:spPr>
+          <a:xfrm>
+            <a:off x="667512" y="0"/>
+            <a:ext cx="5486400" cy="572700"/>
           </a:xfrm>
           <a:prstGeom prst="rect">
             <a:avLst/>
@@ -25850,83 +25417,87 @@
           </a:bodyPr>
           <a:lstStyle/>
           <a:p>
-            <a:pPr marL="0" lvl="0" indent="0" algn="ctr" rtl="0">
-              <a:spcBef>
-                <a:spcPts val="0"/>
-              </a:spcBef>
-              <a:spcAft>
-                <a:spcPts val="0"/>
-              </a:spcAft>
-              <a:buNone/>
-            </a:pPr>
-            <a:r>
-              <a:rPr lang="en" dirty="0"/>
-              <a:t>ILO </a:t>
-            </a:r>
-            <a:r>
-              <a:rPr lang="en-NL" dirty="0"/>
-              <a:t>7</a:t>
-            </a:r>
-            <a:endParaRPr dirty="0"/>
-          </a:p>
-        </p:txBody>
-      </p:sp>
-      <p:sp>
-        <p:nvSpPr>
-          <p:cNvPr id="468" name="Google Shape;468;p49"/>
+            <a:pPr marL="0" lvl="0" indent="0" algn="l" rtl="0">
+              <a:spcBef>
+                <a:spcPts val="0"/>
+              </a:spcBef>
+              <a:spcAft>
+                <a:spcPts val="0"/>
+              </a:spcAft>
+              <a:buNone/>
+            </a:pPr>
+            <a:r>
+              <a:rPr lang="en"/>
+              <a:t>How well am I progressing?</a:t>
+            </a:r>
+            <a:endParaRPr/>
+          </a:p>
+        </p:txBody>
+      </p:sp>
+      <p:sp>
+        <p:nvSpPr>
+          <p:cNvPr id="514" name="Google Shape;514;p54"/>
           <p:cNvSpPr txBox="1">
             <a:spLocks noGrp="1"/>
           </p:cNvSpPr>
           <p:nvPr>
-            <p:ph type="subTitle" idx="1"/>
-          </p:nvPr>
-        </p:nvSpPr>
-        <p:spPr>
-          <a:xfrm>
-            <a:off x="2286000" y="2503171"/>
-            <a:ext cx="6400800" cy="685800"/>
-          </a:xfrm>
-          <a:prstGeom prst="rect">
-            <a:avLst/>
-          </a:prstGeom>
-        </p:spPr>
-        <p:txBody>
-          <a:bodyPr spcFirstLastPara="1" wrap="square" lIns="91425" tIns="91425" rIns="91425" bIns="91425" anchor="ctr" anchorCtr="0">
+            <p:ph type="title" idx="2"/>
+          </p:nvPr>
+        </p:nvSpPr>
+        <p:spPr>
+          <a:xfrm>
+            <a:off x="7068300" y="0"/>
+            <a:ext cx="1984200" cy="572700"/>
+          </a:xfrm>
+          <a:prstGeom prst="rect">
+            <a:avLst/>
+          </a:prstGeom>
+        </p:spPr>
+        <p:txBody>
+          <a:bodyPr spcFirstLastPara="1" wrap="square" lIns="91425" tIns="91425" rIns="91425" bIns="91425" anchor="b" anchorCtr="0">
             <a:noAutofit/>
           </a:bodyPr>
           <a:lstStyle/>
           <a:p>
-            <a:pPr marL="0" lvl="0" indent="0" algn="ctr" rtl="0">
-              <a:spcBef>
-                <a:spcPts val="0"/>
-              </a:spcBef>
-              <a:spcAft>
-                <a:spcPts val="0"/>
-              </a:spcAft>
-              <a:buNone/>
-            </a:pPr>
-            <a:r>
-              <a:rPr lang="en-US" dirty="0"/>
-              <a:t>Deployment </a:t>
-            </a:r>
-            <a:endParaRPr dirty="0"/>
-          </a:p>
-        </p:txBody>
-      </p:sp>
-      <p:sp>
-        <p:nvSpPr>
-          <p:cNvPr id="469" name="Google Shape;469;p49"/>
+            <a:pPr marL="0" lvl="0" indent="0" algn="r" rtl="0">
+              <a:spcBef>
+                <a:spcPts val="0"/>
+              </a:spcBef>
+              <a:spcAft>
+                <a:spcPts val="0"/>
+              </a:spcAft>
+              <a:buNone/>
+            </a:pPr>
+            <a:r>
+              <a:rPr lang="en"/>
+              <a:t>2</a:t>
+            </a:r>
+            <a:r>
+              <a:rPr lang="en" sz="1400"/>
+              <a:t>/</a:t>
+            </a:r>
+            <a:r>
+              <a:rPr lang="en"/>
+              <a:t>2</a:t>
+            </a:r>
+            <a:endParaRPr sz="1400"/>
+          </a:p>
+        </p:txBody>
+      </p:sp>
+      <p:sp>
+        <p:nvSpPr>
+          <p:cNvPr id="515" name="Google Shape;515;p54"/>
           <p:cNvSpPr txBox="1">
             <a:spLocks noGrp="1"/>
           </p:cNvSpPr>
           <p:nvPr>
-            <p:ph type="subTitle" idx="2"/>
-          </p:nvPr>
-        </p:nvSpPr>
-        <p:spPr>
-          <a:xfrm>
-            <a:off x="3200400" y="3353563"/>
-            <a:ext cx="5486400" cy="685800"/>
+            <p:ph type="title" idx="4"/>
+          </p:nvPr>
+        </p:nvSpPr>
+        <p:spPr>
+          <a:xfrm>
+            <a:off x="0" y="0"/>
+            <a:ext cx="576000" cy="572700"/>
           </a:xfrm>
           <a:prstGeom prst="rect">
             <a:avLst/>
@@ -25938,33 +25509,161 @@
           </a:bodyPr>
           <a:lstStyle/>
           <a:p>
-            <a:pPr marL="0" lvl="0" indent="0" algn="r" rtl="0">
-              <a:spcBef>
-                <a:spcPts val="0"/>
-              </a:spcBef>
-              <a:spcAft>
-                <a:spcPts val="0"/>
-              </a:spcAft>
-              <a:buNone/>
-            </a:pPr>
-            <a:r>
-              <a:rPr lang="en-GB" dirty="0"/>
-              <a:t>Is able to plan deployment, disseminate the project results, produce a final report and review the project.</a:t>
-            </a:r>
-            <a:endParaRPr dirty="0"/>
-          </a:p>
-        </p:txBody>
-      </p:sp>
-      <p:sp>
-        <p:nvSpPr>
-          <p:cNvPr id="470" name="Google Shape;470;p49"/>
+            <a:pPr marL="0" lvl="0" indent="0" algn="ctr" rtl="0">
+              <a:spcBef>
+                <a:spcPts val="0"/>
+              </a:spcBef>
+              <a:spcAft>
+                <a:spcPts val="0"/>
+              </a:spcAft>
+              <a:buNone/>
+            </a:pPr>
+            <a:r>
+              <a:rPr lang="en"/>
+              <a:t>C</a:t>
+            </a:r>
+            <a:endParaRPr/>
+          </a:p>
+        </p:txBody>
+      </p:sp>
+      <p:sp>
+        <p:nvSpPr>
+          <p:cNvPr id="516" name="Google Shape;516;p54"/>
+          <p:cNvSpPr txBox="1">
+            <a:spLocks noGrp="1"/>
+          </p:cNvSpPr>
+          <p:nvPr>
+            <p:ph type="subTitle" idx="1"/>
+          </p:nvPr>
+        </p:nvSpPr>
+        <p:spPr>
+          <a:xfrm>
+            <a:off x="182880" y="667512"/>
+            <a:ext cx="8778300" cy="402300"/>
+          </a:xfrm>
+          <a:prstGeom prst="rect">
+            <a:avLst/>
+          </a:prstGeom>
+        </p:spPr>
+        <p:txBody>
+          <a:bodyPr spcFirstLastPara="1" wrap="square" lIns="91425" tIns="91425" rIns="91425" bIns="91425" anchor="t" anchorCtr="0">
+            <a:noAutofit/>
+          </a:bodyPr>
+          <a:lstStyle/>
+          <a:p>
+            <a:pPr marL="0" lvl="0" indent="0" algn="l" rtl="0">
+              <a:spcBef>
+                <a:spcPts val="0"/>
+              </a:spcBef>
+              <a:spcAft>
+                <a:spcPts val="800"/>
+              </a:spcAft>
+              <a:buNone/>
+            </a:pPr>
+            <a:r>
+              <a:rPr lang="en"/>
+              <a:t>Reflection on my self assessment						My self assessment grade is a</a:t>
+            </a:r>
+            <a:endParaRPr b="0" i="1"/>
+          </a:p>
+        </p:txBody>
+      </p:sp>
+      <p:sp>
+        <p:nvSpPr>
+          <p:cNvPr id="517" name="Google Shape;517;p54"/>
+          <p:cNvSpPr txBox="1">
+            <a:spLocks noGrp="1"/>
+          </p:cNvSpPr>
+          <p:nvPr>
+            <p:ph type="body" idx="3"/>
+          </p:nvPr>
+        </p:nvSpPr>
+        <p:spPr>
+          <a:xfrm>
+            <a:off x="182880" y="1069848"/>
+            <a:ext cx="5852100" cy="3895200"/>
+          </a:xfrm>
+          <a:prstGeom prst="rect">
+            <a:avLst/>
+          </a:prstGeom>
+        </p:spPr>
+        <p:txBody>
+          <a:bodyPr spcFirstLastPara="1" wrap="square" lIns="91425" tIns="91425" rIns="91425" bIns="91425" anchor="t" anchorCtr="0">
+            <a:noAutofit/>
+          </a:bodyPr>
+          <a:lstStyle/>
+          <a:p>
+            <a:pPr marL="0" lvl="0" indent="0" algn="just" rtl="0">
+              <a:spcBef>
+                <a:spcPts val="0"/>
+              </a:spcBef>
+              <a:spcAft>
+                <a:spcPts val="0"/>
+              </a:spcAft>
+              <a:buNone/>
+            </a:pPr>
+            <a:r>
+              <a:rPr lang="en"/>
+              <a:t>...</a:t>
+            </a:r>
+            <a:endParaRPr/>
+          </a:p>
+          <a:p>
+            <a:pPr marL="0" lvl="0" indent="0" algn="just" rtl="0">
+              <a:spcBef>
+                <a:spcPts val="800"/>
+              </a:spcBef>
+              <a:spcAft>
+                <a:spcPts val="0"/>
+              </a:spcAft>
+              <a:buNone/>
+            </a:pPr>
+            <a:endParaRPr/>
+          </a:p>
+          <a:p>
+            <a:pPr marL="0" lvl="0" indent="0" algn="just" rtl="0">
+              <a:spcBef>
+                <a:spcPts val="800"/>
+              </a:spcBef>
+              <a:spcAft>
+                <a:spcPts val="0"/>
+              </a:spcAft>
+              <a:buNone/>
+            </a:pPr>
+            <a:r>
+              <a:rPr lang="en" sz="1400" b="1"/>
+              <a:t>How I plan to improve next block</a:t>
+            </a:r>
+            <a:endParaRPr sz="1400" b="1"/>
+          </a:p>
+          <a:p>
+            <a:pPr marL="0" lvl="0" indent="0" algn="just" rtl="0">
+              <a:spcBef>
+                <a:spcPts val="800"/>
+              </a:spcBef>
+              <a:spcAft>
+                <a:spcPts val="800"/>
+              </a:spcAft>
+              <a:buNone/>
+            </a:pPr>
+            <a:r>
+              <a:rPr lang="en"/>
+              <a:t>...</a:t>
+            </a:r>
+            <a:endParaRPr/>
+          </a:p>
+        </p:txBody>
+      </p:sp>
+      <p:sp>
+        <p:nvSpPr>
+          <p:cNvPr id="518" name="Google Shape;518;p54"/>
           <p:cNvSpPr txBox="1"/>
           <p:nvPr/>
         </p:nvSpPr>
         <p:spPr>
           <a:xfrm>
-            <a:off x="-420624" y="749808"/>
-            <a:ext cx="3383400" cy="5120700"/>
+            <a:off x="7918704" y="676700"/>
+            <a:ext cx="914400" cy="640200"/>
           </a:xfrm>
           <a:prstGeom prst="rect">
             <a:avLst/>
@@ -25975,7 +25674,7 @@
           </a:ln>
         </p:spPr>
         <p:txBody>
-          <a:bodyPr spcFirstLastPara="1" wrap="square" lIns="0" tIns="0" rIns="0" bIns="0" anchor="ctr" anchorCtr="0">
+          <a:bodyPr spcFirstLastPara="1" wrap="square" lIns="91425" tIns="91425" rIns="91425" bIns="91425" anchor="t" anchorCtr="0">
             <a:noAutofit/>
           </a:bodyPr>
           <a:lstStyle/>
@@ -25990,20 +25689,20 @@
               <a:buNone/>
             </a:pPr>
             <a:r>
-              <a:rPr lang="en-NL" sz="40000" dirty="0">
+              <a:rPr lang="en" sz="3600" b="1">
                 <a:solidFill>
-                  <a:srgbClr val="999999"/>
+                  <a:srgbClr val="434343"/>
                 </a:solidFill>
                 <a:latin typeface="Roboto"/>
                 <a:ea typeface="Roboto"/>
                 <a:cs typeface="Roboto"/>
                 <a:sym typeface="Roboto"/>
               </a:rPr>
-              <a:t>7</a:t>
-            </a:r>
-            <a:endParaRPr sz="40000" dirty="0">
+              <a:t>x.x</a:t>
+            </a:r>
+            <a:endParaRPr sz="3600" b="1">
               <a:solidFill>
-                <a:srgbClr val="999999"/>
+                <a:srgbClr val="434343"/>
               </a:solidFill>
               <a:latin typeface="Roboto"/>
               <a:ea typeface="Roboto"/>
@@ -26014,11 +25713,6 @@
         </p:txBody>
       </p:sp>
     </p:spTree>
-    <p:extLst>
-      <p:ext uri="{BB962C8B-B14F-4D97-AF65-F5344CB8AC3E}">
-        <p14:creationId xmlns:p14="http://schemas.microsoft.com/office/powerpoint/2010/main" val="2182435036"/>
-      </p:ext>
-    </p:extLst>
   </p:cSld>
   <p:clrMapOvr>
     <a:masterClrMapping/>
@@ -26237,1202 +25931,6 @@
               <a:t>The student sets ambitious, S.M.A.R.T./ C.L.E.A.R goals in alignment with the project brief, their chosen role(s), content of the assessment rubric and their personal long-term goals</a:t>
             </a:r>
             <a:endParaRPr lang="en-US" sz="1100" dirty="0"/>
-          </a:p>
-        </p:txBody>
-      </p:sp>
-    </p:spTree>
-  </p:cSld>
-  <p:clrMapOvr>
-    <a:masterClrMapping/>
-  </p:clrMapOvr>
-</p:sld>
-</file>
-
-<file path=ppt/slides/slide40.xml><?xml version="1.0" encoding="utf-8"?>
-<p:sld xmlns:a="http://schemas.openxmlformats.org/drawingml/2006/main" xmlns:r="http://schemas.openxmlformats.org/officeDocument/2006/relationships" xmlns:p="http://schemas.openxmlformats.org/presentationml/2006/main">
-  <p:cSld>
-    <p:spTree>
-      <p:nvGrpSpPr>
-        <p:cNvPr id="1" name="Shape 474"/>
-        <p:cNvGrpSpPr/>
-        <p:nvPr/>
-      </p:nvGrpSpPr>
-      <p:grpSpPr>
-        <a:xfrm>
-          <a:off x="0" y="0"/>
-          <a:ext cx="0" cy="0"/>
-          <a:chOff x="0" y="0"/>
-          <a:chExt cx="0" cy="0"/>
-        </a:xfrm>
-      </p:grpSpPr>
-      <p:sp>
-        <p:nvSpPr>
-          <p:cNvPr id="475" name="Google Shape;475;p50"/>
-          <p:cNvSpPr txBox="1">
-            <a:spLocks noGrp="1"/>
-          </p:cNvSpPr>
-          <p:nvPr>
-            <p:ph type="title"/>
-          </p:nvPr>
-        </p:nvSpPr>
-        <p:spPr>
-          <a:xfrm>
-            <a:off x="68250" y="0"/>
-            <a:ext cx="777300" cy="576000"/>
-          </a:xfrm>
-          <a:prstGeom prst="rect">
-            <a:avLst/>
-          </a:prstGeom>
-        </p:spPr>
-        <p:txBody>
-          <a:bodyPr spcFirstLastPara="1" wrap="square" lIns="91425" tIns="91425" rIns="91425" bIns="91425" anchor="ctr" anchorCtr="0">
-            <a:noAutofit/>
-          </a:bodyPr>
-          <a:lstStyle/>
-          <a:p>
-            <a:pPr marL="0" lvl="0" indent="0" algn="l" rtl="0">
-              <a:spcBef>
-                <a:spcPts val="0"/>
-              </a:spcBef>
-              <a:spcAft>
-                <a:spcPts val="0"/>
-              </a:spcAft>
-              <a:buNone/>
-            </a:pPr>
-            <a:r>
-              <a:rPr lang="en" dirty="0"/>
-              <a:t>ILO </a:t>
-            </a:r>
-            <a:r>
-              <a:rPr lang="en-NL" dirty="0"/>
-              <a:t>7</a:t>
-            </a:r>
-            <a:endParaRPr dirty="0"/>
-          </a:p>
-        </p:txBody>
-      </p:sp>
-      <p:sp>
-        <p:nvSpPr>
-          <p:cNvPr id="476" name="Google Shape;476;p50"/>
-          <p:cNvSpPr txBox="1">
-            <a:spLocks noGrp="1"/>
-          </p:cNvSpPr>
-          <p:nvPr>
-            <p:ph type="title" idx="2"/>
-          </p:nvPr>
-        </p:nvSpPr>
-        <p:spPr>
-          <a:xfrm>
-            <a:off x="7068300" y="0"/>
-            <a:ext cx="1984200" cy="576000"/>
-          </a:xfrm>
-          <a:prstGeom prst="rect">
-            <a:avLst/>
-          </a:prstGeom>
-        </p:spPr>
-        <p:txBody>
-          <a:bodyPr spcFirstLastPara="1" wrap="square" lIns="91425" tIns="91425" rIns="91425" bIns="91425" anchor="b" anchorCtr="0">
-            <a:noAutofit/>
-          </a:bodyPr>
-          <a:lstStyle/>
-          <a:p>
-            <a:pPr marL="0" lvl="0" indent="0" algn="r" rtl="0">
-              <a:spcBef>
-                <a:spcPts val="0"/>
-              </a:spcBef>
-              <a:spcAft>
-                <a:spcPts val="0"/>
-              </a:spcAft>
-              <a:buNone/>
-            </a:pPr>
-            <a:r>
-              <a:rPr lang="en"/>
-              <a:t>1/1</a:t>
-            </a:r>
-            <a:endParaRPr/>
-          </a:p>
-        </p:txBody>
-      </p:sp>
-      <p:sp>
-        <p:nvSpPr>
-          <p:cNvPr id="477" name="Google Shape;477;p50"/>
-          <p:cNvSpPr txBox="1">
-            <a:spLocks noGrp="1"/>
-          </p:cNvSpPr>
-          <p:nvPr>
-            <p:ph type="body" idx="1"/>
-          </p:nvPr>
-        </p:nvSpPr>
-        <p:spPr>
-          <a:xfrm>
-            <a:off x="182880" y="1069848"/>
-            <a:ext cx="5486400" cy="3895200"/>
-          </a:xfrm>
-          <a:prstGeom prst="rect">
-            <a:avLst/>
-          </a:prstGeom>
-        </p:spPr>
-        <p:txBody>
-          <a:bodyPr spcFirstLastPara="1" wrap="square" lIns="91425" tIns="91425" rIns="91425" bIns="91425" anchor="t" anchorCtr="0">
-            <a:noAutofit/>
-          </a:bodyPr>
-          <a:lstStyle/>
-          <a:p>
-            <a:pPr marL="0" lvl="0" indent="0" algn="l" rtl="0">
-              <a:lnSpc>
-                <a:spcPct val="115000"/>
-              </a:lnSpc>
-              <a:spcBef>
-                <a:spcPts val="0"/>
-              </a:spcBef>
-              <a:spcAft>
-                <a:spcPts val="0"/>
-              </a:spcAft>
-              <a:buNone/>
-            </a:pPr>
-            <a:r>
-              <a:rPr lang="en" sz="900" i="1">
-                <a:solidFill>
-                  <a:schemeClr val="lt1"/>
-                </a:solidFill>
-                <a:latin typeface="Helvetica Neue"/>
-                <a:ea typeface="Helvetica Neue"/>
-                <a:cs typeface="Helvetica Neue"/>
-                <a:sym typeface="Helvetica Neue"/>
-              </a:rPr>
-              <a:t>Show your best examples, do not go overboard, add in short description, you are free to alter this layout (or add slides per evidence) to suit your needs. Just be sure that it is clear.</a:t>
-            </a:r>
-            <a:endParaRPr sz="900">
-              <a:solidFill>
-                <a:schemeClr val="lt1"/>
-              </a:solidFill>
-            </a:endParaRPr>
-          </a:p>
-          <a:p>
-            <a:pPr marL="0" lvl="0" indent="0" algn="l" rtl="0">
-              <a:lnSpc>
-                <a:spcPct val="115000"/>
-              </a:lnSpc>
-              <a:spcBef>
-                <a:spcPts val="0"/>
-              </a:spcBef>
-              <a:spcAft>
-                <a:spcPts val="0"/>
-              </a:spcAft>
-              <a:buNone/>
-            </a:pPr>
-            <a:endParaRPr sz="700" i="1">
-              <a:solidFill>
-                <a:schemeClr val="lt1"/>
-              </a:solidFill>
-              <a:latin typeface="Helvetica Neue"/>
-              <a:ea typeface="Helvetica Neue"/>
-              <a:cs typeface="Helvetica Neue"/>
-              <a:sym typeface="Helvetica Neue"/>
-            </a:endParaRPr>
-          </a:p>
-        </p:txBody>
-      </p:sp>
-      <p:sp>
-        <p:nvSpPr>
-          <p:cNvPr id="479" name="Google Shape;479;p50"/>
-          <p:cNvSpPr txBox="1">
-            <a:spLocks noGrp="1"/>
-          </p:cNvSpPr>
-          <p:nvPr>
-            <p:ph type="title" idx="4"/>
-          </p:nvPr>
-        </p:nvSpPr>
-        <p:spPr>
-          <a:xfrm>
-            <a:off x="68250" y="576000"/>
-            <a:ext cx="839700" cy="493800"/>
-          </a:xfrm>
-          <a:prstGeom prst="rect">
-            <a:avLst/>
-          </a:prstGeom>
-        </p:spPr>
-        <p:txBody>
-          <a:bodyPr spcFirstLastPara="1" wrap="square" lIns="91425" tIns="91425" rIns="91425" bIns="91425" anchor="ctr" anchorCtr="0">
-            <a:noAutofit/>
-          </a:bodyPr>
-          <a:lstStyle/>
-          <a:p>
-            <a:pPr marL="0" lvl="0" indent="0" algn="l" rtl="0">
-              <a:spcBef>
-                <a:spcPts val="0"/>
-              </a:spcBef>
-              <a:spcAft>
-                <a:spcPts val="0"/>
-              </a:spcAft>
-              <a:buNone/>
-            </a:pPr>
-            <a:r>
-              <a:rPr lang="en-NL" dirty="0">
-                <a:solidFill>
-                  <a:srgbClr val="FFFFFF"/>
-                </a:solidFill>
-              </a:rPr>
-              <a:t>7</a:t>
-            </a:r>
-            <a:r>
-              <a:rPr lang="en" dirty="0">
-                <a:solidFill>
-                  <a:srgbClr val="FFFFFF"/>
-                </a:solidFill>
-              </a:rPr>
-              <a:t>.</a:t>
-            </a:r>
-            <a:r>
-              <a:rPr lang="en-NL" dirty="0"/>
-              <a:t>1</a:t>
-            </a:r>
-            <a:endParaRPr dirty="0">
-              <a:solidFill>
-                <a:srgbClr val="FFFFFF"/>
-              </a:solidFill>
-            </a:endParaRPr>
-          </a:p>
-        </p:txBody>
-      </p:sp>
-      <p:sp>
-        <p:nvSpPr>
-          <p:cNvPr id="480" name="Google Shape;480;p50"/>
-          <p:cNvSpPr txBox="1">
-            <a:spLocks noGrp="1"/>
-          </p:cNvSpPr>
-          <p:nvPr>
-            <p:ph type="title" idx="5"/>
-          </p:nvPr>
-        </p:nvSpPr>
-        <p:spPr>
-          <a:xfrm>
-            <a:off x="845550" y="576000"/>
-            <a:ext cx="7315200" cy="493800"/>
-          </a:xfrm>
-          <a:prstGeom prst="rect">
-            <a:avLst/>
-          </a:prstGeom>
-        </p:spPr>
-        <p:txBody>
-          <a:bodyPr spcFirstLastPara="1" wrap="square" lIns="91425" tIns="91425" rIns="91425" bIns="91425" anchor="ctr" anchorCtr="0">
-            <a:noAutofit/>
-          </a:bodyPr>
-          <a:lstStyle/>
-          <a:p>
-            <a:pPr marL="0" lvl="0" indent="0" algn="l" rtl="0">
-              <a:spcBef>
-                <a:spcPts val="0"/>
-              </a:spcBef>
-              <a:spcAft>
-                <a:spcPts val="0"/>
-              </a:spcAft>
-              <a:buNone/>
-            </a:pPr>
-            <a:r>
-              <a:rPr lang="en-GB" dirty="0"/>
-              <a:t>Demonstrates understanding of the deployment stage by disseminating the project findings and conducting a project </a:t>
-            </a:r>
-            <a:r>
-              <a:rPr lang="en-GB" dirty="0" err="1"/>
-              <a:t>restrospective</a:t>
-            </a:r>
-            <a:r>
-              <a:rPr lang="en-GB" dirty="0"/>
-              <a:t>.</a:t>
-            </a:r>
-            <a:endParaRPr dirty="0"/>
-          </a:p>
-        </p:txBody>
-      </p:sp>
-      <p:sp>
-        <p:nvSpPr>
-          <p:cNvPr id="7" name="Google Shape;459;p48">
-            <a:extLst>
-              <a:ext uri="{FF2B5EF4-FFF2-40B4-BE49-F238E27FC236}">
-                <a16:creationId xmlns:a16="http://schemas.microsoft.com/office/drawing/2014/main" id="{08489BA6-ACAD-1AB4-6386-756898FD857B}"/>
-              </a:ext>
-            </a:extLst>
-          </p:cNvPr>
-          <p:cNvSpPr txBox="1">
-            <a:spLocks noGrp="1"/>
-          </p:cNvSpPr>
-          <p:nvPr>
-            <p:ph type="title" idx="3"/>
-          </p:nvPr>
-        </p:nvSpPr>
-        <p:spPr>
-          <a:xfrm>
-            <a:off x="2049462" y="0"/>
-            <a:ext cx="4206300" cy="576000"/>
-          </a:xfrm>
-          <a:prstGeom prst="rect">
-            <a:avLst/>
-          </a:prstGeom>
-        </p:spPr>
-        <p:txBody>
-          <a:bodyPr spcFirstLastPara="1" wrap="square" lIns="91425" tIns="91425" rIns="91425" bIns="91425" anchor="ctr" anchorCtr="0">
-            <a:noAutofit/>
-          </a:bodyPr>
-          <a:lstStyle/>
-          <a:p>
-            <a:pPr marL="0" lvl="0" indent="0" algn="l" rtl="0">
-              <a:spcBef>
-                <a:spcPts val="0"/>
-              </a:spcBef>
-              <a:spcAft>
-                <a:spcPts val="0"/>
-              </a:spcAft>
-              <a:buNone/>
-            </a:pPr>
-            <a:r>
-              <a:rPr lang="en-GB" dirty="0"/>
-              <a:t>Is able to plan deployment, disseminate the project results, produce a final report and review the project.</a:t>
-            </a:r>
-          </a:p>
-        </p:txBody>
-      </p:sp>
-    </p:spTree>
-    <p:extLst>
-      <p:ext uri="{BB962C8B-B14F-4D97-AF65-F5344CB8AC3E}">
-        <p14:creationId xmlns:p14="http://schemas.microsoft.com/office/powerpoint/2010/main" val="1031311886"/>
-      </p:ext>
-    </p:extLst>
-  </p:cSld>
-  <p:clrMapOvr>
-    <a:masterClrMapping/>
-  </p:clrMapOvr>
-</p:sld>
-</file>
-
-<file path=ppt/slides/slide41.xml><?xml version="1.0" encoding="utf-8"?>
-<p:sld xmlns:a="http://schemas.openxmlformats.org/drawingml/2006/main" xmlns:r="http://schemas.openxmlformats.org/officeDocument/2006/relationships" xmlns:p="http://schemas.openxmlformats.org/presentationml/2006/main">
-  <p:cSld>
-    <p:spTree>
-      <p:nvGrpSpPr>
-        <p:cNvPr id="1" name="Shape 496"/>
-        <p:cNvGrpSpPr/>
-        <p:nvPr/>
-      </p:nvGrpSpPr>
-      <p:grpSpPr>
-        <a:xfrm>
-          <a:off x="0" y="0"/>
-          <a:ext cx="0" cy="0"/>
-          <a:chOff x="0" y="0"/>
-          <a:chExt cx="0" cy="0"/>
-        </a:xfrm>
-      </p:grpSpPr>
-      <p:sp>
-        <p:nvSpPr>
-          <p:cNvPr id="497" name="Google Shape;497;p52"/>
-          <p:cNvSpPr txBox="1">
-            <a:spLocks noGrp="1"/>
-          </p:cNvSpPr>
-          <p:nvPr>
-            <p:ph type="ctrTitle"/>
-          </p:nvPr>
-        </p:nvSpPr>
-        <p:spPr>
-          <a:xfrm>
-            <a:off x="1828800" y="1453896"/>
-            <a:ext cx="7315200" cy="1501800"/>
-          </a:xfrm>
-          <a:prstGeom prst="rect">
-            <a:avLst/>
-          </a:prstGeom>
-        </p:spPr>
-        <p:txBody>
-          <a:bodyPr spcFirstLastPara="1" wrap="square" lIns="91425" tIns="91425" rIns="91425" bIns="91425" anchor="ctr" anchorCtr="0">
-            <a:noAutofit/>
-          </a:bodyPr>
-          <a:lstStyle/>
-          <a:p>
-            <a:pPr marL="0" lvl="0" indent="0" algn="ctr" rtl="0">
-              <a:spcBef>
-                <a:spcPts val="0"/>
-              </a:spcBef>
-              <a:spcAft>
-                <a:spcPts val="0"/>
-              </a:spcAft>
-              <a:buNone/>
-            </a:pPr>
-            <a:r>
-              <a:rPr lang="en" sz="6000"/>
-              <a:t>Section </a:t>
-            </a:r>
-            <a:r>
-              <a:rPr lang="en"/>
-              <a:t>C</a:t>
-            </a:r>
-            <a:endParaRPr sz="6000"/>
-          </a:p>
-        </p:txBody>
-      </p:sp>
-      <p:sp>
-        <p:nvSpPr>
-          <p:cNvPr id="498" name="Google Shape;498;p52"/>
-          <p:cNvSpPr txBox="1">
-            <a:spLocks noGrp="1"/>
-          </p:cNvSpPr>
-          <p:nvPr>
-            <p:ph type="subTitle" idx="1"/>
-          </p:nvPr>
-        </p:nvSpPr>
-        <p:spPr>
-          <a:xfrm>
-            <a:off x="1828800" y="2953512"/>
-            <a:ext cx="7315200" cy="685800"/>
-          </a:xfrm>
-          <a:prstGeom prst="rect">
-            <a:avLst/>
-          </a:prstGeom>
-        </p:spPr>
-        <p:txBody>
-          <a:bodyPr spcFirstLastPara="1" wrap="square" lIns="91425" tIns="91425" rIns="91425" bIns="91425" anchor="ctr" anchorCtr="0">
-            <a:noAutofit/>
-          </a:bodyPr>
-          <a:lstStyle/>
-          <a:p>
-            <a:pPr marL="0" lvl="0" indent="0" algn="ctr" rtl="0">
-              <a:spcBef>
-                <a:spcPts val="0"/>
-              </a:spcBef>
-              <a:spcAft>
-                <a:spcPts val="0"/>
-              </a:spcAft>
-              <a:buNone/>
-            </a:pPr>
-            <a:r>
-              <a:rPr lang="en"/>
-              <a:t>Reflection</a:t>
-            </a:r>
-            <a:endParaRPr sz="3000"/>
-          </a:p>
-        </p:txBody>
-      </p:sp>
-      <p:sp>
-        <p:nvSpPr>
-          <p:cNvPr id="499" name="Google Shape;499;p52"/>
-          <p:cNvSpPr txBox="1"/>
-          <p:nvPr/>
-        </p:nvSpPr>
-        <p:spPr>
-          <a:xfrm>
-            <a:off x="-420624" y="749808"/>
-            <a:ext cx="3383400" cy="5120700"/>
-          </a:xfrm>
-          <a:prstGeom prst="rect">
-            <a:avLst/>
-          </a:prstGeom>
-          <a:noFill/>
-          <a:ln>
-            <a:noFill/>
-          </a:ln>
-        </p:spPr>
-        <p:txBody>
-          <a:bodyPr spcFirstLastPara="1" wrap="square" lIns="0" tIns="0" rIns="0" bIns="0" anchor="ctr" anchorCtr="0">
-            <a:noAutofit/>
-          </a:bodyPr>
-          <a:lstStyle/>
-          <a:p>
-            <a:pPr marL="0" lvl="0" indent="0" algn="l" rtl="0">
-              <a:spcBef>
-                <a:spcPts val="0"/>
-              </a:spcBef>
-              <a:spcAft>
-                <a:spcPts val="0"/>
-              </a:spcAft>
-              <a:buNone/>
-            </a:pPr>
-            <a:r>
-              <a:rPr lang="en" sz="40000">
-                <a:solidFill>
-                  <a:srgbClr val="999999"/>
-                </a:solidFill>
-                <a:latin typeface="Roboto"/>
-                <a:ea typeface="Roboto"/>
-                <a:cs typeface="Roboto"/>
-                <a:sym typeface="Roboto"/>
-              </a:rPr>
-              <a:t>C</a:t>
-            </a:r>
-            <a:endParaRPr sz="40000">
-              <a:solidFill>
-                <a:srgbClr val="999999"/>
-              </a:solidFill>
-              <a:latin typeface="Roboto"/>
-              <a:ea typeface="Roboto"/>
-              <a:cs typeface="Roboto"/>
-              <a:sym typeface="Roboto"/>
-            </a:endParaRPr>
-          </a:p>
-        </p:txBody>
-      </p:sp>
-    </p:spTree>
-  </p:cSld>
-  <p:clrMapOvr>
-    <a:masterClrMapping/>
-  </p:clrMapOvr>
-</p:sld>
-</file>
-
-<file path=ppt/slides/slide42.xml><?xml version="1.0" encoding="utf-8"?>
-<p:sld xmlns:a="http://schemas.openxmlformats.org/drawingml/2006/main" xmlns:r="http://schemas.openxmlformats.org/officeDocument/2006/relationships" xmlns:p="http://schemas.openxmlformats.org/presentationml/2006/main">
-  <p:cSld>
-    <p:spTree>
-      <p:nvGrpSpPr>
-        <p:cNvPr id="1" name="Shape 503"/>
-        <p:cNvGrpSpPr/>
-        <p:nvPr/>
-      </p:nvGrpSpPr>
-      <p:grpSpPr>
-        <a:xfrm>
-          <a:off x="0" y="0"/>
-          <a:ext cx="0" cy="0"/>
-          <a:chOff x="0" y="0"/>
-          <a:chExt cx="0" cy="0"/>
-        </a:xfrm>
-      </p:grpSpPr>
-      <p:sp>
-        <p:nvSpPr>
-          <p:cNvPr id="504" name="Google Shape;504;p53"/>
-          <p:cNvSpPr txBox="1">
-            <a:spLocks noGrp="1"/>
-          </p:cNvSpPr>
-          <p:nvPr>
-            <p:ph type="title"/>
-          </p:nvPr>
-        </p:nvSpPr>
-        <p:spPr>
-          <a:xfrm>
-            <a:off x="667512" y="0"/>
-            <a:ext cx="5486400" cy="572700"/>
-          </a:xfrm>
-          <a:prstGeom prst="rect">
-            <a:avLst/>
-          </a:prstGeom>
-        </p:spPr>
-        <p:txBody>
-          <a:bodyPr spcFirstLastPara="1" wrap="square" lIns="91425" tIns="91425" rIns="91425" bIns="91425" anchor="ctr" anchorCtr="0">
-            <a:noAutofit/>
-          </a:bodyPr>
-          <a:lstStyle/>
-          <a:p>
-            <a:pPr marL="0" lvl="0" indent="0" algn="l" rtl="0">
-              <a:spcBef>
-                <a:spcPts val="0"/>
-              </a:spcBef>
-              <a:spcAft>
-                <a:spcPts val="0"/>
-              </a:spcAft>
-              <a:buNone/>
-            </a:pPr>
-            <a:r>
-              <a:rPr lang="en"/>
-              <a:t>What did I achieve this block?</a:t>
-            </a:r>
-            <a:endParaRPr/>
-          </a:p>
-        </p:txBody>
-      </p:sp>
-      <p:sp>
-        <p:nvSpPr>
-          <p:cNvPr id="505" name="Google Shape;505;p53"/>
-          <p:cNvSpPr txBox="1">
-            <a:spLocks noGrp="1"/>
-          </p:cNvSpPr>
-          <p:nvPr>
-            <p:ph type="title" idx="2"/>
-          </p:nvPr>
-        </p:nvSpPr>
-        <p:spPr>
-          <a:xfrm>
-            <a:off x="7068300" y="0"/>
-            <a:ext cx="1984200" cy="572700"/>
-          </a:xfrm>
-          <a:prstGeom prst="rect">
-            <a:avLst/>
-          </a:prstGeom>
-        </p:spPr>
-        <p:txBody>
-          <a:bodyPr spcFirstLastPara="1" wrap="square" lIns="91425" tIns="91425" rIns="91425" bIns="91425" anchor="b" anchorCtr="0">
-            <a:noAutofit/>
-          </a:bodyPr>
-          <a:lstStyle/>
-          <a:p>
-            <a:pPr marL="0" lvl="0" indent="0" algn="r" rtl="0">
-              <a:spcBef>
-                <a:spcPts val="0"/>
-              </a:spcBef>
-              <a:spcAft>
-                <a:spcPts val="0"/>
-              </a:spcAft>
-              <a:buNone/>
-            </a:pPr>
-            <a:r>
-              <a:rPr lang="en"/>
-              <a:t>1/2</a:t>
-            </a:r>
-            <a:endParaRPr/>
-          </a:p>
-        </p:txBody>
-      </p:sp>
-      <p:sp>
-        <p:nvSpPr>
-          <p:cNvPr id="506" name="Google Shape;506;p53"/>
-          <p:cNvSpPr txBox="1">
-            <a:spLocks noGrp="1"/>
-          </p:cNvSpPr>
-          <p:nvPr>
-            <p:ph type="subTitle" idx="1"/>
-          </p:nvPr>
-        </p:nvSpPr>
-        <p:spPr>
-          <a:xfrm>
-            <a:off x="182880" y="667512"/>
-            <a:ext cx="5486400" cy="402300"/>
-          </a:xfrm>
-          <a:prstGeom prst="rect">
-            <a:avLst/>
-          </a:prstGeom>
-        </p:spPr>
-        <p:txBody>
-          <a:bodyPr spcFirstLastPara="1" wrap="square" lIns="91425" tIns="91425" rIns="91425" bIns="91425" anchor="t" anchorCtr="0">
-            <a:noAutofit/>
-          </a:bodyPr>
-          <a:lstStyle/>
-          <a:p>
-            <a:pPr marL="0" lvl="0" indent="0" algn="l" rtl="0">
-              <a:spcBef>
-                <a:spcPts val="0"/>
-              </a:spcBef>
-              <a:spcAft>
-                <a:spcPts val="800"/>
-              </a:spcAft>
-              <a:buNone/>
-            </a:pPr>
-            <a:r>
-              <a:rPr lang="en"/>
-              <a:t>My most significant achievements this block</a:t>
-            </a:r>
-            <a:endParaRPr/>
-          </a:p>
-        </p:txBody>
-      </p:sp>
-      <p:sp>
-        <p:nvSpPr>
-          <p:cNvPr id="507" name="Google Shape;507;p53"/>
-          <p:cNvSpPr txBox="1">
-            <a:spLocks noGrp="1"/>
-          </p:cNvSpPr>
-          <p:nvPr>
-            <p:ph type="body" idx="3"/>
-          </p:nvPr>
-        </p:nvSpPr>
-        <p:spPr>
-          <a:xfrm>
-            <a:off x="182880" y="1069848"/>
-            <a:ext cx="8778300" cy="3895200"/>
-          </a:xfrm>
-          <a:prstGeom prst="rect">
-            <a:avLst/>
-          </a:prstGeom>
-        </p:spPr>
-        <p:txBody>
-          <a:bodyPr spcFirstLastPara="1" wrap="square" lIns="91425" tIns="91425" rIns="91425" bIns="91425" anchor="t" anchorCtr="0">
-            <a:noAutofit/>
-          </a:bodyPr>
-          <a:lstStyle/>
-          <a:p>
-            <a:pPr marL="0" lvl="0" indent="0" algn="just" rtl="0">
-              <a:spcBef>
-                <a:spcPts val="0"/>
-              </a:spcBef>
-              <a:spcAft>
-                <a:spcPts val="0"/>
-              </a:spcAft>
-              <a:buNone/>
-            </a:pPr>
-            <a:r>
-              <a:rPr lang="en"/>
-              <a:t>...</a:t>
-            </a:r>
-            <a:endParaRPr/>
-          </a:p>
-          <a:p>
-            <a:pPr marL="0" lvl="0" indent="0" algn="just" rtl="0">
-              <a:spcBef>
-                <a:spcPts val="800"/>
-              </a:spcBef>
-              <a:spcAft>
-                <a:spcPts val="0"/>
-              </a:spcAft>
-              <a:buNone/>
-            </a:pPr>
-            <a:endParaRPr/>
-          </a:p>
-          <a:p>
-            <a:pPr marL="0" lvl="0" indent="0" algn="just" rtl="0">
-              <a:spcBef>
-                <a:spcPts val="800"/>
-              </a:spcBef>
-              <a:spcAft>
-                <a:spcPts val="0"/>
-              </a:spcAft>
-              <a:buNone/>
-            </a:pPr>
-            <a:r>
-              <a:rPr lang="en" sz="1400" b="1"/>
-              <a:t>My most difficult challenges this block</a:t>
-            </a:r>
-            <a:endParaRPr sz="1400" b="1"/>
-          </a:p>
-          <a:p>
-            <a:pPr marL="0" lvl="0" indent="0" algn="just" rtl="0">
-              <a:spcBef>
-                <a:spcPts val="800"/>
-              </a:spcBef>
-              <a:spcAft>
-                <a:spcPts val="0"/>
-              </a:spcAft>
-              <a:buNone/>
-            </a:pPr>
-            <a:r>
-              <a:rPr lang="en"/>
-              <a:t>...</a:t>
-            </a:r>
-            <a:endParaRPr/>
-          </a:p>
-          <a:p>
-            <a:pPr marL="0" lvl="0" indent="0" algn="just" rtl="0">
-              <a:spcBef>
-                <a:spcPts val="800"/>
-              </a:spcBef>
-              <a:spcAft>
-                <a:spcPts val="0"/>
-              </a:spcAft>
-              <a:buNone/>
-            </a:pPr>
-            <a:endParaRPr/>
-          </a:p>
-          <a:p>
-            <a:pPr marL="0" lvl="0" indent="0" algn="just" rtl="0">
-              <a:spcBef>
-                <a:spcPts val="800"/>
-              </a:spcBef>
-              <a:spcAft>
-                <a:spcPts val="0"/>
-              </a:spcAft>
-              <a:buNone/>
-            </a:pPr>
-            <a:r>
-              <a:rPr lang="en" sz="1400" b="1"/>
-              <a:t>The most important lessons I learned</a:t>
-            </a:r>
-            <a:endParaRPr sz="1400" b="1"/>
-          </a:p>
-          <a:p>
-            <a:pPr marL="0" lvl="0" indent="0" algn="just" rtl="0">
-              <a:spcBef>
-                <a:spcPts val="800"/>
-              </a:spcBef>
-              <a:spcAft>
-                <a:spcPts val="800"/>
-              </a:spcAft>
-              <a:buNone/>
-            </a:pPr>
-            <a:r>
-              <a:rPr lang="en"/>
-              <a:t>...</a:t>
-            </a:r>
-            <a:endParaRPr/>
-          </a:p>
-        </p:txBody>
-      </p:sp>
-      <p:sp>
-        <p:nvSpPr>
-          <p:cNvPr id="508" name="Google Shape;508;p53"/>
-          <p:cNvSpPr txBox="1">
-            <a:spLocks noGrp="1"/>
-          </p:cNvSpPr>
-          <p:nvPr>
-            <p:ph type="title" idx="4"/>
-          </p:nvPr>
-        </p:nvSpPr>
-        <p:spPr>
-          <a:xfrm>
-            <a:off x="0" y="0"/>
-            <a:ext cx="576000" cy="572700"/>
-          </a:xfrm>
-          <a:prstGeom prst="rect">
-            <a:avLst/>
-          </a:prstGeom>
-        </p:spPr>
-        <p:txBody>
-          <a:bodyPr spcFirstLastPara="1" wrap="square" lIns="91425" tIns="91425" rIns="91425" bIns="91425" anchor="ctr" anchorCtr="0">
-            <a:noAutofit/>
-          </a:bodyPr>
-          <a:lstStyle/>
-          <a:p>
-            <a:pPr marL="0" lvl="0" indent="0" algn="ctr" rtl="0">
-              <a:spcBef>
-                <a:spcPts val="0"/>
-              </a:spcBef>
-              <a:spcAft>
-                <a:spcPts val="0"/>
-              </a:spcAft>
-              <a:buNone/>
-            </a:pPr>
-            <a:r>
-              <a:rPr lang="en"/>
-              <a:t>C</a:t>
-            </a:r>
-            <a:endParaRPr/>
-          </a:p>
-        </p:txBody>
-      </p:sp>
-    </p:spTree>
-  </p:cSld>
-  <p:clrMapOvr>
-    <a:masterClrMapping/>
-  </p:clrMapOvr>
-</p:sld>
-</file>
-
-<file path=ppt/slides/slide43.xml><?xml version="1.0" encoding="utf-8"?>
-<p:sld xmlns:a="http://schemas.openxmlformats.org/drawingml/2006/main" xmlns:r="http://schemas.openxmlformats.org/officeDocument/2006/relationships" xmlns:p="http://schemas.openxmlformats.org/presentationml/2006/main">
-  <p:cSld>
-    <p:spTree>
-      <p:nvGrpSpPr>
-        <p:cNvPr id="1" name="Shape 512"/>
-        <p:cNvGrpSpPr/>
-        <p:nvPr/>
-      </p:nvGrpSpPr>
-      <p:grpSpPr>
-        <a:xfrm>
-          <a:off x="0" y="0"/>
-          <a:ext cx="0" cy="0"/>
-          <a:chOff x="0" y="0"/>
-          <a:chExt cx="0" cy="0"/>
-        </a:xfrm>
-      </p:grpSpPr>
-      <p:sp>
-        <p:nvSpPr>
-          <p:cNvPr id="513" name="Google Shape;513;p54"/>
-          <p:cNvSpPr txBox="1">
-            <a:spLocks noGrp="1"/>
-          </p:cNvSpPr>
-          <p:nvPr>
-            <p:ph type="title"/>
-          </p:nvPr>
-        </p:nvSpPr>
-        <p:spPr>
-          <a:xfrm>
-            <a:off x="667512" y="0"/>
-            <a:ext cx="5486400" cy="572700"/>
-          </a:xfrm>
-          <a:prstGeom prst="rect">
-            <a:avLst/>
-          </a:prstGeom>
-        </p:spPr>
-        <p:txBody>
-          <a:bodyPr spcFirstLastPara="1" wrap="square" lIns="91425" tIns="91425" rIns="91425" bIns="91425" anchor="ctr" anchorCtr="0">
-            <a:noAutofit/>
-          </a:bodyPr>
-          <a:lstStyle/>
-          <a:p>
-            <a:pPr marL="0" lvl="0" indent="0" algn="l" rtl="0">
-              <a:spcBef>
-                <a:spcPts val="0"/>
-              </a:spcBef>
-              <a:spcAft>
-                <a:spcPts val="0"/>
-              </a:spcAft>
-              <a:buNone/>
-            </a:pPr>
-            <a:r>
-              <a:rPr lang="en"/>
-              <a:t>How well am I progressing?</a:t>
-            </a:r>
-            <a:endParaRPr/>
-          </a:p>
-        </p:txBody>
-      </p:sp>
-      <p:sp>
-        <p:nvSpPr>
-          <p:cNvPr id="514" name="Google Shape;514;p54"/>
-          <p:cNvSpPr txBox="1">
-            <a:spLocks noGrp="1"/>
-          </p:cNvSpPr>
-          <p:nvPr>
-            <p:ph type="title" idx="2"/>
-          </p:nvPr>
-        </p:nvSpPr>
-        <p:spPr>
-          <a:xfrm>
-            <a:off x="7068300" y="0"/>
-            <a:ext cx="1984200" cy="572700"/>
-          </a:xfrm>
-          <a:prstGeom prst="rect">
-            <a:avLst/>
-          </a:prstGeom>
-        </p:spPr>
-        <p:txBody>
-          <a:bodyPr spcFirstLastPara="1" wrap="square" lIns="91425" tIns="91425" rIns="91425" bIns="91425" anchor="b" anchorCtr="0">
-            <a:noAutofit/>
-          </a:bodyPr>
-          <a:lstStyle/>
-          <a:p>
-            <a:pPr marL="0" lvl="0" indent="0" algn="r" rtl="0">
-              <a:spcBef>
-                <a:spcPts val="0"/>
-              </a:spcBef>
-              <a:spcAft>
-                <a:spcPts val="0"/>
-              </a:spcAft>
-              <a:buNone/>
-            </a:pPr>
-            <a:r>
-              <a:rPr lang="en"/>
-              <a:t>2</a:t>
-            </a:r>
-            <a:r>
-              <a:rPr lang="en" sz="1400"/>
-              <a:t>/</a:t>
-            </a:r>
-            <a:r>
-              <a:rPr lang="en"/>
-              <a:t>2</a:t>
-            </a:r>
-            <a:endParaRPr sz="1400"/>
-          </a:p>
-        </p:txBody>
-      </p:sp>
-      <p:sp>
-        <p:nvSpPr>
-          <p:cNvPr id="515" name="Google Shape;515;p54"/>
-          <p:cNvSpPr txBox="1">
-            <a:spLocks noGrp="1"/>
-          </p:cNvSpPr>
-          <p:nvPr>
-            <p:ph type="title" idx="4"/>
-          </p:nvPr>
-        </p:nvSpPr>
-        <p:spPr>
-          <a:xfrm>
-            <a:off x="0" y="0"/>
-            <a:ext cx="576000" cy="572700"/>
-          </a:xfrm>
-          <a:prstGeom prst="rect">
-            <a:avLst/>
-          </a:prstGeom>
-        </p:spPr>
-        <p:txBody>
-          <a:bodyPr spcFirstLastPara="1" wrap="square" lIns="91425" tIns="91425" rIns="91425" bIns="91425" anchor="ctr" anchorCtr="0">
-            <a:noAutofit/>
-          </a:bodyPr>
-          <a:lstStyle/>
-          <a:p>
-            <a:pPr marL="0" lvl="0" indent="0" algn="ctr" rtl="0">
-              <a:spcBef>
-                <a:spcPts val="0"/>
-              </a:spcBef>
-              <a:spcAft>
-                <a:spcPts val="0"/>
-              </a:spcAft>
-              <a:buNone/>
-            </a:pPr>
-            <a:r>
-              <a:rPr lang="en"/>
-              <a:t>C</a:t>
-            </a:r>
-            <a:endParaRPr/>
-          </a:p>
-        </p:txBody>
-      </p:sp>
-      <p:sp>
-        <p:nvSpPr>
-          <p:cNvPr id="516" name="Google Shape;516;p54"/>
-          <p:cNvSpPr txBox="1">
-            <a:spLocks noGrp="1"/>
-          </p:cNvSpPr>
-          <p:nvPr>
-            <p:ph type="subTitle" idx="1"/>
-          </p:nvPr>
-        </p:nvSpPr>
-        <p:spPr>
-          <a:xfrm>
-            <a:off x="182880" y="667512"/>
-            <a:ext cx="8778300" cy="402300"/>
-          </a:xfrm>
-          <a:prstGeom prst="rect">
-            <a:avLst/>
-          </a:prstGeom>
-        </p:spPr>
-        <p:txBody>
-          <a:bodyPr spcFirstLastPara="1" wrap="square" lIns="91425" tIns="91425" rIns="91425" bIns="91425" anchor="t" anchorCtr="0">
-            <a:noAutofit/>
-          </a:bodyPr>
-          <a:lstStyle/>
-          <a:p>
-            <a:pPr marL="0" lvl="0" indent="0" algn="l" rtl="0">
-              <a:spcBef>
-                <a:spcPts val="0"/>
-              </a:spcBef>
-              <a:spcAft>
-                <a:spcPts val="800"/>
-              </a:spcAft>
-              <a:buNone/>
-            </a:pPr>
-            <a:r>
-              <a:rPr lang="en"/>
-              <a:t>Reflection on my self assessment						My self assessment grade is a</a:t>
-            </a:r>
-            <a:endParaRPr b="0" i="1"/>
-          </a:p>
-        </p:txBody>
-      </p:sp>
-      <p:sp>
-        <p:nvSpPr>
-          <p:cNvPr id="517" name="Google Shape;517;p54"/>
-          <p:cNvSpPr txBox="1">
-            <a:spLocks noGrp="1"/>
-          </p:cNvSpPr>
-          <p:nvPr>
-            <p:ph type="body" idx="3"/>
-          </p:nvPr>
-        </p:nvSpPr>
-        <p:spPr>
-          <a:xfrm>
-            <a:off x="182880" y="1069848"/>
-            <a:ext cx="5852100" cy="3895200"/>
-          </a:xfrm>
-          <a:prstGeom prst="rect">
-            <a:avLst/>
-          </a:prstGeom>
-        </p:spPr>
-        <p:txBody>
-          <a:bodyPr spcFirstLastPara="1" wrap="square" lIns="91425" tIns="91425" rIns="91425" bIns="91425" anchor="t" anchorCtr="0">
-            <a:noAutofit/>
-          </a:bodyPr>
-          <a:lstStyle/>
-          <a:p>
-            <a:pPr marL="0" lvl="0" indent="0" algn="just" rtl="0">
-              <a:spcBef>
-                <a:spcPts val="0"/>
-              </a:spcBef>
-              <a:spcAft>
-                <a:spcPts val="0"/>
-              </a:spcAft>
-              <a:buNone/>
-            </a:pPr>
-            <a:r>
-              <a:rPr lang="en"/>
-              <a:t>...</a:t>
-            </a:r>
-            <a:endParaRPr/>
-          </a:p>
-          <a:p>
-            <a:pPr marL="0" lvl="0" indent="0" algn="just" rtl="0">
-              <a:spcBef>
-                <a:spcPts val="800"/>
-              </a:spcBef>
-              <a:spcAft>
-                <a:spcPts val="0"/>
-              </a:spcAft>
-              <a:buNone/>
-            </a:pPr>
-            <a:endParaRPr/>
-          </a:p>
-          <a:p>
-            <a:pPr marL="0" lvl="0" indent="0" algn="just" rtl="0">
-              <a:spcBef>
-                <a:spcPts val="800"/>
-              </a:spcBef>
-              <a:spcAft>
-                <a:spcPts val="0"/>
-              </a:spcAft>
-              <a:buNone/>
-            </a:pPr>
-            <a:r>
-              <a:rPr lang="en" sz="1400" b="1"/>
-              <a:t>How I plan to improve next block</a:t>
-            </a:r>
-            <a:endParaRPr sz="1400" b="1"/>
-          </a:p>
-          <a:p>
-            <a:pPr marL="0" lvl="0" indent="0" algn="just" rtl="0">
-              <a:spcBef>
-                <a:spcPts val="800"/>
-              </a:spcBef>
-              <a:spcAft>
-                <a:spcPts val="800"/>
-              </a:spcAft>
-              <a:buNone/>
-            </a:pPr>
-            <a:r>
-              <a:rPr lang="en"/>
-              <a:t>...</a:t>
-            </a:r>
-            <a:endParaRPr/>
-          </a:p>
-        </p:txBody>
-      </p:sp>
-      <p:sp>
-        <p:nvSpPr>
-          <p:cNvPr id="518" name="Google Shape;518;p54"/>
-          <p:cNvSpPr txBox="1"/>
-          <p:nvPr/>
-        </p:nvSpPr>
-        <p:spPr>
-          <a:xfrm>
-            <a:off x="7918704" y="676700"/>
-            <a:ext cx="914400" cy="640200"/>
-          </a:xfrm>
-          <a:prstGeom prst="rect">
-            <a:avLst/>
-          </a:prstGeom>
-          <a:noFill/>
-          <a:ln>
-            <a:noFill/>
-          </a:ln>
-        </p:spPr>
-        <p:txBody>
-          <a:bodyPr spcFirstLastPara="1" wrap="square" lIns="91425" tIns="91425" rIns="91425" bIns="91425" anchor="t" anchorCtr="0">
-            <a:noAutofit/>
-          </a:bodyPr>
-          <a:lstStyle/>
-          <a:p>
-            <a:pPr marL="0" lvl="0" indent="0" algn="l" rtl="0">
-              <a:spcBef>
-                <a:spcPts val="0"/>
-              </a:spcBef>
-              <a:spcAft>
-                <a:spcPts val="0"/>
-              </a:spcAft>
-              <a:buNone/>
-            </a:pPr>
-            <a:r>
-              <a:rPr lang="en" sz="3600" b="1">
-                <a:solidFill>
-                  <a:srgbClr val="434343"/>
-                </a:solidFill>
-                <a:latin typeface="Roboto"/>
-                <a:ea typeface="Roboto"/>
-                <a:cs typeface="Roboto"/>
-                <a:sym typeface="Roboto"/>
-              </a:rPr>
-              <a:t>x.x</a:t>
-            </a:r>
-            <a:endParaRPr sz="3600" b="1">
-              <a:solidFill>
-                <a:srgbClr val="434343"/>
-              </a:solidFill>
-              <a:latin typeface="Roboto"/>
-              <a:ea typeface="Roboto"/>
-              <a:cs typeface="Roboto"/>
-              <a:sym typeface="Roboto"/>
-            </a:endParaRPr>
           </a:p>
         </p:txBody>
       </p:sp>
@@ -30951,23 +29449,6 @@
 </file>
 
 <file path=customXml/item1.xml><?xml version="1.0" encoding="utf-8"?>
-<p:properties xmlns:p="http://schemas.microsoft.com/office/2006/metadata/properties" xmlns:xsi="http://www.w3.org/2001/XMLSchema-instance" xmlns:pc="http://schemas.microsoft.com/office/infopath/2007/PartnerControls">
-  <documentManagement>
-    <ReferenceId xmlns="c152f6e4-8646-42a0-bdef-6957e39d6540" xsi:nil="true"/>
-  </documentManagement>
-</p:properties>
-</file>
-
-<file path=customXml/item2.xml><?xml version="1.0" encoding="utf-8"?>
-<?mso-contentType ?>
-<FormTemplates xmlns="http://schemas.microsoft.com/sharepoint/v3/contenttype/forms">
-  <Display>DocumentLibraryForm</Display>
-  <Edit>DocumentLibraryForm</Edit>
-  <New>DocumentLibraryForm</New>
-</FormTemplates>
-</file>
-
-<file path=customXml/item3.xml><?xml version="1.0" encoding="utf-8"?>
 <ct:contentTypeSchema xmlns:ct="http://schemas.microsoft.com/office/2006/metadata/contentType" xmlns:ma="http://schemas.microsoft.com/office/2006/metadata/properties/metaAttributes" ct:_="" ma:_="" ma:contentTypeName="Document" ma:contentTypeID="0x01010060D07512EFF14A4ABD044BE0FCD6C60D" ma:contentTypeVersion="3" ma:contentTypeDescription="Create a new document." ma:contentTypeScope="" ma:versionID="c2b15550350b222693d659ce129ff451">
   <xsd:schema xmlns:xsd="http://www.w3.org/2001/XMLSchema" xmlns:xs="http://www.w3.org/2001/XMLSchema" xmlns:p="http://schemas.microsoft.com/office/2006/metadata/properties" xmlns:ns2="c152f6e4-8646-42a0-bdef-6957e39d6540" targetNamespace="http://schemas.microsoft.com/office/2006/metadata/properties" ma:root="true" ma:fieldsID="1d336d9eed8042ae42b1aad047849339" ns2:_="">
     <xsd:import namespace="c152f6e4-8646-42a0-bdef-6957e39d6540"/>
@@ -31105,7 +29586,42 @@
 </ct:contentTypeSchema>
 </file>
 
+<file path=customXml/item2.xml><?xml version="1.0" encoding="utf-8"?>
+<p:properties xmlns:p="http://schemas.microsoft.com/office/2006/metadata/properties" xmlns:xsi="http://www.w3.org/2001/XMLSchema-instance" xmlns:pc="http://schemas.microsoft.com/office/infopath/2007/PartnerControls">
+  <documentManagement>
+    <ReferenceId xmlns="c152f6e4-8646-42a0-bdef-6957e39d6540" xsi:nil="true"/>
+  </documentManagement>
+</p:properties>
+</file>
+
+<file path=customXml/item3.xml><?xml version="1.0" encoding="utf-8"?>
+<?mso-contentType ?>
+<FormTemplates xmlns="http://schemas.microsoft.com/sharepoint/v3/contenttype/forms">
+  <Display>DocumentLibraryForm</Display>
+  <Edit>DocumentLibraryForm</Edit>
+  <New>DocumentLibraryForm</New>
+</FormTemplates>
+</file>
+
 <file path=customXml/itemProps1.xml><?xml version="1.0" encoding="utf-8"?>
+<ds:datastoreItem xmlns:ds="http://schemas.openxmlformats.org/officeDocument/2006/customXml" ds:itemID="{4F96C4B0-FAA7-4740-B299-8221BDCA7209}">
+  <ds:schemaRefs>
+    <ds:schemaRef ds:uri="http://schemas.microsoft.com/office/2006/metadata/contentType"/>
+    <ds:schemaRef ds:uri="http://schemas.microsoft.com/office/2006/metadata/properties/metaAttributes"/>
+    <ds:schemaRef ds:uri="http://www.w3.org/2001/XMLSchema"/>
+    <ds:schemaRef ds:uri="http://schemas.microsoft.com/office/2006/metadata/properties"/>
+    <ds:schemaRef ds:uri="c152f6e4-8646-42a0-bdef-6957e39d6540"/>
+    <ds:schemaRef ds:uri="http://schemas.microsoft.com/office/2006/documentManagement/types"/>
+    <ds:schemaRef ds:uri="http://schemas.microsoft.com/office/infopath/2007/PartnerControls"/>
+    <ds:schemaRef ds:uri="http://schemas.openxmlformats.org/package/2006/metadata/core-properties"/>
+    <ds:schemaRef ds:uri="http://purl.org/dc/elements/1.1/"/>
+    <ds:schemaRef ds:uri="http://purl.org/dc/terms/"/>
+    <ds:schemaRef ds:uri="http://schemas.microsoft.com/internal/obd"/>
+  </ds:schemaRefs>
+</ds:datastoreItem>
+</file>
+
+<file path=customXml/itemProps2.xml><?xml version="1.0" encoding="utf-8"?>
 <ds:datastoreItem xmlns:ds="http://schemas.openxmlformats.org/officeDocument/2006/customXml" ds:itemID="{3067B86F-F5BB-4BE6-9A37-0E19E53CB68B}">
   <ds:schemaRefs>
     <ds:schemaRef ds:uri="04457b0b-0490-4995-8f27-e0b7141e5786"/>
@@ -31122,28 +29638,10 @@
 </ds:datastoreItem>
 </file>
 
-<file path=customXml/itemProps2.xml><?xml version="1.0" encoding="utf-8"?>
+<file path=customXml/itemProps3.xml><?xml version="1.0" encoding="utf-8"?>
 <ds:datastoreItem xmlns:ds="http://schemas.openxmlformats.org/officeDocument/2006/customXml" ds:itemID="{98D9791E-52D0-4ABB-925A-4EAECF798D9B}">
   <ds:schemaRefs>
     <ds:schemaRef ds:uri="http://schemas.microsoft.com/sharepoint/v3/contenttype/forms"/>
   </ds:schemaRefs>
 </ds:datastoreItem>
-</file>
-
-<file path=customXml/itemProps3.xml><?xml version="1.0" encoding="utf-8"?>
-<ds:datastoreItem xmlns:ds="http://schemas.openxmlformats.org/officeDocument/2006/customXml" ds:itemID="{4F96C4B0-FAA7-4740-B299-8221BDCA7209}">
-  <ds:schemaRefs>
-    <ds:schemaRef ds:uri="http://schemas.microsoft.com/office/2006/metadata/contentType"/>
-    <ds:schemaRef ds:uri="http://schemas.microsoft.com/office/2006/metadata/properties/metaAttributes"/>
-    <ds:schemaRef ds:uri="http://www.w3.org/2001/XMLSchema"/>
-    <ds:schemaRef ds:uri="http://schemas.microsoft.com/office/2006/metadata/properties"/>
-    <ds:schemaRef ds:uri="c152f6e4-8646-42a0-bdef-6957e39d6540"/>
-    <ds:schemaRef ds:uri="http://schemas.microsoft.com/office/2006/documentManagement/types"/>
-    <ds:schemaRef ds:uri="http://schemas.microsoft.com/office/infopath/2007/PartnerControls"/>
-    <ds:schemaRef ds:uri="http://schemas.openxmlformats.org/package/2006/metadata/core-properties"/>
-    <ds:schemaRef ds:uri="http://purl.org/dc/elements/1.1/"/>
-    <ds:schemaRef ds:uri="http://purl.org/dc/terms/"/>
-    <ds:schemaRef ds:uri="http://schemas.microsoft.com/internal/obd"/>
-  </ds:schemaRefs>
-</ds:datastoreItem>
 </file>